--- a/figures/figures.pptx
+++ b/figures/figures.pptx
@@ -5,37 +5,40 @@
     <p:sldMasterId id="2147483658" r:id="rId1"/>
   </p:sldMasterIdLst>
   <p:notesMasterIdLst>
-    <p:notesMasterId r:id="rId8"/>
+    <p:notesMasterId r:id="rId11"/>
   </p:notesMasterIdLst>
   <p:sldIdLst>
     <p:sldId id="1301" r:id="rId2"/>
-    <p:sldId id="911" r:id="rId3"/>
-    <p:sldId id="1303" r:id="rId4"/>
-    <p:sldId id="1304" r:id="rId5"/>
-    <p:sldId id="1305" r:id="rId6"/>
-    <p:sldId id="1306" r:id="rId7"/>
+    <p:sldId id="1307" r:id="rId3"/>
+    <p:sldId id="1308" r:id="rId4"/>
+    <p:sldId id="911" r:id="rId5"/>
+    <p:sldId id="1303" r:id="rId6"/>
+    <p:sldId id="1304" r:id="rId7"/>
+    <p:sldId id="1305" r:id="rId8"/>
+    <p:sldId id="1306" r:id="rId9"/>
+    <p:sldId id="1309" r:id="rId10"/>
   </p:sldIdLst>
   <p:sldSz cx="9144000" cy="6858000" type="screen4x3"/>
   <p:notesSz cx="6858000" cy="9144000"/>
   <p:embeddedFontLst>
     <p:embeddedFont>
       <p:font typeface="Lato" panose="020F0502020204030203" pitchFamily="34" charset="0"/>
-      <p:regular r:id="rId9"/>
-      <p:bold r:id="rId10"/>
-      <p:italic r:id="rId11"/>
-      <p:boldItalic r:id="rId12"/>
+      <p:regular r:id="rId12"/>
+      <p:bold r:id="rId13"/>
+      <p:italic r:id="rId14"/>
+      <p:boldItalic r:id="rId15"/>
     </p:embeddedFont>
     <p:embeddedFont>
       <p:font typeface="M+ 1c" panose="020B0503020204020204" pitchFamily="34" charset="-128"/>
-      <p:regular r:id="rId13"/>
-      <p:bold r:id="rId14"/>
+      <p:regular r:id="rId16"/>
+      <p:bold r:id="rId17"/>
     </p:embeddedFont>
     <p:embeddedFont>
       <p:font typeface="Raleway" pitchFamily="2" charset="0"/>
-      <p:regular r:id="rId15"/>
-      <p:bold r:id="rId16"/>
-      <p:italic r:id="rId17"/>
-      <p:boldItalic r:id="rId18"/>
+      <p:regular r:id="rId18"/>
+      <p:bold r:id="rId19"/>
+      <p:italic r:id="rId20"/>
+      <p:boldItalic r:id="rId21"/>
     </p:embeddedFont>
   </p:embeddedFontLst>
   <p:defaultTextStyle>
@@ -836,6 +839,270 @@
   <p:cSld>
     <p:spTree>
       <p:nvGrpSpPr>
+        <p:cNvPr id="1" name="">
+          <a:extLst>
+            <a:ext uri="{FF2B5EF4-FFF2-40B4-BE49-F238E27FC236}">
+              <a16:creationId xmlns:a16="http://schemas.microsoft.com/office/drawing/2014/main" id="{46400FE5-604F-B1B8-CD82-F1A3FFAF3D5C}"/>
+            </a:ext>
+          </a:extLst>
+        </p:cNvPr>
+        <p:cNvGrpSpPr/>
+        <p:nvPr/>
+      </p:nvGrpSpPr>
+      <p:grpSpPr>
+        <a:xfrm>
+          <a:off x="0" y="0"/>
+          <a:ext cx="0" cy="0"/>
+          <a:chOff x="0" y="0"/>
+          <a:chExt cx="0" cy="0"/>
+        </a:xfrm>
+      </p:grpSpPr>
+      <p:sp>
+        <p:nvSpPr>
+          <p:cNvPr id="2" name="Slide Image Placeholder 1">
+            <a:extLst>
+              <a:ext uri="{FF2B5EF4-FFF2-40B4-BE49-F238E27FC236}">
+                <a16:creationId xmlns:a16="http://schemas.microsoft.com/office/drawing/2014/main" id="{32C7F6A4-E8C7-2A92-1C99-73E328043A04}"/>
+              </a:ext>
+            </a:extLst>
+          </p:cNvPr>
+          <p:cNvSpPr>
+            <a:spLocks noGrp="1" noRot="1" noChangeAspect="1"/>
+          </p:cNvSpPr>
+          <p:nvPr>
+            <p:ph type="sldImg"/>
+          </p:nvPr>
+        </p:nvSpPr>
+        <p:spPr>
+          <a:xfrm>
+            <a:off x="1143000" y="685800"/>
+            <a:ext cx="4572000" cy="3429000"/>
+          </a:xfrm>
+        </p:spPr>
+      </p:sp>
+      <p:sp>
+        <p:nvSpPr>
+          <p:cNvPr id="3" name="Notes Placeholder 2">
+            <a:extLst>
+              <a:ext uri="{FF2B5EF4-FFF2-40B4-BE49-F238E27FC236}">
+                <a16:creationId xmlns:a16="http://schemas.microsoft.com/office/drawing/2014/main" id="{C6DC5713-592C-8C86-30EB-111697F3D7B4}"/>
+              </a:ext>
+            </a:extLst>
+          </p:cNvPr>
+          <p:cNvSpPr>
+            <a:spLocks noGrp="1"/>
+          </p:cNvSpPr>
+          <p:nvPr>
+            <p:ph type="body" idx="1"/>
+          </p:nvPr>
+        </p:nvSpPr>
+        <p:spPr/>
+        <p:txBody>
+          <a:bodyPr/>
+          <a:lstStyle/>
+          <a:p>
+            <a:r>
+              <a:rPr lang="en-JP" dirty="0"/>
+              <a:t>そのような安全性が保証された離散事象システムの要件定義で設計される動作仕様設計において，</a:t>
+            </a:r>
+          </a:p>
+          <a:p>
+            <a:r>
+              <a:rPr lang="en-JP" dirty="0"/>
+              <a:t>本研究のベース研究である「離散制御器合成」は利用されます．</a:t>
+            </a:r>
+          </a:p>
+          <a:p>
+            <a:endParaRPr lang="en-JP" dirty="0"/>
+          </a:p>
+          <a:p>
+            <a:r>
+              <a:rPr lang="en-JP" dirty="0"/>
+              <a:t>要求分析において，システムと外部環境の相互作用を環境モデルとしてモデル化します．</a:t>
+            </a:r>
+          </a:p>
+          <a:p>
+            <a:r>
+              <a:rPr lang="en-JP" dirty="0"/>
+              <a:t>その後，モデル化された環境モデルにおいて必要となる安全性を分析し，監視モデルとしてモデル化します．</a:t>
+            </a:r>
+          </a:p>
+          <a:p>
+            <a:endParaRPr lang="en-JP" dirty="0"/>
+          </a:p>
+          <a:p>
+            <a:r>
+              <a:rPr lang="en-JP" dirty="0"/>
+              <a:t>そして，用意された環境モデルと監視モデルを入力として離散制御器合成することで，安全性が保証された動作仕様である制御器を自動合成します．</a:t>
+            </a:r>
+          </a:p>
+          <a:p>
+            <a:r>
+              <a:rPr lang="en-JP" dirty="0"/>
+              <a:t>つまり，離散制御器合成は動作仕様設計において，要求仕様化と要求の検証プロセスを自動化する技術です．</a:t>
+            </a:r>
+          </a:p>
+          <a:p>
+            <a:endParaRPr lang="en-JP" dirty="0"/>
+          </a:p>
+          <a:p>
+            <a:r>
+              <a:rPr lang="en-JP" dirty="0"/>
+              <a:t>この一連の流れを人数管理システムを用いて，説明します．</a:t>
+            </a:r>
+          </a:p>
+        </p:txBody>
+      </p:sp>
+    </p:spTree>
+    <p:extLst>
+      <p:ext uri="{BB962C8B-B14F-4D97-AF65-F5344CB8AC3E}">
+        <p14:creationId xmlns:p14="http://schemas.microsoft.com/office/powerpoint/2010/main" val="1093794775"/>
+      </p:ext>
+    </p:extLst>
+  </p:cSld>
+  <p:clrMapOvr>
+    <a:masterClrMapping/>
+  </p:clrMapOvr>
+</p:notes>
+</file>
+
+<file path=ppt/notesSlides/notesSlide3.xml><?xml version="1.0" encoding="utf-8"?>
+<p:notes xmlns:a="http://schemas.openxmlformats.org/drawingml/2006/main" xmlns:r="http://schemas.openxmlformats.org/officeDocument/2006/relationships" xmlns:p="http://schemas.openxmlformats.org/presentationml/2006/main">
+  <p:cSld>
+    <p:spTree>
+      <p:nvGrpSpPr>
+        <p:cNvPr id="1" name="">
+          <a:extLst>
+            <a:ext uri="{FF2B5EF4-FFF2-40B4-BE49-F238E27FC236}">
+              <a16:creationId xmlns:a16="http://schemas.microsoft.com/office/drawing/2014/main" id="{2E25B808-AFA9-2076-CBD5-D3C34E8EDB00}"/>
+            </a:ext>
+          </a:extLst>
+        </p:cNvPr>
+        <p:cNvGrpSpPr/>
+        <p:nvPr/>
+      </p:nvGrpSpPr>
+      <p:grpSpPr>
+        <a:xfrm>
+          <a:off x="0" y="0"/>
+          <a:ext cx="0" cy="0"/>
+          <a:chOff x="0" y="0"/>
+          <a:chExt cx="0" cy="0"/>
+        </a:xfrm>
+      </p:grpSpPr>
+      <p:sp>
+        <p:nvSpPr>
+          <p:cNvPr id="2" name="Slide Image Placeholder 1">
+            <a:extLst>
+              <a:ext uri="{FF2B5EF4-FFF2-40B4-BE49-F238E27FC236}">
+                <a16:creationId xmlns:a16="http://schemas.microsoft.com/office/drawing/2014/main" id="{76D7ACAD-FF90-E313-D326-545AFC6796D8}"/>
+              </a:ext>
+            </a:extLst>
+          </p:cNvPr>
+          <p:cNvSpPr>
+            <a:spLocks noGrp="1" noRot="1" noChangeAspect="1"/>
+          </p:cNvSpPr>
+          <p:nvPr>
+            <p:ph type="sldImg"/>
+          </p:nvPr>
+        </p:nvSpPr>
+        <p:spPr>
+          <a:xfrm>
+            <a:off x="1143000" y="685800"/>
+            <a:ext cx="4572000" cy="3429000"/>
+          </a:xfrm>
+        </p:spPr>
+      </p:sp>
+      <p:sp>
+        <p:nvSpPr>
+          <p:cNvPr id="3" name="Notes Placeholder 2">
+            <a:extLst>
+              <a:ext uri="{FF2B5EF4-FFF2-40B4-BE49-F238E27FC236}">
+                <a16:creationId xmlns:a16="http://schemas.microsoft.com/office/drawing/2014/main" id="{40344A45-9107-8D95-A3AC-566A6B261DCC}"/>
+              </a:ext>
+            </a:extLst>
+          </p:cNvPr>
+          <p:cNvSpPr>
+            <a:spLocks noGrp="1"/>
+          </p:cNvSpPr>
+          <p:nvPr>
+            <p:ph type="body" idx="1"/>
+          </p:nvPr>
+        </p:nvSpPr>
+        <p:spPr/>
+        <p:txBody>
+          <a:bodyPr/>
+          <a:lstStyle/>
+          <a:p>
+            <a:r>
+              <a:rPr lang="en-JP" dirty="0"/>
+              <a:t>そのような安全性が保証された離散事象システムの要件定義で設計される動作仕様設計において，</a:t>
+            </a:r>
+          </a:p>
+          <a:p>
+            <a:r>
+              <a:rPr lang="en-JP" dirty="0"/>
+              <a:t>本研究のベース研究である「離散制御器合成」は利用されます．</a:t>
+            </a:r>
+          </a:p>
+          <a:p>
+            <a:endParaRPr lang="en-JP" dirty="0"/>
+          </a:p>
+          <a:p>
+            <a:r>
+              <a:rPr lang="en-JP" dirty="0"/>
+              <a:t>要求分析において，システムと外部環境の相互作用を環境モデルとしてモデル化します．</a:t>
+            </a:r>
+          </a:p>
+          <a:p>
+            <a:r>
+              <a:rPr lang="en-JP" dirty="0"/>
+              <a:t>その後，モデル化された環境モデルにおいて必要となる安全性を分析し，監視モデルとしてモデル化します．</a:t>
+            </a:r>
+          </a:p>
+          <a:p>
+            <a:endParaRPr lang="en-JP" dirty="0"/>
+          </a:p>
+          <a:p>
+            <a:r>
+              <a:rPr lang="en-JP" dirty="0"/>
+              <a:t>そして，用意された環境モデルと監視モデルを入力として離散制御器合成することで，安全性が保証された動作仕様である制御器を自動合成します．</a:t>
+            </a:r>
+          </a:p>
+          <a:p>
+            <a:r>
+              <a:rPr lang="en-JP" dirty="0"/>
+              <a:t>つまり，離散制御器合成は動作仕様設計において，要求仕様化と要求の検証プロセスを自動化する技術です．</a:t>
+            </a:r>
+          </a:p>
+          <a:p>
+            <a:endParaRPr lang="en-JP" dirty="0"/>
+          </a:p>
+          <a:p>
+            <a:r>
+              <a:rPr lang="en-JP" dirty="0"/>
+              <a:t>この一連の流れを人数管理システムを用いて，説明します．</a:t>
+            </a:r>
+          </a:p>
+        </p:txBody>
+      </p:sp>
+    </p:spTree>
+    <p:extLst>
+      <p:ext uri="{BB962C8B-B14F-4D97-AF65-F5344CB8AC3E}">
+        <p14:creationId xmlns:p14="http://schemas.microsoft.com/office/powerpoint/2010/main" val="258639141"/>
+      </p:ext>
+    </p:extLst>
+  </p:cSld>
+  <p:clrMapOvr>
+    <a:masterClrMapping/>
+  </p:clrMapOvr>
+</p:notes>
+</file>
+
+<file path=ppt/notesSlides/notesSlide4.xml><?xml version="1.0" encoding="utf-8"?>
+<p:notes xmlns:a="http://schemas.openxmlformats.org/drawingml/2006/main" xmlns:r="http://schemas.openxmlformats.org/officeDocument/2006/relationships" xmlns:p="http://schemas.openxmlformats.org/presentationml/2006/main">
+  <p:cSld>
+    <p:spTree>
+      <p:nvGrpSpPr>
         <p:cNvPr id="1" name=""/>
         <p:cNvGrpSpPr/>
         <p:nvPr/>
@@ -892,7 +1159,7 @@
 </p:notes>
 </file>
 
-<file path=ppt/notesSlides/notesSlide3.xml><?xml version="1.0" encoding="utf-8"?>
+<file path=ppt/notesSlides/notesSlide5.xml><?xml version="1.0" encoding="utf-8"?>
 <p:notes xmlns:a="http://schemas.openxmlformats.org/drawingml/2006/main" xmlns:r="http://schemas.openxmlformats.org/officeDocument/2006/relationships" xmlns:p="http://schemas.openxmlformats.org/presentationml/2006/main">
   <p:cSld>
     <p:spTree>
@@ -1062,7 +1329,7 @@
           <a:p>
             <a:fld id="{B7146A46-CF47-9B45-B5DA-F02C44766F74}" type="datetimeFigureOut">
               <a:rPr lang="en-US" smtClean="0"/>
-              <a:t>7/28/25</a:t>
+              <a:t>7/29/25</a:t>
             </a:fld>
             <a:endParaRPr lang="en-US"/>
           </a:p>
@@ -2497,6 +2764,411 @@
           <a:chExt cx="0" cy="0"/>
         </a:xfrm>
       </p:grpSpPr>
+      <p:sp>
+        <p:nvSpPr>
+          <p:cNvPr id="9" name="正方形/長方形 8">
+            <a:extLst>
+              <a:ext uri="{FF2B5EF4-FFF2-40B4-BE49-F238E27FC236}">
+                <a16:creationId xmlns:a16="http://schemas.microsoft.com/office/drawing/2014/main" id="{A652AA32-56BD-664B-2DAB-D60A6AE4AB1F}"/>
+              </a:ext>
+            </a:extLst>
+          </p:cNvPr>
+          <p:cNvSpPr/>
+          <p:nvPr/>
+        </p:nvSpPr>
+        <p:spPr>
+          <a:xfrm>
+            <a:off x="-317240" y="1065583"/>
+            <a:ext cx="9787812" cy="5792418"/>
+          </a:xfrm>
+          <a:prstGeom prst="rect">
+            <a:avLst/>
+          </a:prstGeom>
+          <a:solidFill>
+            <a:schemeClr val="bg1"/>
+          </a:solidFill>
+          <a:ln>
+            <a:noFill/>
+          </a:ln>
+        </p:spPr>
+        <p:style>
+          <a:lnRef idx="2">
+            <a:schemeClr val="accent1">
+              <a:shade val="15000"/>
+            </a:schemeClr>
+          </a:lnRef>
+          <a:fillRef idx="1">
+            <a:schemeClr val="accent1"/>
+          </a:fillRef>
+          <a:effectRef idx="0">
+            <a:schemeClr val="accent1"/>
+          </a:effectRef>
+          <a:fontRef idx="minor">
+            <a:schemeClr val="lt1"/>
+          </a:fontRef>
+        </p:style>
+        <p:txBody>
+          <a:bodyPr rtlCol="0" anchor="ctr"/>
+          <a:lstStyle/>
+          <a:p>
+            <a:pPr algn="ctr"/>
+            <a:endParaRPr kumimoji="1" lang="ja-JP" altLang="en-US"/>
+          </a:p>
+        </p:txBody>
+      </p:sp>
+      <p:sp>
+        <p:nvSpPr>
+          <p:cNvPr id="7" name="Rectangle 6">
+            <a:extLst>
+              <a:ext uri="{FF2B5EF4-FFF2-40B4-BE49-F238E27FC236}">
+                <a16:creationId xmlns:a16="http://schemas.microsoft.com/office/drawing/2014/main" id="{0F5FD3B5-7BF5-E4BA-D52E-E765E13FA9B4}"/>
+              </a:ext>
+            </a:extLst>
+          </p:cNvPr>
+          <p:cNvSpPr/>
+          <p:nvPr/>
+        </p:nvSpPr>
+        <p:spPr>
+          <a:xfrm>
+            <a:off x="1638496" y="3159998"/>
+            <a:ext cx="1337246" cy="652745"/>
+          </a:xfrm>
+          <a:prstGeom prst="rect">
+            <a:avLst/>
+          </a:prstGeom>
+          <a:solidFill>
+            <a:schemeClr val="bg1"/>
+          </a:solidFill>
+          <a:ln w="6350">
+            <a:solidFill>
+              <a:srgbClr val="000000"/>
+            </a:solidFill>
+          </a:ln>
+          <a:effectLst>
+            <a:outerShdw blurRad="63500" sx="102000" sy="102000" algn="ctr" rotWithShape="0">
+              <a:prstClr val="black">
+                <a:alpha val="40000"/>
+              </a:prstClr>
+            </a:outerShdw>
+          </a:effectLst>
+        </p:spPr>
+        <p:style>
+          <a:lnRef idx="2">
+            <a:schemeClr val="accent1">
+              <a:shade val="50000"/>
+            </a:schemeClr>
+          </a:lnRef>
+          <a:fillRef idx="1">
+            <a:schemeClr val="accent1"/>
+          </a:fillRef>
+          <a:effectRef idx="0">
+            <a:schemeClr val="accent1"/>
+          </a:effectRef>
+          <a:fontRef idx="minor">
+            <a:schemeClr val="lt1"/>
+          </a:fontRef>
+        </p:style>
+        <p:txBody>
+          <a:bodyPr rtlCol="0" anchor="b"/>
+          <a:lstStyle/>
+          <a:p>
+            <a:pPr algn="ctr"/>
+            <a:r>
+              <a:rPr lang="en-JP" sz="1000" dirty="0">
+                <a:solidFill>
+                  <a:srgbClr val="000000"/>
+                </a:solidFill>
+              </a:rPr>
+              <a:t>監視モデル (LTS)</a:t>
+            </a:r>
+          </a:p>
+        </p:txBody>
+      </p:sp>
+      <p:sp>
+        <p:nvSpPr>
+          <p:cNvPr id="12" name="Rectangle 11">
+            <a:extLst>
+              <a:ext uri="{FF2B5EF4-FFF2-40B4-BE49-F238E27FC236}">
+                <a16:creationId xmlns:a16="http://schemas.microsoft.com/office/drawing/2014/main" id="{CEEBCD35-F10D-7F38-9239-610323B653A7}"/>
+              </a:ext>
+            </a:extLst>
+          </p:cNvPr>
+          <p:cNvSpPr/>
+          <p:nvPr/>
+        </p:nvSpPr>
+        <p:spPr>
+          <a:xfrm>
+            <a:off x="5722856" y="2516106"/>
+            <a:ext cx="1401345" cy="882092"/>
+          </a:xfrm>
+          <a:prstGeom prst="rect">
+            <a:avLst/>
+          </a:prstGeom>
+          <a:solidFill>
+            <a:schemeClr val="bg1"/>
+          </a:solidFill>
+          <a:ln w="6350">
+            <a:solidFill>
+              <a:srgbClr val="000000"/>
+            </a:solidFill>
+          </a:ln>
+          <a:effectLst>
+            <a:outerShdw blurRad="63500" sx="102000" sy="102000" algn="ctr" rotWithShape="0">
+              <a:prstClr val="black">
+                <a:alpha val="40000"/>
+              </a:prstClr>
+            </a:outerShdw>
+          </a:effectLst>
+        </p:spPr>
+        <p:style>
+          <a:lnRef idx="2">
+            <a:schemeClr val="accent1">
+              <a:shade val="50000"/>
+            </a:schemeClr>
+          </a:lnRef>
+          <a:fillRef idx="1">
+            <a:schemeClr val="accent1"/>
+          </a:fillRef>
+          <a:effectRef idx="0">
+            <a:schemeClr val="accent1"/>
+          </a:effectRef>
+          <a:fontRef idx="minor">
+            <a:schemeClr val="lt1"/>
+          </a:fontRef>
+        </p:style>
+        <p:txBody>
+          <a:bodyPr rtlCol="0" anchor="b"/>
+          <a:lstStyle/>
+          <a:p>
+            <a:pPr algn="ctr"/>
+            <a:r>
+              <a:rPr lang="en-JP" sz="1050" dirty="0">
+                <a:solidFill>
+                  <a:srgbClr val="000000"/>
+                </a:solidFill>
+              </a:rPr>
+              <a:t>制御器</a:t>
+            </a:r>
+          </a:p>
+        </p:txBody>
+      </p:sp>
+      <p:sp>
+        <p:nvSpPr>
+          <p:cNvPr id="40" name="Rectangle 39">
+            <a:extLst>
+              <a:ext uri="{FF2B5EF4-FFF2-40B4-BE49-F238E27FC236}">
+                <a16:creationId xmlns:a16="http://schemas.microsoft.com/office/drawing/2014/main" id="{50FBDDBB-46D4-D2CE-B103-4D69CE9C3F91}"/>
+              </a:ext>
+            </a:extLst>
+          </p:cNvPr>
+          <p:cNvSpPr/>
+          <p:nvPr/>
+        </p:nvSpPr>
+        <p:spPr>
+          <a:xfrm>
+            <a:off x="1638496" y="1340498"/>
+            <a:ext cx="1337246" cy="1551330"/>
+          </a:xfrm>
+          <a:prstGeom prst="rect">
+            <a:avLst/>
+          </a:prstGeom>
+          <a:solidFill>
+            <a:schemeClr val="bg1"/>
+          </a:solidFill>
+          <a:ln w="6350">
+            <a:solidFill>
+              <a:srgbClr val="000000"/>
+            </a:solidFill>
+          </a:ln>
+          <a:effectLst>
+            <a:outerShdw blurRad="63500" sx="102000" sy="102000" algn="ctr" rotWithShape="0">
+              <a:prstClr val="black">
+                <a:alpha val="40000"/>
+              </a:prstClr>
+            </a:outerShdw>
+          </a:effectLst>
+        </p:spPr>
+        <p:style>
+          <a:lnRef idx="2">
+            <a:schemeClr val="accent1">
+              <a:shade val="50000"/>
+            </a:schemeClr>
+          </a:lnRef>
+          <a:fillRef idx="1">
+            <a:schemeClr val="accent1"/>
+          </a:fillRef>
+          <a:effectRef idx="0">
+            <a:schemeClr val="accent1"/>
+          </a:effectRef>
+          <a:fontRef idx="minor">
+            <a:schemeClr val="lt1"/>
+          </a:fontRef>
+        </p:style>
+        <p:txBody>
+          <a:bodyPr rtlCol="0" anchor="b"/>
+          <a:lstStyle/>
+          <a:p>
+            <a:pPr algn="ctr"/>
+            <a:r>
+              <a:rPr lang="en-JP" sz="1000" dirty="0">
+                <a:solidFill>
+                  <a:srgbClr val="000000"/>
+                </a:solidFill>
+              </a:rPr>
+              <a:t>環境モデル (LTS)</a:t>
+            </a:r>
+          </a:p>
+        </p:txBody>
+      </p:sp>
+      <p:sp>
+        <p:nvSpPr>
+          <p:cNvPr id="111" name="Rectangle 39">
+            <a:extLst>
+              <a:ext uri="{FF2B5EF4-FFF2-40B4-BE49-F238E27FC236}">
+                <a16:creationId xmlns:a16="http://schemas.microsoft.com/office/drawing/2014/main" id="{7E78727E-8F7B-ABE6-F9D6-08F0FC1661A1}"/>
+              </a:ext>
+            </a:extLst>
+          </p:cNvPr>
+          <p:cNvSpPr/>
+          <p:nvPr/>
+        </p:nvSpPr>
+        <p:spPr>
+          <a:xfrm>
+            <a:off x="3679597" y="2452024"/>
+            <a:ext cx="1401345" cy="1010257"/>
+          </a:xfrm>
+          <a:prstGeom prst="rect">
+            <a:avLst/>
+          </a:prstGeom>
+          <a:solidFill>
+            <a:schemeClr val="bg1"/>
+          </a:solidFill>
+          <a:ln w="6350">
+            <a:solidFill>
+              <a:srgbClr val="000000"/>
+            </a:solidFill>
+          </a:ln>
+          <a:effectLst>
+            <a:outerShdw blurRad="63500" sx="102000" sy="102000" algn="ctr" rotWithShape="0">
+              <a:prstClr val="black">
+                <a:alpha val="40000"/>
+              </a:prstClr>
+            </a:outerShdw>
+          </a:effectLst>
+        </p:spPr>
+        <p:style>
+          <a:lnRef idx="2">
+            <a:schemeClr val="accent1">
+              <a:shade val="50000"/>
+            </a:schemeClr>
+          </a:lnRef>
+          <a:fillRef idx="1">
+            <a:schemeClr val="accent1"/>
+          </a:fillRef>
+          <a:effectRef idx="0">
+            <a:schemeClr val="accent1"/>
+          </a:effectRef>
+          <a:fontRef idx="minor">
+            <a:schemeClr val="lt1"/>
+          </a:fontRef>
+        </p:style>
+        <p:txBody>
+          <a:bodyPr rtlCol="0" anchor="b"/>
+          <a:lstStyle/>
+          <a:p>
+            <a:pPr algn="ctr"/>
+            <a:r>
+              <a:rPr lang="ja-JP" altLang="en-US" sz="1000" dirty="0">
+                <a:solidFill>
+                  <a:srgbClr val="000000"/>
+                </a:solidFill>
+              </a:rPr>
+              <a:t>ゲーム空間</a:t>
+            </a:r>
+            <a:endParaRPr lang="en-JP" sz="1000" dirty="0">
+              <a:solidFill>
+                <a:srgbClr val="000000"/>
+              </a:solidFill>
+            </a:endParaRPr>
+          </a:p>
+        </p:txBody>
+      </p:sp>
+      <p:sp>
+        <p:nvSpPr>
+          <p:cNvPr id="134" name="Rectangle 11">
+            <a:extLst>
+              <a:ext uri="{FF2B5EF4-FFF2-40B4-BE49-F238E27FC236}">
+                <a16:creationId xmlns:a16="http://schemas.microsoft.com/office/drawing/2014/main" id="{349B8EB6-A716-7E00-E680-042C2762DE3C}"/>
+              </a:ext>
+            </a:extLst>
+          </p:cNvPr>
+          <p:cNvSpPr/>
+          <p:nvPr/>
+        </p:nvSpPr>
+        <p:spPr>
+          <a:xfrm>
+            <a:off x="7793466" y="2507942"/>
+            <a:ext cx="1401345" cy="882092"/>
+          </a:xfrm>
+          <a:prstGeom prst="rect">
+            <a:avLst/>
+          </a:prstGeom>
+          <a:solidFill>
+            <a:schemeClr val="bg1"/>
+          </a:solidFill>
+          <a:ln w="6350">
+            <a:solidFill>
+              <a:srgbClr val="000000"/>
+            </a:solidFill>
+          </a:ln>
+          <a:effectLst>
+            <a:outerShdw blurRad="63500" sx="102000" sy="102000" algn="ctr" rotWithShape="0">
+              <a:prstClr val="black">
+                <a:alpha val="40000"/>
+              </a:prstClr>
+            </a:outerShdw>
+          </a:effectLst>
+        </p:spPr>
+        <p:style>
+          <a:lnRef idx="2">
+            <a:schemeClr val="accent1">
+              <a:shade val="50000"/>
+            </a:schemeClr>
+          </a:lnRef>
+          <a:fillRef idx="1">
+            <a:schemeClr val="accent1"/>
+          </a:fillRef>
+          <a:effectRef idx="0">
+            <a:schemeClr val="accent1"/>
+          </a:effectRef>
+          <a:fontRef idx="minor">
+            <a:schemeClr val="lt1"/>
+          </a:fontRef>
+        </p:style>
+        <p:txBody>
+          <a:bodyPr rtlCol="0" anchor="b"/>
+          <a:lstStyle/>
+          <a:p>
+            <a:pPr algn="ctr"/>
+            <a:r>
+              <a:rPr lang="en-US" sz="1050" dirty="0">
+                <a:solidFill>
+                  <a:srgbClr val="000000"/>
+                </a:solidFill>
+              </a:rPr>
+              <a:t>効率の良い</a:t>
+            </a:r>
+            <a:r>
+              <a:rPr lang="en-JP" sz="1050" dirty="0">
+                <a:solidFill>
+                  <a:srgbClr val="000000"/>
+                </a:solidFill>
+              </a:rPr>
+              <a:t>制御器</a:t>
+            </a:r>
+          </a:p>
+        </p:txBody>
+      </p:sp>
       <p:grpSp>
         <p:nvGrpSpPr>
           <p:cNvPr id="4" name="Group 3">
@@ -2889,7 +3561,7 @@
         </p:nvSpPr>
         <p:spPr>
           <a:xfrm>
-            <a:off x="122959" y="2448785"/>
+            <a:off x="122959" y="1655680"/>
             <a:ext cx="914400" cy="914400"/>
           </a:xfrm>
           <a:prstGeom prst="rect">
@@ -2965,7 +3637,7 @@
         </p:nvSpPr>
         <p:spPr>
           <a:xfrm>
-            <a:off x="122959" y="3818523"/>
+            <a:off x="122959" y="3025418"/>
             <a:ext cx="914400" cy="914400"/>
           </a:xfrm>
           <a:prstGeom prst="rect">
@@ -3026,10 +3698,10 @@
       </p:sp>
       <p:sp>
         <p:nvSpPr>
-          <p:cNvPr id="7" name="Rectangle 6">
-            <a:extLst>
-              <a:ext uri="{FF2B5EF4-FFF2-40B4-BE49-F238E27FC236}">
-                <a16:creationId xmlns:a16="http://schemas.microsoft.com/office/drawing/2014/main" id="{0F5FD3B5-7BF5-E4BA-D52E-E765E13FA9B4}"/>
+          <p:cNvPr id="8" name="Chevron 7">
+            <a:extLst>
+              <a:ext uri="{FF2B5EF4-FFF2-40B4-BE49-F238E27FC236}">
+                <a16:creationId xmlns:a16="http://schemas.microsoft.com/office/drawing/2014/main" id="{1EAFF70D-B2AF-380E-C338-12DB69116FE6}"/>
               </a:ext>
             </a:extLst>
           </p:cNvPr>
@@ -3038,75 +3710,7 @@
         </p:nvSpPr>
         <p:spPr>
           <a:xfrm>
-            <a:off x="1638496" y="3953103"/>
-            <a:ext cx="1337246" cy="652745"/>
-          </a:xfrm>
-          <a:prstGeom prst="rect">
-            <a:avLst/>
-          </a:prstGeom>
-          <a:solidFill>
-            <a:schemeClr val="bg1"/>
-          </a:solidFill>
-          <a:ln w="6350">
-            <a:solidFill>
-              <a:srgbClr val="000000"/>
-            </a:solidFill>
-          </a:ln>
-          <a:effectLst>
-            <a:outerShdw blurRad="63500" sx="102000" sy="102000" algn="ctr" rotWithShape="0">
-              <a:prstClr val="black">
-                <a:alpha val="40000"/>
-              </a:prstClr>
-            </a:outerShdw>
-          </a:effectLst>
-        </p:spPr>
-        <p:style>
-          <a:lnRef idx="2">
-            <a:schemeClr val="accent1">
-              <a:shade val="50000"/>
-            </a:schemeClr>
-          </a:lnRef>
-          <a:fillRef idx="1">
-            <a:schemeClr val="accent1"/>
-          </a:fillRef>
-          <a:effectRef idx="0">
-            <a:schemeClr val="accent1"/>
-          </a:effectRef>
-          <a:fontRef idx="minor">
-            <a:schemeClr val="lt1"/>
-          </a:fontRef>
-        </p:style>
-        <p:txBody>
-          <a:bodyPr rtlCol="0" anchor="b"/>
-          <a:lstStyle/>
-          <a:p>
-            <a:pPr algn="ctr"/>
-            <a:r>
-              <a:rPr lang="en-JP" sz="1000" dirty="0">
-                <a:solidFill>
-                  <a:srgbClr val="000000"/>
-                </a:solidFill>
-              </a:rPr>
-              <a:t>監視モデル (LTS)</a:t>
-            </a:r>
-          </a:p>
-        </p:txBody>
-      </p:sp>
-      <p:sp>
-        <p:nvSpPr>
-          <p:cNvPr id="8" name="Chevron 7">
-            <a:extLst>
-              <a:ext uri="{FF2B5EF4-FFF2-40B4-BE49-F238E27FC236}">
-                <a16:creationId xmlns:a16="http://schemas.microsoft.com/office/drawing/2014/main" id="{1EAFF70D-B2AF-380E-C338-12DB69116FE6}"/>
-              </a:ext>
-            </a:extLst>
-          </p:cNvPr>
-          <p:cNvSpPr/>
-          <p:nvPr/>
-        </p:nvSpPr>
-        <p:spPr>
-          <a:xfrm>
-            <a:off x="1142270" y="2682419"/>
+            <a:off x="1142270" y="1889314"/>
             <a:ext cx="387510" cy="452234"/>
           </a:xfrm>
           <a:prstGeom prst="chevron">
@@ -3174,7 +3778,7 @@
         </p:nvSpPr>
         <p:spPr>
           <a:xfrm>
-            <a:off x="3108071" y="3547414"/>
+            <a:off x="3108071" y="2754309"/>
             <a:ext cx="467968" cy="405689"/>
           </a:xfrm>
           <a:prstGeom prst="chevron">
@@ -3243,74 +3847,6 @@
           </a:p>
         </p:txBody>
       </p:sp>
-      <p:sp>
-        <p:nvSpPr>
-          <p:cNvPr id="12" name="Rectangle 11">
-            <a:extLst>
-              <a:ext uri="{FF2B5EF4-FFF2-40B4-BE49-F238E27FC236}">
-                <a16:creationId xmlns:a16="http://schemas.microsoft.com/office/drawing/2014/main" id="{CEEBCD35-F10D-7F38-9239-610323B653A7}"/>
-              </a:ext>
-            </a:extLst>
-          </p:cNvPr>
-          <p:cNvSpPr/>
-          <p:nvPr/>
-        </p:nvSpPr>
-        <p:spPr>
-          <a:xfrm>
-            <a:off x="5722856" y="3309211"/>
-            <a:ext cx="1401345" cy="882092"/>
-          </a:xfrm>
-          <a:prstGeom prst="rect">
-            <a:avLst/>
-          </a:prstGeom>
-          <a:solidFill>
-            <a:schemeClr val="bg1"/>
-          </a:solidFill>
-          <a:ln w="6350">
-            <a:solidFill>
-              <a:srgbClr val="000000"/>
-            </a:solidFill>
-          </a:ln>
-          <a:effectLst>
-            <a:outerShdw blurRad="63500" sx="102000" sy="102000" algn="ctr" rotWithShape="0">
-              <a:prstClr val="black">
-                <a:alpha val="40000"/>
-              </a:prstClr>
-            </a:outerShdw>
-          </a:effectLst>
-        </p:spPr>
-        <p:style>
-          <a:lnRef idx="2">
-            <a:schemeClr val="accent1">
-              <a:shade val="50000"/>
-            </a:schemeClr>
-          </a:lnRef>
-          <a:fillRef idx="1">
-            <a:schemeClr val="accent1"/>
-          </a:fillRef>
-          <a:effectRef idx="0">
-            <a:schemeClr val="accent1"/>
-          </a:effectRef>
-          <a:fontRef idx="minor">
-            <a:schemeClr val="lt1"/>
-          </a:fontRef>
-        </p:style>
-        <p:txBody>
-          <a:bodyPr rtlCol="0" anchor="b"/>
-          <a:lstStyle/>
-          <a:p>
-            <a:pPr algn="ctr"/>
-            <a:r>
-              <a:rPr lang="en-JP" sz="1050" dirty="0">
-                <a:solidFill>
-                  <a:srgbClr val="000000"/>
-                </a:solidFill>
-              </a:rPr>
-              <a:t>制御器</a:t>
-            </a:r>
-          </a:p>
-        </p:txBody>
-      </p:sp>
       <p:cxnSp>
         <p:nvCxnSpPr>
           <p:cNvPr id="13" name="Straight Arrow Connector 12">
@@ -3329,7 +3865,7 @@
         </p:nvCxnSpPr>
         <p:spPr>
           <a:xfrm>
-            <a:off x="1037359" y="2905985"/>
+            <a:off x="1037359" y="2112880"/>
             <a:ext cx="161701" cy="2551"/>
           </a:xfrm>
           <a:prstGeom prst="straightConnector1">
@@ -3375,7 +3911,7 @@
         </p:nvCxnSpPr>
         <p:spPr>
           <a:xfrm flipV="1">
-            <a:off x="1037359" y="4271596"/>
+            <a:off x="1037359" y="3478491"/>
             <a:ext cx="161701" cy="4127"/>
           </a:xfrm>
           <a:prstGeom prst="straightConnector1">
@@ -3421,7 +3957,7 @@
         </p:nvCxnSpPr>
         <p:spPr>
           <a:xfrm>
-            <a:off x="1529780" y="2908536"/>
+            <a:off x="1529780" y="2115431"/>
             <a:ext cx="108716" cy="732"/>
           </a:xfrm>
           <a:prstGeom prst="straightConnector1">
@@ -3467,7 +4003,7 @@
         </p:nvCxnSpPr>
         <p:spPr>
           <a:xfrm>
-            <a:off x="1529780" y="4271596"/>
+            <a:off x="1529780" y="3478491"/>
             <a:ext cx="108716" cy="7880"/>
           </a:xfrm>
           <a:prstGeom prst="straightConnector1">
@@ -3513,7 +4049,7 @@
         </p:nvCxnSpPr>
         <p:spPr>
           <a:xfrm>
-            <a:off x="2975742" y="2909268"/>
+            <a:off x="2975742" y="2116163"/>
             <a:ext cx="193499" cy="840991"/>
           </a:xfrm>
           <a:prstGeom prst="bentConnector3">
@@ -3561,7 +4097,7 @@
         </p:nvCxnSpPr>
         <p:spPr>
           <a:xfrm flipV="1">
-            <a:off x="2975742" y="3750259"/>
+            <a:off x="2975742" y="2957154"/>
             <a:ext cx="193499" cy="529217"/>
           </a:xfrm>
           <a:prstGeom prst="bentConnector3">
@@ -3619,7 +4155,7 @@
         </p:blipFill>
         <p:spPr>
           <a:xfrm>
-            <a:off x="218634" y="2448785"/>
+            <a:off x="218634" y="1655680"/>
             <a:ext cx="739785" cy="739785"/>
           </a:xfrm>
           <a:prstGeom prst="rect">
@@ -3648,7 +4184,7 @@
         </p:blipFill>
         <p:spPr>
           <a:xfrm rot="5400000">
-            <a:off x="300681" y="3807119"/>
+            <a:off x="300681" y="3014014"/>
             <a:ext cx="565219" cy="738052"/>
           </a:xfrm>
           <a:prstGeom prst="rect">
@@ -3656,74 +4192,6 @@
           </a:prstGeom>
         </p:spPr>
       </p:pic>
-      <p:sp>
-        <p:nvSpPr>
-          <p:cNvPr id="40" name="Rectangle 39">
-            <a:extLst>
-              <a:ext uri="{FF2B5EF4-FFF2-40B4-BE49-F238E27FC236}">
-                <a16:creationId xmlns:a16="http://schemas.microsoft.com/office/drawing/2014/main" id="{50FBDDBB-46D4-D2CE-B103-4D69CE9C3F91}"/>
-              </a:ext>
-            </a:extLst>
-          </p:cNvPr>
-          <p:cNvSpPr/>
-          <p:nvPr/>
-        </p:nvSpPr>
-        <p:spPr>
-          <a:xfrm>
-            <a:off x="1638496" y="2133603"/>
-            <a:ext cx="1337246" cy="1551330"/>
-          </a:xfrm>
-          <a:prstGeom prst="rect">
-            <a:avLst/>
-          </a:prstGeom>
-          <a:solidFill>
-            <a:schemeClr val="bg1"/>
-          </a:solidFill>
-          <a:ln w="6350">
-            <a:solidFill>
-              <a:srgbClr val="000000"/>
-            </a:solidFill>
-          </a:ln>
-          <a:effectLst>
-            <a:outerShdw blurRad="63500" sx="102000" sy="102000" algn="ctr" rotWithShape="0">
-              <a:prstClr val="black">
-                <a:alpha val="40000"/>
-              </a:prstClr>
-            </a:outerShdw>
-          </a:effectLst>
-        </p:spPr>
-        <p:style>
-          <a:lnRef idx="2">
-            <a:schemeClr val="accent1">
-              <a:shade val="50000"/>
-            </a:schemeClr>
-          </a:lnRef>
-          <a:fillRef idx="1">
-            <a:schemeClr val="accent1"/>
-          </a:fillRef>
-          <a:effectRef idx="0">
-            <a:schemeClr val="accent1"/>
-          </a:effectRef>
-          <a:fontRef idx="minor">
-            <a:schemeClr val="lt1"/>
-          </a:fontRef>
-        </p:style>
-        <p:txBody>
-          <a:bodyPr rtlCol="0" anchor="b"/>
-          <a:lstStyle/>
-          <a:p>
-            <a:pPr algn="ctr"/>
-            <a:r>
-              <a:rPr lang="en-JP" sz="1000" dirty="0">
-                <a:solidFill>
-                  <a:srgbClr val="000000"/>
-                </a:solidFill>
-              </a:rPr>
-              <a:t>環境モデル (LTS)</a:t>
-            </a:r>
-          </a:p>
-        </p:txBody>
-      </p:sp>
       <p:grpSp>
         <p:nvGrpSpPr>
           <p:cNvPr id="46" name="Group 45">
@@ -3738,7 +4206,7 @@
         </p:nvGrpSpPr>
         <p:grpSpPr>
           <a:xfrm>
-            <a:off x="3419534" y="2152291"/>
+            <a:off x="7302017" y="1268797"/>
             <a:ext cx="1921470" cy="773765"/>
             <a:chOff x="6977506" y="1053854"/>
             <a:chExt cx="1921470" cy="773765"/>
@@ -4010,7 +4478,7 @@
         </p:blipFill>
         <p:spPr>
           <a:xfrm>
-            <a:off x="1682843" y="2205386"/>
+            <a:off x="1682843" y="1412281"/>
             <a:ext cx="1251438" cy="1226359"/>
           </a:xfrm>
           <a:prstGeom prst="rect">
@@ -4040,7 +4508,7 @@
         </p:blipFill>
         <p:spPr>
           <a:xfrm>
-            <a:off x="1977386" y="4068717"/>
+            <a:off x="1977386" y="3275612"/>
             <a:ext cx="578200" cy="253995"/>
           </a:xfrm>
           <a:prstGeom prst="rect">
@@ -4062,7 +4530,7 @@
         </p:nvSpPr>
         <p:spPr>
           <a:xfrm>
-            <a:off x="1142270" y="4045479"/>
+            <a:off x="1142270" y="3252374"/>
             <a:ext cx="387510" cy="452234"/>
           </a:xfrm>
           <a:prstGeom prst="chevron">
@@ -4116,12 +4584,88 @@
           </a:p>
         </p:txBody>
       </p:sp>
+      <p:pic>
+        <p:nvPicPr>
+          <p:cNvPr id="113" name="図 112">
+            <a:extLst>
+              <a:ext uri="{FF2B5EF4-FFF2-40B4-BE49-F238E27FC236}">
+                <a16:creationId xmlns:a16="http://schemas.microsoft.com/office/drawing/2014/main" id="{AB1AF3FC-ECA8-3F6C-D294-DB0626543E4C}"/>
+              </a:ext>
+            </a:extLst>
+          </p:cNvPr>
+          <p:cNvPicPr>
+            <a:picLocks noChangeAspect="1"/>
+          </p:cNvPicPr>
+          <p:nvPr/>
+        </p:nvPicPr>
+        <p:blipFill>
+          <a:blip r:embed="rId8"/>
+          <a:stretch>
+            <a:fillRect/>
+          </a:stretch>
+        </p:blipFill>
+        <p:spPr>
+          <a:xfrm>
+            <a:off x="3700008" y="2484832"/>
+            <a:ext cx="1372878" cy="762710"/>
+          </a:xfrm>
+          <a:prstGeom prst="rect">
+            <a:avLst/>
+          </a:prstGeom>
+        </p:spPr>
+      </p:pic>
+      <p:cxnSp>
+        <p:nvCxnSpPr>
+          <p:cNvPr id="114" name="Straight Arrow Connector 12">
+            <a:extLst>
+              <a:ext uri="{FF2B5EF4-FFF2-40B4-BE49-F238E27FC236}">
+                <a16:creationId xmlns:a16="http://schemas.microsoft.com/office/drawing/2014/main" id="{2575DFBE-8E3E-22BC-CBA0-9A30F5F053AC}"/>
+              </a:ext>
+            </a:extLst>
+          </p:cNvPr>
+          <p:cNvCxnSpPr>
+            <a:cxnSpLocks/>
+            <a:stCxn id="10" idx="3"/>
+            <a:endCxn id="111" idx="1"/>
+          </p:cNvCxnSpPr>
+          <p:nvPr/>
+        </p:nvCxnSpPr>
+        <p:spPr>
+          <a:xfrm flipV="1">
+            <a:off x="3576039" y="2957153"/>
+            <a:ext cx="103558" cy="1"/>
+          </a:xfrm>
+          <a:prstGeom prst="straightConnector1">
+            <a:avLst/>
+          </a:prstGeom>
+          <a:ln w="6350">
+            <a:solidFill>
+              <a:srgbClr val="000000"/>
+            </a:solidFill>
+            <a:tailEnd type="triangle"/>
+          </a:ln>
+        </p:spPr>
+        <p:style>
+          <a:lnRef idx="1">
+            <a:schemeClr val="accent1"/>
+          </a:lnRef>
+          <a:fillRef idx="0">
+            <a:schemeClr val="accent1"/>
+          </a:fillRef>
+          <a:effectRef idx="0">
+            <a:schemeClr val="accent1"/>
+          </a:effectRef>
+          <a:fontRef idx="minor">
+            <a:schemeClr val="tx1"/>
+          </a:fontRef>
+        </p:style>
+      </p:cxnSp>
       <p:sp>
         <p:nvSpPr>
-          <p:cNvPr id="111" name="Rectangle 39">
-            <a:extLst>
-              <a:ext uri="{FF2B5EF4-FFF2-40B4-BE49-F238E27FC236}">
-                <a16:creationId xmlns:a16="http://schemas.microsoft.com/office/drawing/2014/main" id="{7E78727E-8F7B-ABE6-F9D6-08F0FC1661A1}"/>
+          <p:cNvPr id="120" name="Chevron 9">
+            <a:extLst>
+              <a:ext uri="{FF2B5EF4-FFF2-40B4-BE49-F238E27FC236}">
+                <a16:creationId xmlns:a16="http://schemas.microsoft.com/office/drawing/2014/main" id="{5568BB6A-30C4-DDAB-2DAB-1B26A080930A}"/>
               </a:ext>
             </a:extLst>
           </p:cNvPr>
@@ -4130,8 +4674,419 @@
         </p:nvSpPr>
         <p:spPr>
           <a:xfrm>
-            <a:off x="3679597" y="3245129"/>
-            <a:ext cx="1401345" cy="1010257"/>
+            <a:off x="5133701" y="2754309"/>
+            <a:ext cx="467968" cy="405689"/>
+          </a:xfrm>
+          <a:prstGeom prst="chevron">
+            <a:avLst>
+              <a:gd name="adj" fmla="val 15078"/>
+            </a:avLst>
+          </a:prstGeom>
+          <a:solidFill>
+            <a:schemeClr val="tx1"/>
+          </a:solidFill>
+          <a:ln w="19050">
+            <a:solidFill>
+              <a:srgbClr val="000000"/>
+            </a:solidFill>
+          </a:ln>
+        </p:spPr>
+        <p:style>
+          <a:lnRef idx="2">
+            <a:schemeClr val="accent1">
+              <a:shade val="50000"/>
+            </a:schemeClr>
+          </a:lnRef>
+          <a:fillRef idx="1">
+            <a:schemeClr val="accent1"/>
+          </a:fillRef>
+          <a:effectRef idx="0">
+            <a:schemeClr val="accent1"/>
+          </a:effectRef>
+          <a:fontRef idx="minor">
+            <a:schemeClr val="lt1"/>
+          </a:fontRef>
+        </p:style>
+        <p:txBody>
+          <a:bodyPr wrap="none" rtlCol="0" anchor="ctr"/>
+          <a:lstStyle/>
+          <a:p>
+            <a:pPr algn="ctr"/>
+            <a:r>
+              <a:rPr lang="ja-JP" altLang="en-US" sz="700" dirty="0">
+                <a:solidFill>
+                  <a:schemeClr val="bg1"/>
+                </a:solidFill>
+              </a:rPr>
+              <a:t>動作仕様</a:t>
+            </a:r>
+            <a:endParaRPr lang="en-US" altLang="ja-JP" sz="700" dirty="0">
+              <a:solidFill>
+                <a:schemeClr val="bg1"/>
+              </a:solidFill>
+            </a:endParaRPr>
+          </a:p>
+          <a:p>
+            <a:pPr algn="ctr"/>
+            <a:r>
+              <a:rPr lang="ja-JP" altLang="en-US" sz="1000" dirty="0">
+                <a:solidFill>
+                  <a:schemeClr val="bg1"/>
+                </a:solidFill>
+              </a:rPr>
+              <a:t>分析</a:t>
+            </a:r>
+            <a:endParaRPr lang="en-JP" sz="1000" dirty="0">
+              <a:solidFill>
+                <a:schemeClr val="bg1"/>
+              </a:solidFill>
+            </a:endParaRPr>
+          </a:p>
+        </p:txBody>
+      </p:sp>
+      <p:cxnSp>
+        <p:nvCxnSpPr>
+          <p:cNvPr id="121" name="Straight Arrow Connector 12">
+            <a:extLst>
+              <a:ext uri="{FF2B5EF4-FFF2-40B4-BE49-F238E27FC236}">
+                <a16:creationId xmlns:a16="http://schemas.microsoft.com/office/drawing/2014/main" id="{96FF59E2-35C7-1596-7E45-7ACB9C86F2D5}"/>
+              </a:ext>
+            </a:extLst>
+          </p:cNvPr>
+          <p:cNvCxnSpPr>
+            <a:cxnSpLocks/>
+            <a:stCxn id="111" idx="3"/>
+            <a:endCxn id="120" idx="1"/>
+          </p:cNvCxnSpPr>
+          <p:nvPr/>
+        </p:nvCxnSpPr>
+        <p:spPr>
+          <a:xfrm>
+            <a:off x="5080942" y="2957153"/>
+            <a:ext cx="113929" cy="1"/>
+          </a:xfrm>
+          <a:prstGeom prst="straightConnector1">
+            <a:avLst/>
+          </a:prstGeom>
+          <a:ln w="6350">
+            <a:solidFill>
+              <a:srgbClr val="000000"/>
+            </a:solidFill>
+            <a:tailEnd type="triangle"/>
+          </a:ln>
+        </p:spPr>
+        <p:style>
+          <a:lnRef idx="1">
+            <a:schemeClr val="accent1"/>
+          </a:lnRef>
+          <a:fillRef idx="0">
+            <a:schemeClr val="accent1"/>
+          </a:fillRef>
+          <a:effectRef idx="0">
+            <a:schemeClr val="accent1"/>
+          </a:effectRef>
+          <a:fontRef idx="minor">
+            <a:schemeClr val="tx1"/>
+          </a:fontRef>
+        </p:style>
+      </p:cxnSp>
+      <p:cxnSp>
+        <p:nvCxnSpPr>
+          <p:cNvPr id="124" name="Straight Arrow Connector 12">
+            <a:extLst>
+              <a:ext uri="{FF2B5EF4-FFF2-40B4-BE49-F238E27FC236}">
+                <a16:creationId xmlns:a16="http://schemas.microsoft.com/office/drawing/2014/main" id="{1276D92E-8D99-E785-6463-D72C7BE4620B}"/>
+              </a:ext>
+            </a:extLst>
+          </p:cNvPr>
+          <p:cNvCxnSpPr>
+            <a:cxnSpLocks/>
+            <a:stCxn id="120" idx="3"/>
+            <a:endCxn id="12" idx="1"/>
+          </p:cNvCxnSpPr>
+          <p:nvPr/>
+        </p:nvCxnSpPr>
+        <p:spPr>
+          <a:xfrm flipV="1">
+            <a:off x="5601669" y="2957152"/>
+            <a:ext cx="121187" cy="2"/>
+          </a:xfrm>
+          <a:prstGeom prst="straightConnector1">
+            <a:avLst/>
+          </a:prstGeom>
+          <a:ln w="6350">
+            <a:solidFill>
+              <a:srgbClr val="000000"/>
+            </a:solidFill>
+            <a:tailEnd type="triangle"/>
+          </a:ln>
+        </p:spPr>
+        <p:style>
+          <a:lnRef idx="1">
+            <a:schemeClr val="accent1"/>
+          </a:lnRef>
+          <a:fillRef idx="0">
+            <a:schemeClr val="accent1"/>
+          </a:fillRef>
+          <a:effectRef idx="0">
+            <a:schemeClr val="accent1"/>
+          </a:effectRef>
+          <a:fontRef idx="minor">
+            <a:schemeClr val="tx1"/>
+          </a:fontRef>
+        </p:style>
+      </p:cxnSp>
+      <p:pic>
+        <p:nvPicPr>
+          <p:cNvPr id="127" name="図 126">
+            <a:extLst>
+              <a:ext uri="{FF2B5EF4-FFF2-40B4-BE49-F238E27FC236}">
+                <a16:creationId xmlns:a16="http://schemas.microsoft.com/office/drawing/2014/main" id="{952ADCCE-017E-0723-3653-2AA4050BB95C}"/>
+              </a:ext>
+            </a:extLst>
+          </p:cNvPr>
+          <p:cNvPicPr>
+            <a:picLocks noChangeAspect="1"/>
+          </p:cNvPicPr>
+          <p:nvPr/>
+        </p:nvPicPr>
+        <p:blipFill>
+          <a:blip r:embed="rId9"/>
+          <a:stretch>
+            <a:fillRect/>
+          </a:stretch>
+        </p:blipFill>
+        <p:spPr>
+          <a:xfrm>
+            <a:off x="5750207" y="2621718"/>
+            <a:ext cx="1347688" cy="511192"/>
+          </a:xfrm>
+          <a:prstGeom prst="rect">
+            <a:avLst/>
+          </a:prstGeom>
+        </p:spPr>
+      </p:pic>
+      <p:sp>
+        <p:nvSpPr>
+          <p:cNvPr id="131" name="Chevron 9">
+            <a:extLst>
+              <a:ext uri="{FF2B5EF4-FFF2-40B4-BE49-F238E27FC236}">
+                <a16:creationId xmlns:a16="http://schemas.microsoft.com/office/drawing/2014/main" id="{38B95163-568A-C4DD-65DB-9E926291D45B}"/>
+              </a:ext>
+            </a:extLst>
+          </p:cNvPr>
+          <p:cNvSpPr/>
+          <p:nvPr/>
+        </p:nvSpPr>
+        <p:spPr>
+          <a:xfrm>
+            <a:off x="7204311" y="2750007"/>
+            <a:ext cx="467968" cy="405689"/>
+          </a:xfrm>
+          <a:prstGeom prst="chevron">
+            <a:avLst>
+              <a:gd name="adj" fmla="val 15078"/>
+            </a:avLst>
+          </a:prstGeom>
+          <a:solidFill>
+            <a:schemeClr val="tx1"/>
+          </a:solidFill>
+          <a:ln w="19050">
+            <a:solidFill>
+              <a:srgbClr val="000000"/>
+            </a:solidFill>
+          </a:ln>
+        </p:spPr>
+        <p:style>
+          <a:lnRef idx="2">
+            <a:schemeClr val="accent1">
+              <a:shade val="50000"/>
+            </a:schemeClr>
+          </a:lnRef>
+          <a:fillRef idx="1">
+            <a:schemeClr val="accent1"/>
+          </a:fillRef>
+          <a:effectRef idx="0">
+            <a:schemeClr val="accent1"/>
+          </a:effectRef>
+          <a:fontRef idx="minor">
+            <a:schemeClr val="lt1"/>
+          </a:fontRef>
+        </p:style>
+        <p:txBody>
+          <a:bodyPr wrap="none" rtlCol="0" anchor="ctr"/>
+          <a:lstStyle/>
+          <a:p>
+            <a:pPr algn="ctr"/>
+            <a:r>
+              <a:rPr lang="ja-JP" altLang="en-US" sz="700" dirty="0">
+                <a:solidFill>
+                  <a:schemeClr val="bg1"/>
+                </a:solidFill>
+              </a:rPr>
+              <a:t>制御効率</a:t>
+            </a:r>
+            <a:br>
+              <a:rPr lang="en-US" altLang="ja-JP" sz="1000" dirty="0">
+                <a:solidFill>
+                  <a:schemeClr val="bg1"/>
+                </a:solidFill>
+              </a:rPr>
+            </a:br>
+            <a:r>
+              <a:rPr lang="ja-JP" altLang="en-US" sz="1000" dirty="0">
+                <a:solidFill>
+                  <a:schemeClr val="bg1"/>
+                </a:solidFill>
+              </a:rPr>
+              <a:t>分析</a:t>
+            </a:r>
+            <a:endParaRPr lang="en-JP" sz="1000" dirty="0">
+              <a:solidFill>
+                <a:schemeClr val="bg1"/>
+              </a:solidFill>
+            </a:endParaRPr>
+          </a:p>
+        </p:txBody>
+      </p:sp>
+      <p:cxnSp>
+        <p:nvCxnSpPr>
+          <p:cNvPr id="132" name="Straight Arrow Connector 12">
+            <a:extLst>
+              <a:ext uri="{FF2B5EF4-FFF2-40B4-BE49-F238E27FC236}">
+                <a16:creationId xmlns:a16="http://schemas.microsoft.com/office/drawing/2014/main" id="{8CE48B7C-9C2F-7060-9BCA-3C0BAD64BE04}"/>
+              </a:ext>
+            </a:extLst>
+          </p:cNvPr>
+          <p:cNvCxnSpPr>
+            <a:cxnSpLocks/>
+            <a:stCxn id="12" idx="3"/>
+            <a:endCxn id="131" idx="1"/>
+          </p:cNvCxnSpPr>
+          <p:nvPr/>
+        </p:nvCxnSpPr>
+        <p:spPr>
+          <a:xfrm flipV="1">
+            <a:off x="7124201" y="2952852"/>
+            <a:ext cx="141280" cy="4300"/>
+          </a:xfrm>
+          <a:prstGeom prst="straightConnector1">
+            <a:avLst/>
+          </a:prstGeom>
+          <a:ln w="6350">
+            <a:solidFill>
+              <a:srgbClr val="000000"/>
+            </a:solidFill>
+            <a:tailEnd type="triangle"/>
+          </a:ln>
+        </p:spPr>
+        <p:style>
+          <a:lnRef idx="1">
+            <a:schemeClr val="accent1"/>
+          </a:lnRef>
+          <a:fillRef idx="0">
+            <a:schemeClr val="accent1"/>
+          </a:fillRef>
+          <a:effectRef idx="0">
+            <a:schemeClr val="accent1"/>
+          </a:effectRef>
+          <a:fontRef idx="minor">
+            <a:schemeClr val="tx1"/>
+          </a:fontRef>
+        </p:style>
+      </p:cxnSp>
+      <p:cxnSp>
+        <p:nvCxnSpPr>
+          <p:cNvPr id="133" name="Straight Arrow Connector 12">
+            <a:extLst>
+              <a:ext uri="{FF2B5EF4-FFF2-40B4-BE49-F238E27FC236}">
+                <a16:creationId xmlns:a16="http://schemas.microsoft.com/office/drawing/2014/main" id="{9FE01968-CD2D-EEF5-A02E-1BA1FB5438D4}"/>
+              </a:ext>
+            </a:extLst>
+          </p:cNvPr>
+          <p:cNvCxnSpPr>
+            <a:cxnSpLocks/>
+            <a:stCxn id="131" idx="3"/>
+            <a:endCxn id="134" idx="1"/>
+          </p:cNvCxnSpPr>
+          <p:nvPr/>
+        </p:nvCxnSpPr>
+        <p:spPr>
+          <a:xfrm flipV="1">
+            <a:off x="7672279" y="2948988"/>
+            <a:ext cx="121187" cy="3864"/>
+          </a:xfrm>
+          <a:prstGeom prst="straightConnector1">
+            <a:avLst/>
+          </a:prstGeom>
+          <a:ln w="6350">
+            <a:solidFill>
+              <a:srgbClr val="000000"/>
+            </a:solidFill>
+            <a:tailEnd type="triangle"/>
+          </a:ln>
+        </p:spPr>
+        <p:style>
+          <a:lnRef idx="1">
+            <a:schemeClr val="accent1"/>
+          </a:lnRef>
+          <a:fillRef idx="0">
+            <a:schemeClr val="accent1"/>
+          </a:fillRef>
+          <a:effectRef idx="0">
+            <a:schemeClr val="accent1"/>
+          </a:effectRef>
+          <a:fontRef idx="minor">
+            <a:schemeClr val="tx1"/>
+          </a:fontRef>
+        </p:style>
+      </p:cxnSp>
+      <p:pic>
+        <p:nvPicPr>
+          <p:cNvPr id="136" name="図 135">
+            <a:extLst>
+              <a:ext uri="{FF2B5EF4-FFF2-40B4-BE49-F238E27FC236}">
+                <a16:creationId xmlns:a16="http://schemas.microsoft.com/office/drawing/2014/main" id="{F9B8561C-FFBD-8425-DCD3-EEC15EC19339}"/>
+              </a:ext>
+            </a:extLst>
+          </p:cNvPr>
+          <p:cNvPicPr>
+            <a:picLocks noChangeAspect="1"/>
+          </p:cNvPicPr>
+          <p:nvPr/>
+        </p:nvPicPr>
+        <p:blipFill>
+          <a:blip r:embed="rId10"/>
+          <a:stretch>
+            <a:fillRect/>
+          </a:stretch>
+        </p:blipFill>
+        <p:spPr>
+          <a:xfrm>
+            <a:off x="7827011" y="2602899"/>
+            <a:ext cx="1334253" cy="501309"/>
+          </a:xfrm>
+          <a:prstGeom prst="rect">
+            <a:avLst/>
+          </a:prstGeom>
+        </p:spPr>
+      </p:pic>
+      <p:sp>
+        <p:nvSpPr>
+          <p:cNvPr id="19" name="Rectangle 6">
+            <a:extLst>
+              <a:ext uri="{FF2B5EF4-FFF2-40B4-BE49-F238E27FC236}">
+                <a16:creationId xmlns:a16="http://schemas.microsoft.com/office/drawing/2014/main" id="{C2CFBA00-3A81-2730-DA1A-792FA3BE4CE8}"/>
+              </a:ext>
+            </a:extLst>
+          </p:cNvPr>
+          <p:cNvSpPr/>
+          <p:nvPr/>
+        </p:nvSpPr>
+        <p:spPr>
+          <a:xfrm>
+            <a:off x="1667172" y="5988120"/>
+            <a:ext cx="1337246" cy="652745"/>
           </a:xfrm>
           <a:prstGeom prst="rect">
             <a:avLst/>
@@ -4174,103 +5129,22 @@
           <a:p>
             <a:pPr algn="ctr"/>
             <a:r>
-              <a:rPr lang="ja-JP" altLang="en-US" sz="1000" dirty="0">
+              <a:rPr lang="en-JP" sz="1000" dirty="0">
                 <a:solidFill>
                   <a:srgbClr val="000000"/>
                 </a:solidFill>
               </a:rPr>
-              <a:t>ゲーム空間</a:t>
-            </a:r>
-            <a:endParaRPr lang="en-JP" sz="1000" dirty="0">
-              <a:solidFill>
-                <a:srgbClr val="000000"/>
-              </a:solidFill>
-            </a:endParaRPr>
+              <a:t>監視モデル (LTS)</a:t>
+            </a:r>
           </a:p>
         </p:txBody>
       </p:sp>
-      <p:pic>
-        <p:nvPicPr>
-          <p:cNvPr id="113" name="図 112">
-            <a:extLst>
-              <a:ext uri="{FF2B5EF4-FFF2-40B4-BE49-F238E27FC236}">
-                <a16:creationId xmlns:a16="http://schemas.microsoft.com/office/drawing/2014/main" id="{AB1AF3FC-ECA8-3F6C-D294-DB0626543E4C}"/>
-              </a:ext>
-            </a:extLst>
-          </p:cNvPr>
-          <p:cNvPicPr>
-            <a:picLocks noChangeAspect="1"/>
-          </p:cNvPicPr>
-          <p:nvPr/>
-        </p:nvPicPr>
-        <p:blipFill>
-          <a:blip r:embed="rId8"/>
-          <a:stretch>
-            <a:fillRect/>
-          </a:stretch>
-        </p:blipFill>
-        <p:spPr>
-          <a:xfrm>
-            <a:off x="3700008" y="3277937"/>
-            <a:ext cx="1372878" cy="762710"/>
-          </a:xfrm>
-          <a:prstGeom prst="rect">
-            <a:avLst/>
-          </a:prstGeom>
-        </p:spPr>
-      </p:pic>
-      <p:cxnSp>
-        <p:nvCxnSpPr>
-          <p:cNvPr id="114" name="Straight Arrow Connector 12">
-            <a:extLst>
-              <a:ext uri="{FF2B5EF4-FFF2-40B4-BE49-F238E27FC236}">
-                <a16:creationId xmlns:a16="http://schemas.microsoft.com/office/drawing/2014/main" id="{2575DFBE-8E3E-22BC-CBA0-9A30F5F053AC}"/>
-              </a:ext>
-            </a:extLst>
-          </p:cNvPr>
-          <p:cNvCxnSpPr>
-            <a:cxnSpLocks/>
-            <a:stCxn id="10" idx="3"/>
-            <a:endCxn id="111" idx="1"/>
-          </p:cNvCxnSpPr>
-          <p:nvPr/>
-        </p:nvCxnSpPr>
-        <p:spPr>
-          <a:xfrm flipV="1">
-            <a:off x="3576039" y="3750258"/>
-            <a:ext cx="103558" cy="1"/>
-          </a:xfrm>
-          <a:prstGeom prst="straightConnector1">
-            <a:avLst/>
-          </a:prstGeom>
-          <a:ln w="6350">
-            <a:solidFill>
-              <a:srgbClr val="000000"/>
-            </a:solidFill>
-            <a:tailEnd type="triangle"/>
-          </a:ln>
-        </p:spPr>
-        <p:style>
-          <a:lnRef idx="1">
-            <a:schemeClr val="accent1"/>
-          </a:lnRef>
-          <a:fillRef idx="0">
-            <a:schemeClr val="accent1"/>
-          </a:fillRef>
-          <a:effectRef idx="0">
-            <a:schemeClr val="accent1"/>
-          </a:effectRef>
-          <a:fontRef idx="minor">
-            <a:schemeClr val="tx1"/>
-          </a:fontRef>
-        </p:style>
-      </p:cxnSp>
       <p:sp>
         <p:nvSpPr>
-          <p:cNvPr id="120" name="Chevron 9">
-            <a:extLst>
-              <a:ext uri="{FF2B5EF4-FFF2-40B4-BE49-F238E27FC236}">
-                <a16:creationId xmlns:a16="http://schemas.microsoft.com/office/drawing/2014/main" id="{5568BB6A-30C4-DDAB-2DAB-1B26A080930A}"/>
+          <p:cNvPr id="21" name="Rectangle 39">
+            <a:extLst>
+              <a:ext uri="{FF2B5EF4-FFF2-40B4-BE49-F238E27FC236}">
+                <a16:creationId xmlns:a16="http://schemas.microsoft.com/office/drawing/2014/main" id="{3623C635-3E7C-F35D-01DF-4AEF7FC2EF3E}"/>
               </a:ext>
             </a:extLst>
           </p:cNvPr>
@@ -4279,358 +5153,8 @@
         </p:nvSpPr>
         <p:spPr>
           <a:xfrm>
-            <a:off x="5133701" y="3547414"/>
-            <a:ext cx="467968" cy="405689"/>
-          </a:xfrm>
-          <a:prstGeom prst="chevron">
-            <a:avLst>
-              <a:gd name="adj" fmla="val 15078"/>
-            </a:avLst>
-          </a:prstGeom>
-          <a:solidFill>
-            <a:schemeClr val="tx1"/>
-          </a:solidFill>
-          <a:ln w="19050">
-            <a:solidFill>
-              <a:srgbClr val="000000"/>
-            </a:solidFill>
-          </a:ln>
-        </p:spPr>
-        <p:style>
-          <a:lnRef idx="2">
-            <a:schemeClr val="accent1">
-              <a:shade val="50000"/>
-            </a:schemeClr>
-          </a:lnRef>
-          <a:fillRef idx="1">
-            <a:schemeClr val="accent1"/>
-          </a:fillRef>
-          <a:effectRef idx="0">
-            <a:schemeClr val="accent1"/>
-          </a:effectRef>
-          <a:fontRef idx="minor">
-            <a:schemeClr val="lt1"/>
-          </a:fontRef>
-        </p:style>
-        <p:txBody>
-          <a:bodyPr wrap="none" rtlCol="0" anchor="ctr"/>
-          <a:lstStyle/>
-          <a:p>
-            <a:pPr algn="ctr"/>
-            <a:r>
-              <a:rPr lang="ja-JP" altLang="en-US" sz="1000" dirty="0">
-                <a:solidFill>
-                  <a:schemeClr val="bg1"/>
-                </a:solidFill>
-              </a:rPr>
-              <a:t>分析</a:t>
-            </a:r>
-            <a:endParaRPr lang="en-JP" sz="1000" dirty="0">
-              <a:solidFill>
-                <a:schemeClr val="bg1"/>
-              </a:solidFill>
-            </a:endParaRPr>
-          </a:p>
-        </p:txBody>
-      </p:sp>
-      <p:cxnSp>
-        <p:nvCxnSpPr>
-          <p:cNvPr id="121" name="Straight Arrow Connector 12">
-            <a:extLst>
-              <a:ext uri="{FF2B5EF4-FFF2-40B4-BE49-F238E27FC236}">
-                <a16:creationId xmlns:a16="http://schemas.microsoft.com/office/drawing/2014/main" id="{96FF59E2-35C7-1596-7E45-7ACB9C86F2D5}"/>
-              </a:ext>
-            </a:extLst>
-          </p:cNvPr>
-          <p:cNvCxnSpPr>
-            <a:cxnSpLocks/>
-            <a:stCxn id="111" idx="3"/>
-            <a:endCxn id="120" idx="1"/>
-          </p:cNvCxnSpPr>
-          <p:nvPr/>
-        </p:nvCxnSpPr>
-        <p:spPr>
-          <a:xfrm>
-            <a:off x="5080942" y="3750258"/>
-            <a:ext cx="113929" cy="1"/>
-          </a:xfrm>
-          <a:prstGeom prst="straightConnector1">
-            <a:avLst/>
-          </a:prstGeom>
-          <a:ln w="6350">
-            <a:solidFill>
-              <a:srgbClr val="000000"/>
-            </a:solidFill>
-            <a:tailEnd type="triangle"/>
-          </a:ln>
-        </p:spPr>
-        <p:style>
-          <a:lnRef idx="1">
-            <a:schemeClr val="accent1"/>
-          </a:lnRef>
-          <a:fillRef idx="0">
-            <a:schemeClr val="accent1"/>
-          </a:fillRef>
-          <a:effectRef idx="0">
-            <a:schemeClr val="accent1"/>
-          </a:effectRef>
-          <a:fontRef idx="minor">
-            <a:schemeClr val="tx1"/>
-          </a:fontRef>
-        </p:style>
-      </p:cxnSp>
-      <p:cxnSp>
-        <p:nvCxnSpPr>
-          <p:cNvPr id="124" name="Straight Arrow Connector 12">
-            <a:extLst>
-              <a:ext uri="{FF2B5EF4-FFF2-40B4-BE49-F238E27FC236}">
-                <a16:creationId xmlns:a16="http://schemas.microsoft.com/office/drawing/2014/main" id="{1276D92E-8D99-E785-6463-D72C7BE4620B}"/>
-              </a:ext>
-            </a:extLst>
-          </p:cNvPr>
-          <p:cNvCxnSpPr>
-            <a:cxnSpLocks/>
-            <a:stCxn id="120" idx="3"/>
-            <a:endCxn id="12" idx="1"/>
-          </p:cNvCxnSpPr>
-          <p:nvPr/>
-        </p:nvCxnSpPr>
-        <p:spPr>
-          <a:xfrm flipV="1">
-            <a:off x="5601669" y="3750257"/>
-            <a:ext cx="121187" cy="2"/>
-          </a:xfrm>
-          <a:prstGeom prst="straightConnector1">
-            <a:avLst/>
-          </a:prstGeom>
-          <a:ln w="6350">
-            <a:solidFill>
-              <a:srgbClr val="000000"/>
-            </a:solidFill>
-            <a:tailEnd type="triangle"/>
-          </a:ln>
-        </p:spPr>
-        <p:style>
-          <a:lnRef idx="1">
-            <a:schemeClr val="accent1"/>
-          </a:lnRef>
-          <a:fillRef idx="0">
-            <a:schemeClr val="accent1"/>
-          </a:fillRef>
-          <a:effectRef idx="0">
-            <a:schemeClr val="accent1"/>
-          </a:effectRef>
-          <a:fontRef idx="minor">
-            <a:schemeClr val="tx1"/>
-          </a:fontRef>
-        </p:style>
-      </p:cxnSp>
-      <p:pic>
-        <p:nvPicPr>
-          <p:cNvPr id="127" name="図 126">
-            <a:extLst>
-              <a:ext uri="{FF2B5EF4-FFF2-40B4-BE49-F238E27FC236}">
-                <a16:creationId xmlns:a16="http://schemas.microsoft.com/office/drawing/2014/main" id="{952ADCCE-017E-0723-3653-2AA4050BB95C}"/>
-              </a:ext>
-            </a:extLst>
-          </p:cNvPr>
-          <p:cNvPicPr>
-            <a:picLocks noChangeAspect="1"/>
-          </p:cNvPicPr>
-          <p:nvPr/>
-        </p:nvPicPr>
-        <p:blipFill>
-          <a:blip r:embed="rId9"/>
-          <a:stretch>
-            <a:fillRect/>
-          </a:stretch>
-        </p:blipFill>
-        <p:spPr>
-          <a:xfrm>
-            <a:off x="5750207" y="3414823"/>
-            <a:ext cx="1347688" cy="511192"/>
-          </a:xfrm>
-          <a:prstGeom prst="rect">
-            <a:avLst/>
-          </a:prstGeom>
-        </p:spPr>
-      </p:pic>
-      <p:sp>
-        <p:nvSpPr>
-          <p:cNvPr id="131" name="Chevron 9">
-            <a:extLst>
-              <a:ext uri="{FF2B5EF4-FFF2-40B4-BE49-F238E27FC236}">
-                <a16:creationId xmlns:a16="http://schemas.microsoft.com/office/drawing/2014/main" id="{38B95163-568A-C4DD-65DB-9E926291D45B}"/>
-              </a:ext>
-            </a:extLst>
-          </p:cNvPr>
-          <p:cNvSpPr/>
-          <p:nvPr/>
-        </p:nvSpPr>
-        <p:spPr>
-          <a:xfrm>
-            <a:off x="7204311" y="3543112"/>
-            <a:ext cx="467968" cy="405689"/>
-          </a:xfrm>
-          <a:prstGeom prst="chevron">
-            <a:avLst>
-              <a:gd name="adj" fmla="val 15078"/>
-            </a:avLst>
-          </a:prstGeom>
-          <a:solidFill>
-            <a:schemeClr val="tx1"/>
-          </a:solidFill>
-          <a:ln w="19050">
-            <a:solidFill>
-              <a:srgbClr val="000000"/>
-            </a:solidFill>
-          </a:ln>
-        </p:spPr>
-        <p:style>
-          <a:lnRef idx="2">
-            <a:schemeClr val="accent1">
-              <a:shade val="50000"/>
-            </a:schemeClr>
-          </a:lnRef>
-          <a:fillRef idx="1">
-            <a:schemeClr val="accent1"/>
-          </a:fillRef>
-          <a:effectRef idx="0">
-            <a:schemeClr val="accent1"/>
-          </a:effectRef>
-          <a:fontRef idx="minor">
-            <a:schemeClr val="lt1"/>
-          </a:fontRef>
-        </p:style>
-        <p:txBody>
-          <a:bodyPr wrap="none" rtlCol="0" anchor="ctr"/>
-          <a:lstStyle/>
-          <a:p>
-            <a:pPr algn="ctr"/>
-            <a:r>
-              <a:rPr lang="ja-JP" altLang="en-US" sz="1000" dirty="0">
-                <a:solidFill>
-                  <a:schemeClr val="bg1"/>
-                </a:solidFill>
-              </a:rPr>
-              <a:t>分析</a:t>
-            </a:r>
-            <a:endParaRPr lang="en-JP" sz="1000" dirty="0">
-              <a:solidFill>
-                <a:schemeClr val="bg1"/>
-              </a:solidFill>
-            </a:endParaRPr>
-          </a:p>
-        </p:txBody>
-      </p:sp>
-      <p:cxnSp>
-        <p:nvCxnSpPr>
-          <p:cNvPr id="132" name="Straight Arrow Connector 12">
-            <a:extLst>
-              <a:ext uri="{FF2B5EF4-FFF2-40B4-BE49-F238E27FC236}">
-                <a16:creationId xmlns:a16="http://schemas.microsoft.com/office/drawing/2014/main" id="{8CE48B7C-9C2F-7060-9BCA-3C0BAD64BE04}"/>
-              </a:ext>
-            </a:extLst>
-          </p:cNvPr>
-          <p:cNvCxnSpPr>
-            <a:cxnSpLocks/>
-            <a:stCxn id="12" idx="3"/>
-            <a:endCxn id="131" idx="1"/>
-          </p:cNvCxnSpPr>
-          <p:nvPr/>
-        </p:nvCxnSpPr>
-        <p:spPr>
-          <a:xfrm flipV="1">
-            <a:off x="7124201" y="3745957"/>
-            <a:ext cx="141280" cy="4300"/>
-          </a:xfrm>
-          <a:prstGeom prst="straightConnector1">
-            <a:avLst/>
-          </a:prstGeom>
-          <a:ln w="6350">
-            <a:solidFill>
-              <a:srgbClr val="000000"/>
-            </a:solidFill>
-            <a:tailEnd type="triangle"/>
-          </a:ln>
-        </p:spPr>
-        <p:style>
-          <a:lnRef idx="1">
-            <a:schemeClr val="accent1"/>
-          </a:lnRef>
-          <a:fillRef idx="0">
-            <a:schemeClr val="accent1"/>
-          </a:fillRef>
-          <a:effectRef idx="0">
-            <a:schemeClr val="accent1"/>
-          </a:effectRef>
-          <a:fontRef idx="minor">
-            <a:schemeClr val="tx1"/>
-          </a:fontRef>
-        </p:style>
-      </p:cxnSp>
-      <p:cxnSp>
-        <p:nvCxnSpPr>
-          <p:cNvPr id="133" name="Straight Arrow Connector 12">
-            <a:extLst>
-              <a:ext uri="{FF2B5EF4-FFF2-40B4-BE49-F238E27FC236}">
-                <a16:creationId xmlns:a16="http://schemas.microsoft.com/office/drawing/2014/main" id="{9FE01968-CD2D-EEF5-A02E-1BA1FB5438D4}"/>
-              </a:ext>
-            </a:extLst>
-          </p:cNvPr>
-          <p:cNvCxnSpPr>
-            <a:cxnSpLocks/>
-            <a:stCxn id="131" idx="3"/>
-            <a:endCxn id="134" idx="1"/>
-          </p:cNvCxnSpPr>
-          <p:nvPr/>
-        </p:nvCxnSpPr>
-        <p:spPr>
-          <a:xfrm flipV="1">
-            <a:off x="7672279" y="3742093"/>
-            <a:ext cx="121187" cy="3864"/>
-          </a:xfrm>
-          <a:prstGeom prst="straightConnector1">
-            <a:avLst/>
-          </a:prstGeom>
-          <a:ln w="6350">
-            <a:solidFill>
-              <a:srgbClr val="000000"/>
-            </a:solidFill>
-            <a:tailEnd type="triangle"/>
-          </a:ln>
-        </p:spPr>
-        <p:style>
-          <a:lnRef idx="1">
-            <a:schemeClr val="accent1"/>
-          </a:lnRef>
-          <a:fillRef idx="0">
-            <a:schemeClr val="accent1"/>
-          </a:fillRef>
-          <a:effectRef idx="0">
-            <a:schemeClr val="accent1"/>
-          </a:effectRef>
-          <a:fontRef idx="minor">
-            <a:schemeClr val="tx1"/>
-          </a:fontRef>
-        </p:style>
-      </p:cxnSp>
-      <p:sp>
-        <p:nvSpPr>
-          <p:cNvPr id="134" name="Rectangle 11">
-            <a:extLst>
-              <a:ext uri="{FF2B5EF4-FFF2-40B4-BE49-F238E27FC236}">
-                <a16:creationId xmlns:a16="http://schemas.microsoft.com/office/drawing/2014/main" id="{349B8EB6-A716-7E00-E680-042C2762DE3C}"/>
-              </a:ext>
-            </a:extLst>
-          </p:cNvPr>
-          <p:cNvSpPr/>
-          <p:nvPr/>
-        </p:nvSpPr>
-        <p:spPr>
-          <a:xfrm>
-            <a:off x="7793466" y="3301047"/>
-            <a:ext cx="1401345" cy="882092"/>
+            <a:off x="1667172" y="4168620"/>
+            <a:ext cx="1337246" cy="1551330"/>
           </a:xfrm>
           <a:prstGeom prst="rect">
             <a:avLst/>
@@ -4673,30 +5197,346 @@
           <a:p>
             <a:pPr algn="ctr"/>
             <a:r>
-              <a:rPr lang="en-US" sz="1050" dirty="0">
+              <a:rPr lang="en-JP" sz="1000" dirty="0">
                 <a:solidFill>
                   <a:srgbClr val="000000"/>
                 </a:solidFill>
               </a:rPr>
-              <a:t>効率の良い</a:t>
-            </a:r>
-            <a:r>
-              <a:rPr lang="en-JP" sz="1050" dirty="0">
-                <a:solidFill>
-                  <a:srgbClr val="000000"/>
-                </a:solidFill>
-              </a:rPr>
-              <a:t>制御器</a:t>
+              <a:t>環境モデル (LTS)</a:t>
             </a:r>
           </a:p>
         </p:txBody>
       </p:sp>
+      <p:sp>
+        <p:nvSpPr>
+          <p:cNvPr id="23" name="Rectangle 11">
+            <a:extLst>
+              <a:ext uri="{FF2B5EF4-FFF2-40B4-BE49-F238E27FC236}">
+                <a16:creationId xmlns:a16="http://schemas.microsoft.com/office/drawing/2014/main" id="{ABB01896-FC97-87AB-FA6F-BB3D01B4A1D4}"/>
+              </a:ext>
+            </a:extLst>
+          </p:cNvPr>
+          <p:cNvSpPr/>
+          <p:nvPr/>
+        </p:nvSpPr>
+        <p:spPr>
+          <a:xfrm>
+            <a:off x="7822142" y="5336064"/>
+            <a:ext cx="1401345" cy="882092"/>
+          </a:xfrm>
+          <a:prstGeom prst="rect">
+            <a:avLst/>
+          </a:prstGeom>
+          <a:solidFill>
+            <a:schemeClr val="bg1"/>
+          </a:solidFill>
+          <a:ln w="6350">
+            <a:solidFill>
+              <a:srgbClr val="000000"/>
+            </a:solidFill>
+          </a:ln>
+          <a:effectLst>
+            <a:outerShdw blurRad="63500" sx="102000" sy="102000" algn="ctr" rotWithShape="0">
+              <a:prstClr val="black">
+                <a:alpha val="40000"/>
+              </a:prstClr>
+            </a:outerShdw>
+          </a:effectLst>
+        </p:spPr>
+        <p:style>
+          <a:lnRef idx="2">
+            <a:schemeClr val="accent1">
+              <a:shade val="50000"/>
+            </a:schemeClr>
+          </a:lnRef>
+          <a:fillRef idx="1">
+            <a:schemeClr val="accent1"/>
+          </a:fillRef>
+          <a:effectRef idx="0">
+            <a:schemeClr val="accent1"/>
+          </a:effectRef>
+          <a:fontRef idx="minor">
+            <a:schemeClr val="lt1"/>
+          </a:fontRef>
+        </p:style>
+        <p:txBody>
+          <a:bodyPr rtlCol="0" anchor="b"/>
+          <a:lstStyle/>
+          <a:p>
+            <a:pPr algn="ctr"/>
+            <a:r>
+              <a:rPr lang="en-US" sz="1050" dirty="0">
+                <a:solidFill>
+                  <a:srgbClr val="000000"/>
+                </a:solidFill>
+              </a:rPr>
+              <a:t>効率の良い</a:t>
+            </a:r>
+            <a:r>
+              <a:rPr lang="en-JP" sz="1050" dirty="0">
+                <a:solidFill>
+                  <a:srgbClr val="000000"/>
+                </a:solidFill>
+              </a:rPr>
+              <a:t>制御器</a:t>
+            </a:r>
+          </a:p>
+        </p:txBody>
+      </p:sp>
+      <p:sp>
+        <p:nvSpPr>
+          <p:cNvPr id="27" name="Chevron 9">
+            <a:extLst>
+              <a:ext uri="{FF2B5EF4-FFF2-40B4-BE49-F238E27FC236}">
+                <a16:creationId xmlns:a16="http://schemas.microsoft.com/office/drawing/2014/main" id="{DDA761D8-16B9-8E3E-A279-1B2677989D91}"/>
+              </a:ext>
+            </a:extLst>
+          </p:cNvPr>
+          <p:cNvSpPr/>
+          <p:nvPr/>
+        </p:nvSpPr>
+        <p:spPr>
+          <a:xfrm>
+            <a:off x="3627818" y="5563074"/>
+            <a:ext cx="1715171" cy="405689"/>
+          </a:xfrm>
+          <a:prstGeom prst="chevron">
+            <a:avLst>
+              <a:gd name="adj" fmla="val 15078"/>
+            </a:avLst>
+          </a:prstGeom>
+          <a:solidFill>
+            <a:schemeClr val="tx1"/>
+          </a:solidFill>
+          <a:ln w="19050">
+            <a:solidFill>
+              <a:srgbClr val="000000"/>
+            </a:solidFill>
+          </a:ln>
+        </p:spPr>
+        <p:style>
+          <a:lnRef idx="2">
+            <a:schemeClr val="accent1">
+              <a:shade val="50000"/>
+            </a:schemeClr>
+          </a:lnRef>
+          <a:fillRef idx="1">
+            <a:schemeClr val="accent1"/>
+          </a:fillRef>
+          <a:effectRef idx="0">
+            <a:schemeClr val="accent1"/>
+          </a:effectRef>
+          <a:fontRef idx="minor">
+            <a:schemeClr val="lt1"/>
+          </a:fontRef>
+        </p:style>
+        <p:txBody>
+          <a:bodyPr wrap="none" rtlCol="0" anchor="ctr"/>
+          <a:lstStyle/>
+          <a:p>
+            <a:pPr algn="ctr"/>
+            <a:r>
+              <a:rPr lang="en-US" altLang="ja-JP" sz="1000" dirty="0">
+                <a:solidFill>
+                  <a:schemeClr val="bg1"/>
+                </a:solidFill>
+              </a:rPr>
+              <a:t>On-the-fly</a:t>
+            </a:r>
+            <a:r>
+              <a:rPr lang="ja-JP" altLang="en-US" sz="1000" dirty="0">
+                <a:solidFill>
+                  <a:schemeClr val="bg1"/>
+                </a:solidFill>
+              </a:rPr>
+              <a:t>探索による</a:t>
+            </a:r>
+            <a:endParaRPr lang="en-US" altLang="ja-JP" sz="1000" dirty="0">
+              <a:solidFill>
+                <a:schemeClr val="bg1"/>
+              </a:solidFill>
+            </a:endParaRPr>
+          </a:p>
+          <a:p>
+            <a:pPr algn="ctr"/>
+            <a:r>
+              <a:rPr lang="ja-JP" altLang="en-US" sz="1000" dirty="0">
+                <a:solidFill>
+                  <a:schemeClr val="bg1"/>
+                </a:solidFill>
+              </a:rPr>
+              <a:t>効率の良い制御器導出</a:t>
+            </a:r>
+            <a:endParaRPr lang="en-JP" sz="1000" dirty="0">
+              <a:solidFill>
+                <a:schemeClr val="bg1"/>
+              </a:solidFill>
+            </a:endParaRPr>
+          </a:p>
+        </p:txBody>
+      </p:sp>
+      <p:cxnSp>
+        <p:nvCxnSpPr>
+          <p:cNvPr id="32" name="Elbow Connector 16">
+            <a:extLst>
+              <a:ext uri="{FF2B5EF4-FFF2-40B4-BE49-F238E27FC236}">
+                <a16:creationId xmlns:a16="http://schemas.microsoft.com/office/drawing/2014/main" id="{E32FAB86-0590-CBAD-0E58-22AA4520662F}"/>
+              </a:ext>
+            </a:extLst>
+          </p:cNvPr>
+          <p:cNvCxnSpPr>
+            <a:cxnSpLocks/>
+            <a:stCxn id="21" idx="3"/>
+            <a:endCxn id="27" idx="1"/>
+          </p:cNvCxnSpPr>
+          <p:nvPr/>
+        </p:nvCxnSpPr>
+        <p:spPr>
+          <a:xfrm>
+            <a:off x="3004418" y="4944285"/>
+            <a:ext cx="684570" cy="821634"/>
+          </a:xfrm>
+          <a:prstGeom prst="bentConnector3">
+            <a:avLst>
+              <a:gd name="adj1" fmla="val 50000"/>
+            </a:avLst>
+          </a:prstGeom>
+          <a:ln w="6350">
+            <a:solidFill>
+              <a:srgbClr val="000000"/>
+            </a:solidFill>
+            <a:tailEnd type="triangle"/>
+          </a:ln>
+        </p:spPr>
+        <p:style>
+          <a:lnRef idx="1">
+            <a:schemeClr val="accent1"/>
+          </a:lnRef>
+          <a:fillRef idx="0">
+            <a:schemeClr val="accent1"/>
+          </a:fillRef>
+          <a:effectRef idx="0">
+            <a:schemeClr val="accent1"/>
+          </a:effectRef>
+          <a:fontRef idx="minor">
+            <a:schemeClr val="tx1"/>
+          </a:fontRef>
+        </p:style>
+      </p:cxnSp>
+      <p:cxnSp>
+        <p:nvCxnSpPr>
+          <p:cNvPr id="33" name="Elbow Connector 17">
+            <a:extLst>
+              <a:ext uri="{FF2B5EF4-FFF2-40B4-BE49-F238E27FC236}">
+                <a16:creationId xmlns:a16="http://schemas.microsoft.com/office/drawing/2014/main" id="{313D2720-08A8-12D8-122B-1A287E310393}"/>
+              </a:ext>
+            </a:extLst>
+          </p:cNvPr>
+          <p:cNvCxnSpPr>
+            <a:cxnSpLocks/>
+            <a:stCxn id="19" idx="3"/>
+            <a:endCxn id="27" idx="1"/>
+          </p:cNvCxnSpPr>
+          <p:nvPr/>
+        </p:nvCxnSpPr>
+        <p:spPr>
+          <a:xfrm flipV="1">
+            <a:off x="3004418" y="5765919"/>
+            <a:ext cx="684570" cy="548574"/>
+          </a:xfrm>
+          <a:prstGeom prst="bentConnector3">
+            <a:avLst>
+              <a:gd name="adj1" fmla="val 50000"/>
+            </a:avLst>
+          </a:prstGeom>
+          <a:ln w="6350">
+            <a:solidFill>
+              <a:srgbClr val="000000"/>
+            </a:solidFill>
+            <a:tailEnd type="triangle"/>
+          </a:ln>
+        </p:spPr>
+        <p:style>
+          <a:lnRef idx="1">
+            <a:schemeClr val="accent1"/>
+          </a:lnRef>
+          <a:fillRef idx="0">
+            <a:schemeClr val="accent1"/>
+          </a:fillRef>
+          <a:effectRef idx="0">
+            <a:schemeClr val="accent1"/>
+          </a:effectRef>
+          <a:fontRef idx="minor">
+            <a:schemeClr val="tx1"/>
+          </a:fontRef>
+        </p:style>
+      </p:cxnSp>
       <p:pic>
         <p:nvPicPr>
-          <p:cNvPr id="136" name="図 135">
-            <a:extLst>
-              <a:ext uri="{FF2B5EF4-FFF2-40B4-BE49-F238E27FC236}">
-                <a16:creationId xmlns:a16="http://schemas.microsoft.com/office/drawing/2014/main" id="{F9B8561C-FFBD-8425-DCD3-EEC15EC19339}"/>
+          <p:cNvPr id="36" name="図 35">
+            <a:extLst>
+              <a:ext uri="{FF2B5EF4-FFF2-40B4-BE49-F238E27FC236}">
+                <a16:creationId xmlns:a16="http://schemas.microsoft.com/office/drawing/2014/main" id="{EA0C26E9-DCA4-CC83-E2A4-F6161324471A}"/>
+              </a:ext>
+            </a:extLst>
+          </p:cNvPr>
+          <p:cNvPicPr>
+            <a:picLocks noChangeAspect="1"/>
+          </p:cNvPicPr>
+          <p:nvPr/>
+        </p:nvPicPr>
+        <p:blipFill>
+          <a:blip r:embed="rId6"/>
+          <a:stretch>
+            <a:fillRect/>
+          </a:stretch>
+        </p:blipFill>
+        <p:spPr>
+          <a:xfrm>
+            <a:off x="1711519" y="4240403"/>
+            <a:ext cx="1251438" cy="1226359"/>
+          </a:xfrm>
+          <a:prstGeom prst="rect">
+            <a:avLst/>
+          </a:prstGeom>
+        </p:spPr>
+      </p:pic>
+      <p:pic>
+        <p:nvPicPr>
+          <p:cNvPr id="38" name="図 37">
+            <a:extLst>
+              <a:ext uri="{FF2B5EF4-FFF2-40B4-BE49-F238E27FC236}">
+                <a16:creationId xmlns:a16="http://schemas.microsoft.com/office/drawing/2014/main" id="{79C72CDF-0A17-18C7-4B19-3BC0867103FC}"/>
+              </a:ext>
+            </a:extLst>
+          </p:cNvPr>
+          <p:cNvPicPr>
+            <a:picLocks noChangeAspect="1"/>
+          </p:cNvPicPr>
+          <p:nvPr/>
+        </p:nvPicPr>
+        <p:blipFill>
+          <a:blip r:embed="rId7"/>
+          <a:stretch>
+            <a:fillRect/>
+          </a:stretch>
+        </p:blipFill>
+        <p:spPr>
+          <a:xfrm>
+            <a:off x="2006062" y="6103734"/>
+            <a:ext cx="578200" cy="253995"/>
+          </a:xfrm>
+          <a:prstGeom prst="rect">
+            <a:avLst/>
+          </a:prstGeom>
+        </p:spPr>
+      </p:pic>
+      <p:pic>
+        <p:nvPicPr>
+          <p:cNvPr id="58" name="図 57">
+            <a:extLst>
+              <a:ext uri="{FF2B5EF4-FFF2-40B4-BE49-F238E27FC236}">
+                <a16:creationId xmlns:a16="http://schemas.microsoft.com/office/drawing/2014/main" id="{BD797EF2-E63D-A494-7227-89D36DC9F1D7}"/>
               </a:ext>
             </a:extLst>
           </p:cNvPr>
@@ -4713,7 +5553,7 @@
         </p:blipFill>
         <p:spPr>
           <a:xfrm>
-            <a:off x="7827011" y="3396004"/>
+            <a:off x="7855687" y="5431021"/>
             <a:ext cx="1334253" cy="501309"/>
           </a:xfrm>
           <a:prstGeom prst="rect">
@@ -4721,6 +5561,51 @@
           </a:prstGeom>
         </p:spPr>
       </p:pic>
+      <p:cxnSp>
+        <p:nvCxnSpPr>
+          <p:cNvPr id="65" name="Straight Arrow Connector 12">
+            <a:extLst>
+              <a:ext uri="{FF2B5EF4-FFF2-40B4-BE49-F238E27FC236}">
+                <a16:creationId xmlns:a16="http://schemas.microsoft.com/office/drawing/2014/main" id="{97615BB9-21AB-F7EB-482B-E81CD355B72A}"/>
+              </a:ext>
+            </a:extLst>
+          </p:cNvPr>
+          <p:cNvCxnSpPr>
+            <a:cxnSpLocks/>
+            <a:endCxn id="23" idx="1"/>
+          </p:cNvCxnSpPr>
+          <p:nvPr/>
+        </p:nvCxnSpPr>
+        <p:spPr>
+          <a:xfrm>
+            <a:off x="5341305" y="5777110"/>
+            <a:ext cx="2480837" cy="0"/>
+          </a:xfrm>
+          <a:prstGeom prst="straightConnector1">
+            <a:avLst/>
+          </a:prstGeom>
+          <a:ln w="6350">
+            <a:solidFill>
+              <a:srgbClr val="000000"/>
+            </a:solidFill>
+            <a:tailEnd type="triangle"/>
+          </a:ln>
+        </p:spPr>
+        <p:style>
+          <a:lnRef idx="1">
+            <a:schemeClr val="accent1"/>
+          </a:lnRef>
+          <a:fillRef idx="0">
+            <a:schemeClr val="accent1"/>
+          </a:fillRef>
+          <a:effectRef idx="0">
+            <a:schemeClr val="accent1"/>
+          </a:effectRef>
+          <a:fontRef idx="minor">
+            <a:schemeClr val="tx1"/>
+          </a:fontRef>
+        </p:style>
+      </p:cxnSp>
     </p:spTree>
     <p:extLst>
       <p:ext uri="{BB962C8B-B14F-4D97-AF65-F5344CB8AC3E}">
@@ -4735,6 +5620,4535 @@
 </file>
 
 <file path=ppt/slides/slide2.xml><?xml version="1.0" encoding="utf-8"?>
+<p:sld xmlns:a="http://schemas.openxmlformats.org/drawingml/2006/main" xmlns:r="http://schemas.openxmlformats.org/officeDocument/2006/relationships" xmlns:p="http://schemas.openxmlformats.org/presentationml/2006/main">
+  <p:cSld>
+    <p:bg>
+      <p:bgPr>
+        <a:solidFill>
+          <a:schemeClr val="bg1"/>
+        </a:solidFill>
+        <a:effectLst/>
+      </p:bgPr>
+    </p:bg>
+    <p:spTree>
+      <p:nvGrpSpPr>
+        <p:cNvPr id="1" name="">
+          <a:extLst>
+            <a:ext uri="{FF2B5EF4-FFF2-40B4-BE49-F238E27FC236}">
+              <a16:creationId xmlns:a16="http://schemas.microsoft.com/office/drawing/2014/main" id="{A5DF7423-676A-F5F4-83C7-F77DE13578B1}"/>
+            </a:ext>
+          </a:extLst>
+        </p:cNvPr>
+        <p:cNvGrpSpPr/>
+        <p:nvPr/>
+      </p:nvGrpSpPr>
+      <p:grpSpPr>
+        <a:xfrm>
+          <a:off x="0" y="0"/>
+          <a:ext cx="0" cy="0"/>
+          <a:chOff x="0" y="0"/>
+          <a:chExt cx="0" cy="0"/>
+        </a:xfrm>
+      </p:grpSpPr>
+      <p:sp>
+        <p:nvSpPr>
+          <p:cNvPr id="142" name="角丸四角形 141">
+            <a:extLst>
+              <a:ext uri="{FF2B5EF4-FFF2-40B4-BE49-F238E27FC236}">
+                <a16:creationId xmlns:a16="http://schemas.microsoft.com/office/drawing/2014/main" id="{694C2288-F63D-A6A8-FE06-BE56774E69F6}"/>
+              </a:ext>
+            </a:extLst>
+          </p:cNvPr>
+          <p:cNvSpPr/>
+          <p:nvPr/>
+        </p:nvSpPr>
+        <p:spPr>
+          <a:xfrm>
+            <a:off x="122959" y="3979758"/>
+            <a:ext cx="8898082" cy="2412163"/>
+          </a:xfrm>
+          <a:prstGeom prst="roundRect">
+            <a:avLst>
+              <a:gd name="adj" fmla="val 7615"/>
+            </a:avLst>
+          </a:prstGeom>
+          <a:solidFill>
+            <a:schemeClr val="bg1"/>
+          </a:solidFill>
+          <a:ln w="12700">
+            <a:solidFill>
+              <a:schemeClr val="tx2">
+                <a:lumMod val="50000"/>
+              </a:schemeClr>
+            </a:solidFill>
+          </a:ln>
+          <a:effectLst>
+            <a:outerShdw blurRad="63500" sx="101000" sy="101000" algn="ctr" rotWithShape="0">
+              <a:prstClr val="black">
+                <a:alpha val="40000"/>
+              </a:prstClr>
+            </a:outerShdw>
+          </a:effectLst>
+        </p:spPr>
+        <p:style>
+          <a:lnRef idx="2">
+            <a:schemeClr val="accent1">
+              <a:shade val="15000"/>
+            </a:schemeClr>
+          </a:lnRef>
+          <a:fillRef idx="1">
+            <a:schemeClr val="accent1"/>
+          </a:fillRef>
+          <a:effectRef idx="0">
+            <a:schemeClr val="accent1"/>
+          </a:effectRef>
+          <a:fontRef idx="minor">
+            <a:schemeClr val="lt1"/>
+          </a:fontRef>
+        </p:style>
+        <p:txBody>
+          <a:bodyPr rtlCol="0" anchor="t"/>
+          <a:lstStyle/>
+          <a:p>
+            <a:r>
+              <a:rPr kumimoji="1" lang="ja-JP" altLang="en-US">
+                <a:solidFill>
+                  <a:schemeClr val="tx1">
+                    <a:lumMod val="85000"/>
+                    <a:lumOff val="15000"/>
+                  </a:schemeClr>
+                </a:solidFill>
+              </a:rPr>
+              <a:t>　　　　　　　　　　　　　　　　　　　　　　　　　　　</a:t>
+            </a:r>
+            <a:r>
+              <a:rPr kumimoji="1" lang="en-US" altLang="ja-JP">
+                <a:solidFill>
+                  <a:schemeClr val="tx1">
+                    <a:lumMod val="85000"/>
+                    <a:lumOff val="15000"/>
+                  </a:schemeClr>
+                </a:solidFill>
+              </a:rPr>
+              <a:t>   </a:t>
+            </a:r>
+            <a:r>
+              <a:rPr kumimoji="1" lang="ja-JP" altLang="en-US">
+                <a:solidFill>
+                  <a:schemeClr val="tx1">
+                    <a:lumMod val="85000"/>
+                    <a:lumOff val="15000"/>
+                  </a:schemeClr>
+                </a:solidFill>
+              </a:rPr>
+              <a:t>制御器の導出方法</a:t>
+            </a:r>
+          </a:p>
+        </p:txBody>
+      </p:sp>
+      <p:sp>
+        <p:nvSpPr>
+          <p:cNvPr id="7" name="Rectangle 6">
+            <a:extLst>
+              <a:ext uri="{FF2B5EF4-FFF2-40B4-BE49-F238E27FC236}">
+                <a16:creationId xmlns:a16="http://schemas.microsoft.com/office/drawing/2014/main" id="{69C39E4D-FD1B-DC76-8272-D932964B5FF6}"/>
+              </a:ext>
+            </a:extLst>
+          </p:cNvPr>
+          <p:cNvSpPr/>
+          <p:nvPr/>
+        </p:nvSpPr>
+        <p:spPr>
+          <a:xfrm>
+            <a:off x="1736154" y="3076022"/>
+            <a:ext cx="1337246" cy="652745"/>
+          </a:xfrm>
+          <a:prstGeom prst="rect">
+            <a:avLst/>
+          </a:prstGeom>
+          <a:solidFill>
+            <a:schemeClr val="bg1"/>
+          </a:solidFill>
+          <a:ln w="6350">
+            <a:solidFill>
+              <a:srgbClr val="000000"/>
+            </a:solidFill>
+          </a:ln>
+          <a:effectLst>
+            <a:outerShdw blurRad="63500" sx="102000" sy="102000" algn="ctr" rotWithShape="0">
+              <a:prstClr val="black">
+                <a:alpha val="40000"/>
+              </a:prstClr>
+            </a:outerShdw>
+          </a:effectLst>
+        </p:spPr>
+        <p:style>
+          <a:lnRef idx="2">
+            <a:schemeClr val="accent1">
+              <a:shade val="50000"/>
+            </a:schemeClr>
+          </a:lnRef>
+          <a:fillRef idx="1">
+            <a:schemeClr val="accent1"/>
+          </a:fillRef>
+          <a:effectRef idx="0">
+            <a:schemeClr val="accent1"/>
+          </a:effectRef>
+          <a:fontRef idx="minor">
+            <a:schemeClr val="lt1"/>
+          </a:fontRef>
+        </p:style>
+        <p:txBody>
+          <a:bodyPr rtlCol="0" anchor="b"/>
+          <a:lstStyle/>
+          <a:p>
+            <a:pPr algn="ctr"/>
+            <a:r>
+              <a:rPr lang="en-JP" sz="1000" dirty="0">
+                <a:solidFill>
+                  <a:srgbClr val="000000"/>
+                </a:solidFill>
+              </a:rPr>
+              <a:t>監視モデル (LTS)</a:t>
+            </a:r>
+          </a:p>
+        </p:txBody>
+      </p:sp>
+      <p:sp>
+        <p:nvSpPr>
+          <p:cNvPr id="40" name="Rectangle 39">
+            <a:extLst>
+              <a:ext uri="{FF2B5EF4-FFF2-40B4-BE49-F238E27FC236}">
+                <a16:creationId xmlns:a16="http://schemas.microsoft.com/office/drawing/2014/main" id="{59C44C1D-AA22-E34C-0235-B3E456D0F661}"/>
+              </a:ext>
+            </a:extLst>
+          </p:cNvPr>
+          <p:cNvSpPr/>
+          <p:nvPr/>
+        </p:nvSpPr>
+        <p:spPr>
+          <a:xfrm>
+            <a:off x="1736154" y="1256522"/>
+            <a:ext cx="1337246" cy="1551330"/>
+          </a:xfrm>
+          <a:prstGeom prst="rect">
+            <a:avLst/>
+          </a:prstGeom>
+          <a:solidFill>
+            <a:schemeClr val="bg1"/>
+          </a:solidFill>
+          <a:ln w="6350">
+            <a:solidFill>
+              <a:srgbClr val="000000"/>
+            </a:solidFill>
+          </a:ln>
+          <a:effectLst>
+            <a:outerShdw blurRad="63500" sx="102000" sy="102000" algn="ctr" rotWithShape="0">
+              <a:prstClr val="black">
+                <a:alpha val="40000"/>
+              </a:prstClr>
+            </a:outerShdw>
+          </a:effectLst>
+        </p:spPr>
+        <p:style>
+          <a:lnRef idx="2">
+            <a:schemeClr val="accent1">
+              <a:shade val="50000"/>
+            </a:schemeClr>
+          </a:lnRef>
+          <a:fillRef idx="1">
+            <a:schemeClr val="accent1"/>
+          </a:fillRef>
+          <a:effectRef idx="0">
+            <a:schemeClr val="accent1"/>
+          </a:effectRef>
+          <a:fontRef idx="minor">
+            <a:schemeClr val="lt1"/>
+          </a:fontRef>
+        </p:style>
+        <p:txBody>
+          <a:bodyPr rtlCol="0" anchor="b"/>
+          <a:lstStyle/>
+          <a:p>
+            <a:pPr algn="ctr"/>
+            <a:r>
+              <a:rPr lang="en-JP" sz="1000" dirty="0">
+                <a:solidFill>
+                  <a:srgbClr val="000000"/>
+                </a:solidFill>
+              </a:rPr>
+              <a:t>環境モデル (LTS)</a:t>
+            </a:r>
+          </a:p>
+        </p:txBody>
+      </p:sp>
+      <p:sp>
+        <p:nvSpPr>
+          <p:cNvPr id="134" name="Rectangle 11">
+            <a:extLst>
+              <a:ext uri="{FF2B5EF4-FFF2-40B4-BE49-F238E27FC236}">
+                <a16:creationId xmlns:a16="http://schemas.microsoft.com/office/drawing/2014/main" id="{B6FD8411-73B6-650A-3176-B534F8B67A88}"/>
+              </a:ext>
+            </a:extLst>
+          </p:cNvPr>
+          <p:cNvSpPr/>
+          <p:nvPr/>
+        </p:nvSpPr>
+        <p:spPr>
+          <a:xfrm>
+            <a:off x="5241227" y="2423966"/>
+            <a:ext cx="1401345" cy="882092"/>
+          </a:xfrm>
+          <a:prstGeom prst="rect">
+            <a:avLst/>
+          </a:prstGeom>
+          <a:solidFill>
+            <a:schemeClr val="bg1"/>
+          </a:solidFill>
+          <a:ln w="6350">
+            <a:solidFill>
+              <a:srgbClr val="000000"/>
+            </a:solidFill>
+          </a:ln>
+          <a:effectLst>
+            <a:outerShdw blurRad="63500" sx="102000" sy="102000" algn="ctr" rotWithShape="0">
+              <a:prstClr val="black">
+                <a:alpha val="40000"/>
+              </a:prstClr>
+            </a:outerShdw>
+          </a:effectLst>
+        </p:spPr>
+        <p:style>
+          <a:lnRef idx="2">
+            <a:schemeClr val="accent1">
+              <a:shade val="50000"/>
+            </a:schemeClr>
+          </a:lnRef>
+          <a:fillRef idx="1">
+            <a:schemeClr val="accent1"/>
+          </a:fillRef>
+          <a:effectRef idx="0">
+            <a:schemeClr val="accent1"/>
+          </a:effectRef>
+          <a:fontRef idx="minor">
+            <a:schemeClr val="lt1"/>
+          </a:fontRef>
+        </p:style>
+        <p:txBody>
+          <a:bodyPr rtlCol="0" anchor="b"/>
+          <a:lstStyle/>
+          <a:p>
+            <a:pPr algn="ctr"/>
+            <a:r>
+              <a:rPr lang="en-JP" sz="1050" dirty="0">
+                <a:solidFill>
+                  <a:srgbClr val="000000"/>
+                </a:solidFill>
+              </a:rPr>
+              <a:t>制御器</a:t>
+            </a:r>
+          </a:p>
+        </p:txBody>
+      </p:sp>
+      <p:grpSp>
+        <p:nvGrpSpPr>
+          <p:cNvPr id="4" name="Group 3">
+            <a:extLst>
+              <a:ext uri="{FF2B5EF4-FFF2-40B4-BE49-F238E27FC236}">
+                <a16:creationId xmlns:a16="http://schemas.microsoft.com/office/drawing/2014/main" id="{E41A3760-BE84-52F0-4179-8242581F6D45}"/>
+              </a:ext>
+            </a:extLst>
+          </p:cNvPr>
+          <p:cNvGrpSpPr/>
+          <p:nvPr/>
+        </p:nvGrpSpPr>
+        <p:grpSpPr>
+          <a:xfrm>
+            <a:off x="8077447" y="-91837"/>
+            <a:ext cx="1106894" cy="1157419"/>
+            <a:chOff x="8077447" y="-91837"/>
+            <a:chExt cx="1106894" cy="1157419"/>
+          </a:xfrm>
+        </p:grpSpPr>
+        <p:sp>
+          <p:nvSpPr>
+            <p:cNvPr id="5" name="Right Triangle 4">
+              <a:extLst>
+                <a:ext uri="{FF2B5EF4-FFF2-40B4-BE49-F238E27FC236}">
+                  <a16:creationId xmlns:a16="http://schemas.microsoft.com/office/drawing/2014/main" id="{CB7277DB-400F-8FA1-C0D3-2FD77EBCB2FA}"/>
+                </a:ext>
+              </a:extLst>
+            </p:cNvPr>
+            <p:cNvSpPr/>
+            <p:nvPr/>
+          </p:nvSpPr>
+          <p:spPr>
+            <a:xfrm>
+              <a:off x="8077447" y="-14418"/>
+              <a:ext cx="1080000" cy="1080000"/>
+            </a:xfrm>
+            <a:prstGeom prst="rtTriangle">
+              <a:avLst/>
+            </a:prstGeom>
+            <a:solidFill>
+              <a:srgbClr val="97ABBC"/>
+            </a:solidFill>
+            <a:ln>
+              <a:noFill/>
+            </a:ln>
+            <a:effectLst>
+              <a:innerShdw blurRad="63500" dist="50800" dir="8100000">
+                <a:prstClr val="black">
+                  <a:alpha val="50000"/>
+                </a:prstClr>
+              </a:innerShdw>
+            </a:effectLst>
+            <a:scene3d>
+              <a:camera prst="orthographicFront">
+                <a:rot lat="0" lon="21599994" rev="10799999"/>
+              </a:camera>
+              <a:lightRig rig="threePt" dir="t"/>
+            </a:scene3d>
+          </p:spPr>
+          <p:style>
+            <a:lnRef idx="2">
+              <a:schemeClr val="accent1">
+                <a:shade val="50000"/>
+              </a:schemeClr>
+            </a:lnRef>
+            <a:fillRef idx="1">
+              <a:schemeClr val="accent1"/>
+            </a:fillRef>
+            <a:effectRef idx="0">
+              <a:schemeClr val="accent1"/>
+            </a:effectRef>
+            <a:fontRef idx="minor">
+              <a:schemeClr val="lt1"/>
+            </a:fontRef>
+          </p:style>
+          <p:txBody>
+            <a:bodyPr rtlCol="0" anchor="ctr"/>
+            <a:lstStyle/>
+            <a:p>
+              <a:pPr algn="ctr"/>
+              <a:endParaRPr lang="en-US" dirty="0">
+                <a:solidFill>
+                  <a:srgbClr val="97ABBC"/>
+                </a:solidFill>
+              </a:endParaRPr>
+            </a:p>
+          </p:txBody>
+        </p:sp>
+        <p:sp>
+          <p:nvSpPr>
+            <p:cNvPr id="6" name="Slide Number Placeholder 3">
+              <a:extLst>
+                <a:ext uri="{FF2B5EF4-FFF2-40B4-BE49-F238E27FC236}">
+                  <a16:creationId xmlns:a16="http://schemas.microsoft.com/office/drawing/2014/main" id="{DE0E6E6F-1B92-4E3C-AF96-95C8CD3D1A5E}"/>
+                </a:ext>
+              </a:extLst>
+            </p:cNvPr>
+            <p:cNvSpPr txBox="1">
+              <a:spLocks/>
+            </p:cNvSpPr>
+            <p:nvPr/>
+          </p:nvSpPr>
+          <p:spPr>
+            <a:xfrm>
+              <a:off x="8402846" y="-91837"/>
+              <a:ext cx="781495" cy="683507"/>
+            </a:xfrm>
+            <a:prstGeom prst="rect">
+              <a:avLst/>
+            </a:prstGeom>
+            <a:noFill/>
+            <a:ln>
+              <a:noFill/>
+            </a:ln>
+          </p:spPr>
+          <p:txBody>
+            <a:bodyPr spcFirstLastPara="1" wrap="square" lIns="91425" tIns="91425" rIns="91425" bIns="91425" anchor="t" anchorCtr="0">
+              <a:noAutofit/>
+            </a:bodyPr>
+            <a:lstStyle>
+              <a:defPPr marR="0" lvl="0" algn="l" rtl="0">
+                <a:lnSpc>
+                  <a:spcPct val="100000"/>
+                </a:lnSpc>
+                <a:spcBef>
+                  <a:spcPts val="0"/>
+                </a:spcBef>
+                <a:spcAft>
+                  <a:spcPts val="0"/>
+                </a:spcAft>
+              </a:defPPr>
+              <a:lvl1pPr marR="0" lvl="0" algn="r" rtl="0">
+                <a:lnSpc>
+                  <a:spcPct val="100000"/>
+                </a:lnSpc>
+                <a:spcBef>
+                  <a:spcPts val="0"/>
+                </a:spcBef>
+                <a:spcAft>
+                  <a:spcPts val="0"/>
+                </a:spcAft>
+                <a:buClr>
+                  <a:srgbClr val="000000"/>
+                </a:buClr>
+                <a:buFont typeface="Arial"/>
+                <a:buNone/>
+                <a:defRPr sz="1300" b="0" i="0" u="none" strike="noStrike" cap="none">
+                  <a:solidFill>
+                    <a:srgbClr val="97ABBC"/>
+                  </a:solidFill>
+                  <a:latin typeface="Lato"/>
+                  <a:ea typeface="Lato"/>
+                  <a:cs typeface="Lato"/>
+                  <a:sym typeface="Lato"/>
+                </a:defRPr>
+              </a:lvl1pPr>
+              <a:lvl2pPr marR="0" lvl="1" algn="r" rtl="0">
+                <a:lnSpc>
+                  <a:spcPct val="100000"/>
+                </a:lnSpc>
+                <a:spcBef>
+                  <a:spcPts val="0"/>
+                </a:spcBef>
+                <a:spcAft>
+                  <a:spcPts val="0"/>
+                </a:spcAft>
+                <a:buClr>
+                  <a:srgbClr val="000000"/>
+                </a:buClr>
+                <a:buFont typeface="Arial"/>
+                <a:buNone/>
+                <a:defRPr sz="1300" b="0" i="0" u="none" strike="noStrike" cap="none">
+                  <a:solidFill>
+                    <a:srgbClr val="97ABBC"/>
+                  </a:solidFill>
+                  <a:latin typeface="Lato"/>
+                  <a:ea typeface="Lato"/>
+                  <a:cs typeface="Lato"/>
+                  <a:sym typeface="Lato"/>
+                </a:defRPr>
+              </a:lvl2pPr>
+              <a:lvl3pPr marR="0" lvl="2" algn="r" rtl="0">
+                <a:lnSpc>
+                  <a:spcPct val="100000"/>
+                </a:lnSpc>
+                <a:spcBef>
+                  <a:spcPts val="0"/>
+                </a:spcBef>
+                <a:spcAft>
+                  <a:spcPts val="0"/>
+                </a:spcAft>
+                <a:buClr>
+                  <a:srgbClr val="000000"/>
+                </a:buClr>
+                <a:buFont typeface="Arial"/>
+                <a:buNone/>
+                <a:defRPr sz="1300" b="0" i="0" u="none" strike="noStrike" cap="none">
+                  <a:solidFill>
+                    <a:srgbClr val="97ABBC"/>
+                  </a:solidFill>
+                  <a:latin typeface="Lato"/>
+                  <a:ea typeface="Lato"/>
+                  <a:cs typeface="Lato"/>
+                  <a:sym typeface="Lato"/>
+                </a:defRPr>
+              </a:lvl3pPr>
+              <a:lvl4pPr marR="0" lvl="3" algn="r" rtl="0">
+                <a:lnSpc>
+                  <a:spcPct val="100000"/>
+                </a:lnSpc>
+                <a:spcBef>
+                  <a:spcPts val="0"/>
+                </a:spcBef>
+                <a:spcAft>
+                  <a:spcPts val="0"/>
+                </a:spcAft>
+                <a:buClr>
+                  <a:srgbClr val="000000"/>
+                </a:buClr>
+                <a:buFont typeface="Arial"/>
+                <a:buNone/>
+                <a:defRPr sz="1300" b="0" i="0" u="none" strike="noStrike" cap="none">
+                  <a:solidFill>
+                    <a:srgbClr val="97ABBC"/>
+                  </a:solidFill>
+                  <a:latin typeface="Lato"/>
+                  <a:ea typeface="Lato"/>
+                  <a:cs typeface="Lato"/>
+                  <a:sym typeface="Lato"/>
+                </a:defRPr>
+              </a:lvl4pPr>
+              <a:lvl5pPr marR="0" lvl="4" algn="r" rtl="0">
+                <a:lnSpc>
+                  <a:spcPct val="100000"/>
+                </a:lnSpc>
+                <a:spcBef>
+                  <a:spcPts val="0"/>
+                </a:spcBef>
+                <a:spcAft>
+                  <a:spcPts val="0"/>
+                </a:spcAft>
+                <a:buClr>
+                  <a:srgbClr val="000000"/>
+                </a:buClr>
+                <a:buFont typeface="Arial"/>
+                <a:buNone/>
+                <a:defRPr sz="1300" b="0" i="0" u="none" strike="noStrike" cap="none">
+                  <a:solidFill>
+                    <a:srgbClr val="97ABBC"/>
+                  </a:solidFill>
+                  <a:latin typeface="Lato"/>
+                  <a:ea typeface="Lato"/>
+                  <a:cs typeface="Lato"/>
+                  <a:sym typeface="Lato"/>
+                </a:defRPr>
+              </a:lvl5pPr>
+              <a:lvl6pPr marR="0" lvl="5" algn="r" rtl="0">
+                <a:lnSpc>
+                  <a:spcPct val="100000"/>
+                </a:lnSpc>
+                <a:spcBef>
+                  <a:spcPts val="0"/>
+                </a:spcBef>
+                <a:spcAft>
+                  <a:spcPts val="0"/>
+                </a:spcAft>
+                <a:buClr>
+                  <a:srgbClr val="000000"/>
+                </a:buClr>
+                <a:buFont typeface="Arial"/>
+                <a:buNone/>
+                <a:defRPr sz="1300" b="0" i="0" u="none" strike="noStrike" cap="none">
+                  <a:solidFill>
+                    <a:srgbClr val="97ABBC"/>
+                  </a:solidFill>
+                  <a:latin typeface="Lato"/>
+                  <a:ea typeface="Lato"/>
+                  <a:cs typeface="Lato"/>
+                  <a:sym typeface="Lato"/>
+                </a:defRPr>
+              </a:lvl6pPr>
+              <a:lvl7pPr marR="0" lvl="6" algn="r" rtl="0">
+                <a:lnSpc>
+                  <a:spcPct val="100000"/>
+                </a:lnSpc>
+                <a:spcBef>
+                  <a:spcPts val="0"/>
+                </a:spcBef>
+                <a:spcAft>
+                  <a:spcPts val="0"/>
+                </a:spcAft>
+                <a:buClr>
+                  <a:srgbClr val="000000"/>
+                </a:buClr>
+                <a:buFont typeface="Arial"/>
+                <a:buNone/>
+                <a:defRPr sz="1300" b="0" i="0" u="none" strike="noStrike" cap="none">
+                  <a:solidFill>
+                    <a:srgbClr val="97ABBC"/>
+                  </a:solidFill>
+                  <a:latin typeface="Lato"/>
+                  <a:ea typeface="Lato"/>
+                  <a:cs typeface="Lato"/>
+                  <a:sym typeface="Lato"/>
+                </a:defRPr>
+              </a:lvl7pPr>
+              <a:lvl8pPr marR="0" lvl="7" algn="r" rtl="0">
+                <a:lnSpc>
+                  <a:spcPct val="100000"/>
+                </a:lnSpc>
+                <a:spcBef>
+                  <a:spcPts val="0"/>
+                </a:spcBef>
+                <a:spcAft>
+                  <a:spcPts val="0"/>
+                </a:spcAft>
+                <a:buClr>
+                  <a:srgbClr val="000000"/>
+                </a:buClr>
+                <a:buFont typeface="Arial"/>
+                <a:buNone/>
+                <a:defRPr sz="1300" b="0" i="0" u="none" strike="noStrike" cap="none">
+                  <a:solidFill>
+                    <a:srgbClr val="97ABBC"/>
+                  </a:solidFill>
+                  <a:latin typeface="Lato"/>
+                  <a:ea typeface="Lato"/>
+                  <a:cs typeface="Lato"/>
+                  <a:sym typeface="Lato"/>
+                </a:defRPr>
+              </a:lvl8pPr>
+              <a:lvl9pPr marR="0" lvl="8" algn="r" rtl="0">
+                <a:lnSpc>
+                  <a:spcPct val="100000"/>
+                </a:lnSpc>
+                <a:spcBef>
+                  <a:spcPts val="0"/>
+                </a:spcBef>
+                <a:spcAft>
+                  <a:spcPts val="0"/>
+                </a:spcAft>
+                <a:buClr>
+                  <a:srgbClr val="000000"/>
+                </a:buClr>
+                <a:buFont typeface="Arial"/>
+                <a:buNone/>
+                <a:defRPr sz="1300" b="0" i="0" u="none" strike="noStrike" cap="none">
+                  <a:solidFill>
+                    <a:srgbClr val="97ABBC"/>
+                  </a:solidFill>
+                  <a:latin typeface="Lato"/>
+                  <a:ea typeface="Lato"/>
+                  <a:cs typeface="Lato"/>
+                  <a:sym typeface="Lato"/>
+                </a:defRPr>
+              </a:lvl9pPr>
+            </a:lstStyle>
+            <a:p>
+              <a:pPr algn="ctr"/>
+              <a:fld id="{00000000-1234-1234-1234-123412341234}" type="slidenum">
+                <a:rPr lang="en" sz="3600" smtClean="0">
+                  <a:solidFill>
+                    <a:schemeClr val="bg1"/>
+                  </a:solidFill>
+                </a:rPr>
+                <a:pPr algn="ctr"/>
+                <a:t>2</a:t>
+              </a:fld>
+              <a:endParaRPr lang="en" sz="3600" dirty="0">
+                <a:solidFill>
+                  <a:schemeClr val="bg1"/>
+                </a:solidFill>
+              </a:endParaRPr>
+            </a:p>
+          </p:txBody>
+        </p:sp>
+      </p:grpSp>
+      <p:sp>
+        <p:nvSpPr>
+          <p:cNvPr id="2" name="Rectangle 1">
+            <a:extLst>
+              <a:ext uri="{FF2B5EF4-FFF2-40B4-BE49-F238E27FC236}">
+                <a16:creationId xmlns:a16="http://schemas.microsoft.com/office/drawing/2014/main" id="{E8A9B2BB-E106-0F61-39A3-61AF22521FDC}"/>
+              </a:ext>
+            </a:extLst>
+          </p:cNvPr>
+          <p:cNvSpPr/>
+          <p:nvPr/>
+        </p:nvSpPr>
+        <p:spPr>
+          <a:xfrm>
+            <a:off x="220617" y="1571704"/>
+            <a:ext cx="914400" cy="914400"/>
+          </a:xfrm>
+          <a:prstGeom prst="rect">
+            <a:avLst/>
+          </a:prstGeom>
+          <a:solidFill>
+            <a:schemeClr val="bg1"/>
+          </a:solidFill>
+          <a:ln w="6350">
+            <a:solidFill>
+              <a:srgbClr val="000000"/>
+            </a:solidFill>
+          </a:ln>
+          <a:effectLst>
+            <a:outerShdw blurRad="63500" sx="102000" sy="102000" algn="ctr" rotWithShape="0">
+              <a:prstClr val="black">
+                <a:alpha val="40000"/>
+              </a:prstClr>
+            </a:outerShdw>
+          </a:effectLst>
+        </p:spPr>
+        <p:style>
+          <a:lnRef idx="2">
+            <a:schemeClr val="accent1">
+              <a:shade val="50000"/>
+            </a:schemeClr>
+          </a:lnRef>
+          <a:fillRef idx="1">
+            <a:schemeClr val="accent1"/>
+          </a:fillRef>
+          <a:effectRef idx="0">
+            <a:schemeClr val="accent1"/>
+          </a:effectRef>
+          <a:fontRef idx="minor">
+            <a:schemeClr val="lt1"/>
+          </a:fontRef>
+        </p:style>
+        <p:txBody>
+          <a:bodyPr rtlCol="0" anchor="b"/>
+          <a:lstStyle/>
+          <a:p>
+            <a:pPr algn="ctr"/>
+            <a:r>
+              <a:rPr lang="ja-JP" altLang="en-US" sz="1000" dirty="0">
+                <a:solidFill>
+                  <a:srgbClr val="000000"/>
+                </a:solidFill>
+              </a:rPr>
+              <a:t>動作</a:t>
+            </a:r>
+            <a:r>
+              <a:rPr lang="en-JP" sz="1000" dirty="0">
+                <a:solidFill>
+                  <a:srgbClr val="000000"/>
+                </a:solidFill>
+              </a:rPr>
+              <a:t>環境</a:t>
+            </a:r>
+          </a:p>
+        </p:txBody>
+      </p:sp>
+      <p:sp>
+        <p:nvSpPr>
+          <p:cNvPr id="3" name="Rectangle 2">
+            <a:extLst>
+              <a:ext uri="{FF2B5EF4-FFF2-40B4-BE49-F238E27FC236}">
+                <a16:creationId xmlns:a16="http://schemas.microsoft.com/office/drawing/2014/main" id="{0199FC06-DB4C-0E4E-DB3C-57040CB9D499}"/>
+              </a:ext>
+            </a:extLst>
+          </p:cNvPr>
+          <p:cNvSpPr/>
+          <p:nvPr/>
+        </p:nvSpPr>
+        <p:spPr>
+          <a:xfrm>
+            <a:off x="220617" y="2941442"/>
+            <a:ext cx="914400" cy="914400"/>
+          </a:xfrm>
+          <a:prstGeom prst="rect">
+            <a:avLst/>
+          </a:prstGeom>
+          <a:solidFill>
+            <a:schemeClr val="bg1"/>
+          </a:solidFill>
+          <a:ln w="6350">
+            <a:solidFill>
+              <a:srgbClr val="000000"/>
+            </a:solidFill>
+          </a:ln>
+          <a:effectLst>
+            <a:outerShdw blurRad="63500" sx="102000" sy="102000" algn="ctr" rotWithShape="0">
+              <a:prstClr val="black">
+                <a:alpha val="40000"/>
+              </a:prstClr>
+            </a:outerShdw>
+          </a:effectLst>
+        </p:spPr>
+        <p:style>
+          <a:lnRef idx="2">
+            <a:schemeClr val="accent1">
+              <a:shade val="50000"/>
+            </a:schemeClr>
+          </a:lnRef>
+          <a:fillRef idx="1">
+            <a:schemeClr val="accent1"/>
+          </a:fillRef>
+          <a:effectRef idx="0">
+            <a:schemeClr val="accent1"/>
+          </a:effectRef>
+          <a:fontRef idx="minor">
+            <a:schemeClr val="lt1"/>
+          </a:fontRef>
+        </p:style>
+        <p:txBody>
+          <a:bodyPr rtlCol="0" anchor="b"/>
+          <a:lstStyle/>
+          <a:p>
+            <a:pPr algn="ctr"/>
+            <a:r>
+              <a:rPr lang="ja-JP" altLang="en-US" sz="1000" dirty="0">
+                <a:solidFill>
+                  <a:srgbClr val="000000"/>
+                </a:solidFill>
+              </a:rPr>
+              <a:t>動作仕様</a:t>
+            </a:r>
+            <a:endParaRPr lang="en-JP" sz="1000" dirty="0">
+              <a:solidFill>
+                <a:srgbClr val="000000"/>
+              </a:solidFill>
+            </a:endParaRPr>
+          </a:p>
+        </p:txBody>
+      </p:sp>
+      <p:sp>
+        <p:nvSpPr>
+          <p:cNvPr id="8" name="Chevron 7">
+            <a:extLst>
+              <a:ext uri="{FF2B5EF4-FFF2-40B4-BE49-F238E27FC236}">
+                <a16:creationId xmlns:a16="http://schemas.microsoft.com/office/drawing/2014/main" id="{DBA545B5-312C-31A1-55DA-D29C449A0B28}"/>
+              </a:ext>
+            </a:extLst>
+          </p:cNvPr>
+          <p:cNvSpPr/>
+          <p:nvPr/>
+        </p:nvSpPr>
+        <p:spPr>
+          <a:xfrm>
+            <a:off x="1239928" y="1805338"/>
+            <a:ext cx="387510" cy="452234"/>
+          </a:xfrm>
+          <a:prstGeom prst="chevron">
+            <a:avLst>
+              <a:gd name="adj" fmla="val 14655"/>
+            </a:avLst>
+          </a:prstGeom>
+          <a:solidFill>
+            <a:schemeClr val="bg1"/>
+          </a:solidFill>
+          <a:ln w="15875">
+            <a:solidFill>
+              <a:schemeClr val="tx1"/>
+            </a:solidFill>
+          </a:ln>
+        </p:spPr>
+        <p:style>
+          <a:lnRef idx="2">
+            <a:schemeClr val="accent1">
+              <a:shade val="50000"/>
+            </a:schemeClr>
+          </a:lnRef>
+          <a:fillRef idx="1">
+            <a:schemeClr val="accent1"/>
+          </a:fillRef>
+          <a:effectRef idx="0">
+            <a:schemeClr val="accent1"/>
+          </a:effectRef>
+          <a:fontRef idx="minor">
+            <a:schemeClr val="lt1"/>
+          </a:fontRef>
+        </p:style>
+        <p:txBody>
+          <a:bodyPr rtlCol="0" anchor="ctr"/>
+          <a:lstStyle/>
+          <a:p>
+            <a:pPr algn="ctr"/>
+            <a:r>
+              <a:rPr lang="ja-JP" altLang="en-US" sz="1000" dirty="0">
+                <a:solidFill>
+                  <a:schemeClr val="tx1"/>
+                </a:solidFill>
+              </a:rPr>
+              <a:t>形式化</a:t>
+            </a:r>
+            <a:endParaRPr lang="en-JP" sz="1000" dirty="0">
+              <a:solidFill>
+                <a:schemeClr val="tx1"/>
+              </a:solidFill>
+            </a:endParaRPr>
+          </a:p>
+        </p:txBody>
+      </p:sp>
+      <p:sp>
+        <p:nvSpPr>
+          <p:cNvPr id="10" name="Chevron 9">
+            <a:extLst>
+              <a:ext uri="{FF2B5EF4-FFF2-40B4-BE49-F238E27FC236}">
+                <a16:creationId xmlns:a16="http://schemas.microsoft.com/office/drawing/2014/main" id="{D6C7ADBE-A7DC-9FE0-4881-2105D3F73C45}"/>
+              </a:ext>
+            </a:extLst>
+          </p:cNvPr>
+          <p:cNvSpPr/>
+          <p:nvPr/>
+        </p:nvSpPr>
+        <p:spPr>
+          <a:xfrm>
+            <a:off x="3397256" y="2662167"/>
+            <a:ext cx="1631880" cy="405689"/>
+          </a:xfrm>
+          <a:prstGeom prst="chevron">
+            <a:avLst>
+              <a:gd name="adj" fmla="val 15078"/>
+            </a:avLst>
+          </a:prstGeom>
+          <a:solidFill>
+            <a:schemeClr val="tx1"/>
+          </a:solidFill>
+          <a:ln w="19050">
+            <a:solidFill>
+              <a:srgbClr val="000000"/>
+            </a:solidFill>
+          </a:ln>
+        </p:spPr>
+        <p:style>
+          <a:lnRef idx="2">
+            <a:schemeClr val="accent1">
+              <a:shade val="50000"/>
+            </a:schemeClr>
+          </a:lnRef>
+          <a:fillRef idx="1">
+            <a:schemeClr val="accent1"/>
+          </a:fillRef>
+          <a:effectRef idx="0">
+            <a:schemeClr val="accent1"/>
+          </a:effectRef>
+          <a:fontRef idx="minor">
+            <a:schemeClr val="lt1"/>
+          </a:fontRef>
+        </p:style>
+        <p:txBody>
+          <a:bodyPr wrap="none" rtlCol="0" anchor="ctr"/>
+          <a:lstStyle/>
+          <a:p>
+            <a:pPr algn="ctr"/>
+            <a:r>
+              <a:rPr lang="en-US" sz="1200" dirty="0">
+                <a:solidFill>
+                  <a:schemeClr val="bg1"/>
+                </a:solidFill>
+              </a:rPr>
+              <a:t>制御器の導出</a:t>
+            </a:r>
+            <a:endParaRPr lang="en-JP" sz="1200" dirty="0">
+              <a:solidFill>
+                <a:schemeClr val="bg1"/>
+              </a:solidFill>
+            </a:endParaRPr>
+          </a:p>
+        </p:txBody>
+      </p:sp>
+      <p:cxnSp>
+        <p:nvCxnSpPr>
+          <p:cNvPr id="13" name="Straight Arrow Connector 12">
+            <a:extLst>
+              <a:ext uri="{FF2B5EF4-FFF2-40B4-BE49-F238E27FC236}">
+                <a16:creationId xmlns:a16="http://schemas.microsoft.com/office/drawing/2014/main" id="{DCC34D2F-1884-975A-0599-7964E0ADA5E9}"/>
+              </a:ext>
+            </a:extLst>
+          </p:cNvPr>
+          <p:cNvCxnSpPr>
+            <a:cxnSpLocks/>
+            <a:stCxn id="2" idx="3"/>
+            <a:endCxn id="8" idx="1"/>
+          </p:cNvCxnSpPr>
+          <p:nvPr/>
+        </p:nvCxnSpPr>
+        <p:spPr>
+          <a:xfrm>
+            <a:off x="1135017" y="2028904"/>
+            <a:ext cx="161701" cy="2551"/>
+          </a:xfrm>
+          <a:prstGeom prst="straightConnector1">
+            <a:avLst/>
+          </a:prstGeom>
+          <a:ln w="6350">
+            <a:solidFill>
+              <a:srgbClr val="000000"/>
+            </a:solidFill>
+            <a:tailEnd type="triangle"/>
+          </a:ln>
+        </p:spPr>
+        <p:style>
+          <a:lnRef idx="1">
+            <a:schemeClr val="accent1"/>
+          </a:lnRef>
+          <a:fillRef idx="0">
+            <a:schemeClr val="accent1"/>
+          </a:fillRef>
+          <a:effectRef idx="0">
+            <a:schemeClr val="accent1"/>
+          </a:effectRef>
+          <a:fontRef idx="minor">
+            <a:schemeClr val="tx1"/>
+          </a:fontRef>
+        </p:style>
+      </p:cxnSp>
+      <p:cxnSp>
+        <p:nvCxnSpPr>
+          <p:cNvPr id="14" name="Straight Arrow Connector 13">
+            <a:extLst>
+              <a:ext uri="{FF2B5EF4-FFF2-40B4-BE49-F238E27FC236}">
+                <a16:creationId xmlns:a16="http://schemas.microsoft.com/office/drawing/2014/main" id="{1CE55FF3-C3B6-027B-5DF1-C39C30680455}"/>
+              </a:ext>
+            </a:extLst>
+          </p:cNvPr>
+          <p:cNvCxnSpPr>
+            <a:cxnSpLocks/>
+            <a:stCxn id="3" idx="3"/>
+            <a:endCxn id="99" idx="1"/>
+          </p:cNvCxnSpPr>
+          <p:nvPr/>
+        </p:nvCxnSpPr>
+        <p:spPr>
+          <a:xfrm flipV="1">
+            <a:off x="1135017" y="3394515"/>
+            <a:ext cx="161701" cy="4127"/>
+          </a:xfrm>
+          <a:prstGeom prst="straightConnector1">
+            <a:avLst/>
+          </a:prstGeom>
+          <a:ln w="6350">
+            <a:solidFill>
+              <a:srgbClr val="000000"/>
+            </a:solidFill>
+            <a:tailEnd type="triangle"/>
+          </a:ln>
+        </p:spPr>
+        <p:style>
+          <a:lnRef idx="1">
+            <a:schemeClr val="accent1"/>
+          </a:lnRef>
+          <a:fillRef idx="0">
+            <a:schemeClr val="accent1"/>
+          </a:fillRef>
+          <a:effectRef idx="0">
+            <a:schemeClr val="accent1"/>
+          </a:effectRef>
+          <a:fontRef idx="minor">
+            <a:schemeClr val="tx1"/>
+          </a:fontRef>
+        </p:style>
+      </p:cxnSp>
+      <p:cxnSp>
+        <p:nvCxnSpPr>
+          <p:cNvPr id="15" name="Straight Arrow Connector 14">
+            <a:extLst>
+              <a:ext uri="{FF2B5EF4-FFF2-40B4-BE49-F238E27FC236}">
+                <a16:creationId xmlns:a16="http://schemas.microsoft.com/office/drawing/2014/main" id="{729E517D-8AF2-4FAD-D946-EAFED6703D72}"/>
+              </a:ext>
+            </a:extLst>
+          </p:cNvPr>
+          <p:cNvCxnSpPr>
+            <a:cxnSpLocks/>
+            <a:stCxn id="8" idx="3"/>
+            <a:endCxn id="40" idx="1"/>
+          </p:cNvCxnSpPr>
+          <p:nvPr/>
+        </p:nvCxnSpPr>
+        <p:spPr>
+          <a:xfrm>
+            <a:off x="1627438" y="2031455"/>
+            <a:ext cx="108716" cy="732"/>
+          </a:xfrm>
+          <a:prstGeom prst="straightConnector1">
+            <a:avLst/>
+          </a:prstGeom>
+          <a:ln w="6350">
+            <a:solidFill>
+              <a:srgbClr val="000000"/>
+            </a:solidFill>
+            <a:tailEnd type="triangle"/>
+          </a:ln>
+        </p:spPr>
+        <p:style>
+          <a:lnRef idx="1">
+            <a:schemeClr val="accent1"/>
+          </a:lnRef>
+          <a:fillRef idx="0">
+            <a:schemeClr val="accent1"/>
+          </a:fillRef>
+          <a:effectRef idx="0">
+            <a:schemeClr val="accent1"/>
+          </a:effectRef>
+          <a:fontRef idx="minor">
+            <a:schemeClr val="tx1"/>
+          </a:fontRef>
+        </p:style>
+      </p:cxnSp>
+      <p:cxnSp>
+        <p:nvCxnSpPr>
+          <p:cNvPr id="16" name="Straight Arrow Connector 15">
+            <a:extLst>
+              <a:ext uri="{FF2B5EF4-FFF2-40B4-BE49-F238E27FC236}">
+                <a16:creationId xmlns:a16="http://schemas.microsoft.com/office/drawing/2014/main" id="{DBDE9C95-B2B2-A61C-E5C2-5DF2F6F49946}"/>
+              </a:ext>
+            </a:extLst>
+          </p:cNvPr>
+          <p:cNvCxnSpPr>
+            <a:cxnSpLocks/>
+            <a:stCxn id="99" idx="3"/>
+            <a:endCxn id="7" idx="1"/>
+          </p:cNvCxnSpPr>
+          <p:nvPr/>
+        </p:nvCxnSpPr>
+        <p:spPr>
+          <a:xfrm>
+            <a:off x="1627438" y="3394515"/>
+            <a:ext cx="108716" cy="7880"/>
+          </a:xfrm>
+          <a:prstGeom prst="straightConnector1">
+            <a:avLst/>
+          </a:prstGeom>
+          <a:ln w="6350">
+            <a:solidFill>
+              <a:srgbClr val="000000"/>
+            </a:solidFill>
+            <a:tailEnd type="triangle"/>
+          </a:ln>
+        </p:spPr>
+        <p:style>
+          <a:lnRef idx="1">
+            <a:schemeClr val="accent1"/>
+          </a:lnRef>
+          <a:fillRef idx="0">
+            <a:schemeClr val="accent1"/>
+          </a:fillRef>
+          <a:effectRef idx="0">
+            <a:schemeClr val="accent1"/>
+          </a:effectRef>
+          <a:fontRef idx="minor">
+            <a:schemeClr val="tx1"/>
+          </a:fontRef>
+        </p:style>
+      </p:cxnSp>
+      <p:cxnSp>
+        <p:nvCxnSpPr>
+          <p:cNvPr id="17" name="Elbow Connector 16">
+            <a:extLst>
+              <a:ext uri="{FF2B5EF4-FFF2-40B4-BE49-F238E27FC236}">
+                <a16:creationId xmlns:a16="http://schemas.microsoft.com/office/drawing/2014/main" id="{05457D22-B8E6-A874-20F8-1C5A5377CCD3}"/>
+              </a:ext>
+            </a:extLst>
+          </p:cNvPr>
+          <p:cNvCxnSpPr>
+            <a:cxnSpLocks/>
+            <a:stCxn id="40" idx="3"/>
+            <a:endCxn id="10" idx="1"/>
+          </p:cNvCxnSpPr>
+          <p:nvPr/>
+        </p:nvCxnSpPr>
+        <p:spPr>
+          <a:xfrm>
+            <a:off x="3073400" y="2032187"/>
+            <a:ext cx="385026" cy="832825"/>
+          </a:xfrm>
+          <a:prstGeom prst="bentConnector3">
+            <a:avLst>
+              <a:gd name="adj1" fmla="val 50000"/>
+            </a:avLst>
+          </a:prstGeom>
+          <a:ln w="6350">
+            <a:solidFill>
+              <a:srgbClr val="000000"/>
+            </a:solidFill>
+            <a:tailEnd type="triangle"/>
+          </a:ln>
+        </p:spPr>
+        <p:style>
+          <a:lnRef idx="1">
+            <a:schemeClr val="accent1"/>
+          </a:lnRef>
+          <a:fillRef idx="0">
+            <a:schemeClr val="accent1"/>
+          </a:fillRef>
+          <a:effectRef idx="0">
+            <a:schemeClr val="accent1"/>
+          </a:effectRef>
+          <a:fontRef idx="minor">
+            <a:schemeClr val="tx1"/>
+          </a:fontRef>
+        </p:style>
+      </p:cxnSp>
+      <p:cxnSp>
+        <p:nvCxnSpPr>
+          <p:cNvPr id="18" name="Elbow Connector 17">
+            <a:extLst>
+              <a:ext uri="{FF2B5EF4-FFF2-40B4-BE49-F238E27FC236}">
+                <a16:creationId xmlns:a16="http://schemas.microsoft.com/office/drawing/2014/main" id="{CFBE4994-AA5B-EE23-5A46-B823551C21C5}"/>
+              </a:ext>
+            </a:extLst>
+          </p:cNvPr>
+          <p:cNvCxnSpPr>
+            <a:cxnSpLocks/>
+            <a:stCxn id="7" idx="3"/>
+            <a:endCxn id="10" idx="1"/>
+          </p:cNvCxnSpPr>
+          <p:nvPr/>
+        </p:nvCxnSpPr>
+        <p:spPr>
+          <a:xfrm flipV="1">
+            <a:off x="3073400" y="2865012"/>
+            <a:ext cx="385026" cy="537383"/>
+          </a:xfrm>
+          <a:prstGeom prst="bentConnector3">
+            <a:avLst>
+              <a:gd name="adj1" fmla="val 50000"/>
+            </a:avLst>
+          </a:prstGeom>
+          <a:ln w="6350">
+            <a:solidFill>
+              <a:srgbClr val="000000"/>
+            </a:solidFill>
+            <a:tailEnd type="triangle"/>
+          </a:ln>
+        </p:spPr>
+        <p:style>
+          <a:lnRef idx="1">
+            <a:schemeClr val="accent1"/>
+          </a:lnRef>
+          <a:fillRef idx="0">
+            <a:schemeClr val="accent1"/>
+          </a:fillRef>
+          <a:effectRef idx="0">
+            <a:schemeClr val="accent1"/>
+          </a:effectRef>
+          <a:fontRef idx="minor">
+            <a:schemeClr val="tx1"/>
+          </a:fontRef>
+        </p:style>
+      </p:cxnSp>
+      <p:pic>
+        <p:nvPicPr>
+          <p:cNvPr id="37" name="Graphic 36" descr="World outline">
+            <a:extLst>
+              <a:ext uri="{FF2B5EF4-FFF2-40B4-BE49-F238E27FC236}">
+                <a16:creationId xmlns:a16="http://schemas.microsoft.com/office/drawing/2014/main" id="{6A890384-674C-06CA-AB21-1350E53E29DD}"/>
+              </a:ext>
+            </a:extLst>
+          </p:cNvPr>
+          <p:cNvPicPr>
+            <a:picLocks noChangeAspect="1"/>
+          </p:cNvPicPr>
+          <p:nvPr/>
+        </p:nvPicPr>
+        <p:blipFill>
+          <a:blip r:embed="rId3">
+            <a:extLst>
+              <a:ext uri="{96DAC541-7B7A-43D3-8B79-37D633B846F1}">
+                <asvg:svgBlip xmlns:asvg="http://schemas.microsoft.com/office/drawing/2016/SVG/main" r:embed="rId4"/>
+              </a:ext>
+            </a:extLst>
+          </a:blip>
+          <a:stretch>
+            <a:fillRect/>
+          </a:stretch>
+        </p:blipFill>
+        <p:spPr>
+          <a:xfrm>
+            <a:off x="316292" y="1571704"/>
+            <a:ext cx="739785" cy="739785"/>
+          </a:xfrm>
+          <a:prstGeom prst="rect">
+            <a:avLst/>
+          </a:prstGeom>
+        </p:spPr>
+      </p:pic>
+      <p:pic>
+        <p:nvPicPr>
+          <p:cNvPr id="39" name="Picture 38">
+            <a:extLst>
+              <a:ext uri="{FF2B5EF4-FFF2-40B4-BE49-F238E27FC236}">
+                <a16:creationId xmlns:a16="http://schemas.microsoft.com/office/drawing/2014/main" id="{FFA963F9-C162-AB9E-20D9-A437B7F61CC0}"/>
+              </a:ext>
+            </a:extLst>
+          </p:cNvPr>
+          <p:cNvPicPr>
+            <a:picLocks noChangeAspect="1"/>
+          </p:cNvPicPr>
+          <p:nvPr/>
+        </p:nvPicPr>
+        <p:blipFill rotWithShape="1">
+          <a:blip r:embed="rId5"/>
+          <a:srcRect l="17180" t="23691" r="26149" b="24016"/>
+          <a:stretch/>
+        </p:blipFill>
+        <p:spPr>
+          <a:xfrm rot="5400000">
+            <a:off x="398339" y="2930038"/>
+            <a:ext cx="565219" cy="738052"/>
+          </a:xfrm>
+          <a:prstGeom prst="rect">
+            <a:avLst/>
+          </a:prstGeom>
+        </p:spPr>
+      </p:pic>
+      <p:pic>
+        <p:nvPicPr>
+          <p:cNvPr id="53" name="図 52">
+            <a:extLst>
+              <a:ext uri="{FF2B5EF4-FFF2-40B4-BE49-F238E27FC236}">
+                <a16:creationId xmlns:a16="http://schemas.microsoft.com/office/drawing/2014/main" id="{F5FFEFA4-EC13-A361-14CE-4EC16F271E51}"/>
+              </a:ext>
+            </a:extLst>
+          </p:cNvPr>
+          <p:cNvPicPr>
+            <a:picLocks noChangeAspect="1"/>
+          </p:cNvPicPr>
+          <p:nvPr/>
+        </p:nvPicPr>
+        <p:blipFill>
+          <a:blip r:embed="rId6"/>
+          <a:stretch>
+            <a:fillRect/>
+          </a:stretch>
+        </p:blipFill>
+        <p:spPr>
+          <a:xfrm>
+            <a:off x="1780501" y="1328305"/>
+            <a:ext cx="1251438" cy="1226359"/>
+          </a:xfrm>
+          <a:prstGeom prst="rect">
+            <a:avLst/>
+          </a:prstGeom>
+        </p:spPr>
+      </p:pic>
+      <p:pic>
+        <p:nvPicPr>
+          <p:cNvPr id="74" name="図 73">
+            <a:extLst>
+              <a:ext uri="{FF2B5EF4-FFF2-40B4-BE49-F238E27FC236}">
+                <a16:creationId xmlns:a16="http://schemas.microsoft.com/office/drawing/2014/main" id="{13FF71E4-4FBF-65A9-AE31-C351354D0960}"/>
+              </a:ext>
+            </a:extLst>
+          </p:cNvPr>
+          <p:cNvPicPr>
+            <a:picLocks noChangeAspect="1"/>
+          </p:cNvPicPr>
+          <p:nvPr/>
+        </p:nvPicPr>
+        <p:blipFill>
+          <a:blip r:embed="rId7"/>
+          <a:stretch>
+            <a:fillRect/>
+          </a:stretch>
+        </p:blipFill>
+        <p:spPr>
+          <a:xfrm>
+            <a:off x="2075044" y="3191636"/>
+            <a:ext cx="578200" cy="253995"/>
+          </a:xfrm>
+          <a:prstGeom prst="rect">
+            <a:avLst/>
+          </a:prstGeom>
+        </p:spPr>
+      </p:pic>
+      <p:sp>
+        <p:nvSpPr>
+          <p:cNvPr id="99" name="Chevron 7">
+            <a:extLst>
+              <a:ext uri="{FF2B5EF4-FFF2-40B4-BE49-F238E27FC236}">
+                <a16:creationId xmlns:a16="http://schemas.microsoft.com/office/drawing/2014/main" id="{4817BDC7-4CDA-0096-19AF-689A59AAAE1D}"/>
+              </a:ext>
+            </a:extLst>
+          </p:cNvPr>
+          <p:cNvSpPr/>
+          <p:nvPr/>
+        </p:nvSpPr>
+        <p:spPr>
+          <a:xfrm>
+            <a:off x="1239928" y="3168398"/>
+            <a:ext cx="387510" cy="452234"/>
+          </a:xfrm>
+          <a:prstGeom prst="chevron">
+            <a:avLst>
+              <a:gd name="adj" fmla="val 14655"/>
+            </a:avLst>
+          </a:prstGeom>
+          <a:solidFill>
+            <a:schemeClr val="bg1"/>
+          </a:solidFill>
+          <a:ln w="15875">
+            <a:solidFill>
+              <a:schemeClr val="tx1"/>
+            </a:solidFill>
+          </a:ln>
+        </p:spPr>
+        <p:style>
+          <a:lnRef idx="2">
+            <a:schemeClr val="accent1">
+              <a:shade val="50000"/>
+            </a:schemeClr>
+          </a:lnRef>
+          <a:fillRef idx="1">
+            <a:schemeClr val="accent1"/>
+          </a:fillRef>
+          <a:effectRef idx="0">
+            <a:schemeClr val="accent1"/>
+          </a:effectRef>
+          <a:fontRef idx="minor">
+            <a:schemeClr val="lt1"/>
+          </a:fontRef>
+        </p:style>
+        <p:txBody>
+          <a:bodyPr rtlCol="0" anchor="ctr"/>
+          <a:lstStyle/>
+          <a:p>
+            <a:pPr algn="ctr"/>
+            <a:r>
+              <a:rPr lang="ja-JP" altLang="en-US" sz="1000" dirty="0">
+                <a:solidFill>
+                  <a:schemeClr val="tx1"/>
+                </a:solidFill>
+              </a:rPr>
+              <a:t>形式化</a:t>
+            </a:r>
+            <a:endParaRPr lang="en-JP" sz="1000" dirty="0">
+              <a:solidFill>
+                <a:schemeClr val="tx1"/>
+              </a:solidFill>
+            </a:endParaRPr>
+          </a:p>
+        </p:txBody>
+      </p:sp>
+      <p:cxnSp>
+        <p:nvCxnSpPr>
+          <p:cNvPr id="133" name="Straight Arrow Connector 12">
+            <a:extLst>
+              <a:ext uri="{FF2B5EF4-FFF2-40B4-BE49-F238E27FC236}">
+                <a16:creationId xmlns:a16="http://schemas.microsoft.com/office/drawing/2014/main" id="{9500D6D4-A56C-0C6A-F7B5-F5069A23AD66}"/>
+              </a:ext>
+            </a:extLst>
+          </p:cNvPr>
+          <p:cNvCxnSpPr>
+            <a:cxnSpLocks/>
+            <a:stCxn id="10" idx="3"/>
+            <a:endCxn id="134" idx="1"/>
+          </p:cNvCxnSpPr>
+          <p:nvPr/>
+        </p:nvCxnSpPr>
+        <p:spPr>
+          <a:xfrm>
+            <a:off x="5029136" y="2865012"/>
+            <a:ext cx="212091" cy="0"/>
+          </a:xfrm>
+          <a:prstGeom prst="straightConnector1">
+            <a:avLst/>
+          </a:prstGeom>
+          <a:ln w="6350">
+            <a:solidFill>
+              <a:srgbClr val="000000"/>
+            </a:solidFill>
+            <a:tailEnd type="triangle"/>
+          </a:ln>
+        </p:spPr>
+        <p:style>
+          <a:lnRef idx="1">
+            <a:schemeClr val="accent1"/>
+          </a:lnRef>
+          <a:fillRef idx="0">
+            <a:schemeClr val="accent1"/>
+          </a:fillRef>
+          <a:effectRef idx="0">
+            <a:schemeClr val="accent1"/>
+          </a:effectRef>
+          <a:fontRef idx="minor">
+            <a:schemeClr val="tx1"/>
+          </a:fontRef>
+        </p:style>
+      </p:cxnSp>
+      <p:pic>
+        <p:nvPicPr>
+          <p:cNvPr id="136" name="図 135">
+            <a:extLst>
+              <a:ext uri="{FF2B5EF4-FFF2-40B4-BE49-F238E27FC236}">
+                <a16:creationId xmlns:a16="http://schemas.microsoft.com/office/drawing/2014/main" id="{8F6617A0-83DC-F419-7422-CBACA8030475}"/>
+              </a:ext>
+            </a:extLst>
+          </p:cNvPr>
+          <p:cNvPicPr>
+            <a:picLocks noChangeAspect="1"/>
+          </p:cNvPicPr>
+          <p:nvPr/>
+        </p:nvPicPr>
+        <p:blipFill>
+          <a:blip r:embed="rId8"/>
+          <a:stretch>
+            <a:fillRect/>
+          </a:stretch>
+        </p:blipFill>
+        <p:spPr>
+          <a:xfrm>
+            <a:off x="5274772" y="2518923"/>
+            <a:ext cx="1334253" cy="501309"/>
+          </a:xfrm>
+          <a:prstGeom prst="rect">
+            <a:avLst/>
+          </a:prstGeom>
+        </p:spPr>
+      </p:pic>
+      <p:pic>
+        <p:nvPicPr>
+          <p:cNvPr id="118" name="図 117" descr="ダイアグラム&#10;&#10;AI 生成コンテンツは誤りを含む可能性があります。">
+            <a:extLst>
+              <a:ext uri="{FF2B5EF4-FFF2-40B4-BE49-F238E27FC236}">
+                <a16:creationId xmlns:a16="http://schemas.microsoft.com/office/drawing/2014/main" id="{23A5C390-7637-12C5-378F-57687A5D6ECC}"/>
+              </a:ext>
+            </a:extLst>
+          </p:cNvPr>
+          <p:cNvPicPr>
+            <a:picLocks noChangeAspect="1"/>
+          </p:cNvPicPr>
+          <p:nvPr/>
+        </p:nvPicPr>
+        <p:blipFill>
+          <a:blip r:embed="rId9"/>
+          <a:stretch>
+            <a:fillRect/>
+          </a:stretch>
+        </p:blipFill>
+        <p:spPr>
+          <a:xfrm>
+            <a:off x="175267" y="4363184"/>
+            <a:ext cx="5408787" cy="1959704"/>
+          </a:xfrm>
+          <a:prstGeom prst="rect">
+            <a:avLst/>
+          </a:prstGeom>
+        </p:spPr>
+      </p:pic>
+      <p:pic>
+        <p:nvPicPr>
+          <p:cNvPr id="139" name="図 138" descr="ダイアグラム&#10;&#10;AI 生成コンテンツは誤りを含む可能性があります。">
+            <a:extLst>
+              <a:ext uri="{FF2B5EF4-FFF2-40B4-BE49-F238E27FC236}">
+                <a16:creationId xmlns:a16="http://schemas.microsoft.com/office/drawing/2014/main" id="{201B2F66-4F33-CB15-B488-766303FF6C9F}"/>
+              </a:ext>
+            </a:extLst>
+          </p:cNvPr>
+          <p:cNvPicPr>
+            <a:picLocks noChangeAspect="1"/>
+          </p:cNvPicPr>
+          <p:nvPr/>
+        </p:nvPicPr>
+        <p:blipFill>
+          <a:blip r:embed="rId10"/>
+          <a:stretch>
+            <a:fillRect/>
+          </a:stretch>
+        </p:blipFill>
+        <p:spPr>
+          <a:xfrm>
+            <a:off x="5662996" y="4363184"/>
+            <a:ext cx="3258849" cy="1962318"/>
+          </a:xfrm>
+          <a:prstGeom prst="rect">
+            <a:avLst/>
+          </a:prstGeom>
+        </p:spPr>
+      </p:pic>
+      <p:cxnSp>
+        <p:nvCxnSpPr>
+          <p:cNvPr id="144" name="直線矢印コネクタ 143">
+            <a:extLst>
+              <a:ext uri="{FF2B5EF4-FFF2-40B4-BE49-F238E27FC236}">
+                <a16:creationId xmlns:a16="http://schemas.microsoft.com/office/drawing/2014/main" id="{1D03DDC9-8957-E7F1-9E14-DCA626032F19}"/>
+              </a:ext>
+            </a:extLst>
+          </p:cNvPr>
+          <p:cNvCxnSpPr>
+            <a:cxnSpLocks/>
+            <a:endCxn id="10" idx="2"/>
+          </p:cNvCxnSpPr>
+          <p:nvPr/>
+        </p:nvCxnSpPr>
+        <p:spPr>
+          <a:xfrm flipV="1">
+            <a:off x="4182611" y="3067856"/>
+            <a:ext cx="0" cy="911902"/>
+          </a:xfrm>
+          <a:prstGeom prst="straightConnector1">
+            <a:avLst/>
+          </a:prstGeom>
+          <a:ln w="12700">
+            <a:solidFill>
+              <a:schemeClr val="tx2">
+                <a:lumMod val="25000"/>
+              </a:schemeClr>
+            </a:solidFill>
+            <a:tailEnd type="oval" w="lg" len="lg"/>
+          </a:ln>
+          <a:effectLst>
+            <a:outerShdw blurRad="63500" sx="102000" sy="102000" algn="ctr" rotWithShape="0">
+              <a:prstClr val="black">
+                <a:alpha val="40000"/>
+              </a:prstClr>
+            </a:outerShdw>
+          </a:effectLst>
+        </p:spPr>
+        <p:style>
+          <a:lnRef idx="1">
+            <a:schemeClr val="accent1"/>
+          </a:lnRef>
+          <a:fillRef idx="0">
+            <a:schemeClr val="accent1"/>
+          </a:fillRef>
+          <a:effectRef idx="0">
+            <a:schemeClr val="accent1"/>
+          </a:effectRef>
+          <a:fontRef idx="minor">
+            <a:schemeClr val="tx1"/>
+          </a:fontRef>
+        </p:style>
+      </p:cxnSp>
+      <p:pic>
+        <p:nvPicPr>
+          <p:cNvPr id="148" name="図 147" descr="図形&#10;&#10;AI 生成コンテンツは誤りを含む可能性があります。">
+            <a:extLst>
+              <a:ext uri="{FF2B5EF4-FFF2-40B4-BE49-F238E27FC236}">
+                <a16:creationId xmlns:a16="http://schemas.microsoft.com/office/drawing/2014/main" id="{E18BC0E0-4742-97BE-D951-2B110F5E3580}"/>
+              </a:ext>
+            </a:extLst>
+          </p:cNvPr>
+          <p:cNvPicPr>
+            <a:picLocks noChangeAspect="1"/>
+          </p:cNvPicPr>
+          <p:nvPr/>
+        </p:nvPicPr>
+        <p:blipFill>
+          <a:blip r:embed="rId11"/>
+          <a:stretch>
+            <a:fillRect/>
+          </a:stretch>
+        </p:blipFill>
+        <p:spPr>
+          <a:xfrm>
+            <a:off x="3265913" y="1251113"/>
+            <a:ext cx="1158093" cy="469293"/>
+          </a:xfrm>
+          <a:prstGeom prst="rect">
+            <a:avLst/>
+          </a:prstGeom>
+        </p:spPr>
+      </p:pic>
+      <p:sp>
+        <p:nvSpPr>
+          <p:cNvPr id="149" name="下カーブ矢印 148">
+            <a:extLst>
+              <a:ext uri="{FF2B5EF4-FFF2-40B4-BE49-F238E27FC236}">
+                <a16:creationId xmlns:a16="http://schemas.microsoft.com/office/drawing/2014/main" id="{310F0782-D657-C6F1-F5AF-1632ECA27A29}"/>
+              </a:ext>
+            </a:extLst>
+          </p:cNvPr>
+          <p:cNvSpPr/>
+          <p:nvPr/>
+        </p:nvSpPr>
+        <p:spPr>
+          <a:xfrm>
+            <a:off x="5317724" y="4363184"/>
+            <a:ext cx="526516" cy="324226"/>
+          </a:xfrm>
+          <a:prstGeom prst="curvedDownArrow">
+            <a:avLst/>
+          </a:prstGeom>
+          <a:solidFill>
+            <a:srgbClr val="F20153"/>
+          </a:solidFill>
+          <a:ln>
+            <a:noFill/>
+          </a:ln>
+        </p:spPr>
+        <p:style>
+          <a:lnRef idx="2">
+            <a:schemeClr val="accent1">
+              <a:shade val="15000"/>
+            </a:schemeClr>
+          </a:lnRef>
+          <a:fillRef idx="1">
+            <a:schemeClr val="accent1"/>
+          </a:fillRef>
+          <a:effectRef idx="0">
+            <a:schemeClr val="accent1"/>
+          </a:effectRef>
+          <a:fontRef idx="minor">
+            <a:schemeClr val="lt1"/>
+          </a:fontRef>
+        </p:style>
+        <p:txBody>
+          <a:bodyPr rtlCol="0" anchor="ctr"/>
+          <a:lstStyle/>
+          <a:p>
+            <a:pPr algn="ctr"/>
+            <a:endParaRPr kumimoji="1" lang="ja-JP" altLang="en-US">
+              <a:solidFill>
+                <a:schemeClr val="tx1"/>
+              </a:solidFill>
+            </a:endParaRPr>
+          </a:p>
+        </p:txBody>
+      </p:sp>
+      <p:sp>
+        <p:nvSpPr>
+          <p:cNvPr id="150" name="テキスト ボックス 149">
+            <a:extLst>
+              <a:ext uri="{FF2B5EF4-FFF2-40B4-BE49-F238E27FC236}">
+                <a16:creationId xmlns:a16="http://schemas.microsoft.com/office/drawing/2014/main" id="{810C95E1-FAF8-421C-2D50-6A6C9C10261B}"/>
+              </a:ext>
+            </a:extLst>
+          </p:cNvPr>
+          <p:cNvSpPr txBox="1"/>
+          <p:nvPr/>
+        </p:nvSpPr>
+        <p:spPr>
+          <a:xfrm>
+            <a:off x="5283742" y="4116963"/>
+            <a:ext cx="579005" cy="246221"/>
+          </a:xfrm>
+          <a:prstGeom prst="rect">
+            <a:avLst/>
+          </a:prstGeom>
+          <a:noFill/>
+        </p:spPr>
+        <p:txBody>
+          <a:bodyPr wrap="none" rtlCol="0">
+            <a:spAutoFit/>
+          </a:bodyPr>
+          <a:lstStyle/>
+          <a:p>
+            <a:r>
+              <a:rPr kumimoji="1" lang="ja-JP" altLang="en-US" sz="1000" b="1">
+                <a:solidFill>
+                  <a:srgbClr val="F20153"/>
+                </a:solidFill>
+              </a:rPr>
+              <a:t>効率化</a:t>
+            </a:r>
+          </a:p>
+        </p:txBody>
+      </p:sp>
+      <p:sp>
+        <p:nvSpPr>
+          <p:cNvPr id="151" name="Rectangle 29">
+            <a:extLst>
+              <a:ext uri="{FF2B5EF4-FFF2-40B4-BE49-F238E27FC236}">
+                <a16:creationId xmlns:a16="http://schemas.microsoft.com/office/drawing/2014/main" id="{E7B94CAE-800A-9046-F3F1-0A88E8AE410D}"/>
+              </a:ext>
+            </a:extLst>
+          </p:cNvPr>
+          <p:cNvSpPr/>
+          <p:nvPr/>
+        </p:nvSpPr>
+        <p:spPr>
+          <a:xfrm>
+            <a:off x="7398773" y="2371873"/>
+            <a:ext cx="1257507" cy="949948"/>
+          </a:xfrm>
+          <a:prstGeom prst="rect">
+            <a:avLst/>
+          </a:prstGeom>
+          <a:solidFill>
+            <a:schemeClr val="bg1"/>
+          </a:solidFill>
+          <a:ln w="6350">
+            <a:solidFill>
+              <a:srgbClr val="000000"/>
+            </a:solidFill>
+          </a:ln>
+          <a:effectLst>
+            <a:outerShdw blurRad="76200" sx="102000" sy="102000" algn="ctr" rotWithShape="0">
+              <a:prstClr val="black">
+                <a:alpha val="40000"/>
+              </a:prstClr>
+            </a:outerShdw>
+          </a:effectLst>
+        </p:spPr>
+        <p:style>
+          <a:lnRef idx="2">
+            <a:schemeClr val="accent1">
+              <a:shade val="50000"/>
+            </a:schemeClr>
+          </a:lnRef>
+          <a:fillRef idx="1">
+            <a:schemeClr val="accent1"/>
+          </a:fillRef>
+          <a:effectRef idx="0">
+            <a:schemeClr val="accent1"/>
+          </a:effectRef>
+          <a:fontRef idx="minor">
+            <a:schemeClr val="lt1"/>
+          </a:fontRef>
+        </p:style>
+        <p:txBody>
+          <a:bodyPr rtlCol="0" anchor="b"/>
+          <a:lstStyle/>
+          <a:p>
+            <a:pPr algn="ctr"/>
+            <a:r>
+              <a:rPr lang="en-JP" sz="1050" dirty="0">
+                <a:solidFill>
+                  <a:srgbClr val="000000"/>
+                </a:solidFill>
+              </a:rPr>
+              <a:t>離散事象システム</a:t>
+            </a:r>
+            <a:endParaRPr lang="en-JP" sz="1100" dirty="0">
+              <a:solidFill>
+                <a:srgbClr val="000000"/>
+              </a:solidFill>
+            </a:endParaRPr>
+          </a:p>
+        </p:txBody>
+      </p:sp>
+      <p:pic>
+        <p:nvPicPr>
+          <p:cNvPr id="152" name="Graphic 39" descr="Processor with solid fill">
+            <a:extLst>
+              <a:ext uri="{FF2B5EF4-FFF2-40B4-BE49-F238E27FC236}">
+                <a16:creationId xmlns:a16="http://schemas.microsoft.com/office/drawing/2014/main" id="{0ACDBAEE-4CAD-DE70-7F01-AEB390482B91}"/>
+              </a:ext>
+            </a:extLst>
+          </p:cNvPr>
+          <p:cNvPicPr>
+            <a:picLocks noChangeAspect="1"/>
+          </p:cNvPicPr>
+          <p:nvPr/>
+        </p:nvPicPr>
+        <p:blipFill>
+          <a:blip r:embed="rId12">
+            <a:extLst>
+              <a:ext uri="{96DAC541-7B7A-43D3-8B79-37D633B846F1}">
+                <asvg:svgBlip xmlns:asvg="http://schemas.microsoft.com/office/drawing/2016/SVG/main" r:embed="rId13"/>
+              </a:ext>
+            </a:extLst>
+          </a:blip>
+          <a:stretch>
+            <a:fillRect/>
+          </a:stretch>
+        </p:blipFill>
+        <p:spPr>
+          <a:xfrm>
+            <a:off x="7665728" y="2389746"/>
+            <a:ext cx="752507" cy="752507"/>
+          </a:xfrm>
+          <a:prstGeom prst="rect">
+            <a:avLst/>
+          </a:prstGeom>
+        </p:spPr>
+      </p:pic>
+      <p:sp>
+        <p:nvSpPr>
+          <p:cNvPr id="155" name="環状矢印 154">
+            <a:extLst>
+              <a:ext uri="{FF2B5EF4-FFF2-40B4-BE49-F238E27FC236}">
+                <a16:creationId xmlns:a16="http://schemas.microsoft.com/office/drawing/2014/main" id="{E9C5FC37-F963-25A5-9D50-C308039BBFE4}"/>
+              </a:ext>
+            </a:extLst>
+          </p:cNvPr>
+          <p:cNvSpPr/>
+          <p:nvPr/>
+        </p:nvSpPr>
+        <p:spPr>
+          <a:xfrm>
+            <a:off x="6483078" y="2004443"/>
+            <a:ext cx="1033484" cy="963322"/>
+          </a:xfrm>
+          <a:prstGeom prst="circularArrow">
+            <a:avLst/>
+          </a:prstGeom>
+          <a:solidFill>
+            <a:schemeClr val="bg1">
+              <a:lumMod val="95000"/>
+            </a:schemeClr>
+          </a:solidFill>
+          <a:ln w="12700">
+            <a:solidFill>
+              <a:schemeClr val="tx2">
+                <a:lumMod val="10000"/>
+              </a:schemeClr>
+            </a:solidFill>
+          </a:ln>
+        </p:spPr>
+        <p:style>
+          <a:lnRef idx="2">
+            <a:schemeClr val="accent1">
+              <a:shade val="15000"/>
+            </a:schemeClr>
+          </a:lnRef>
+          <a:fillRef idx="1">
+            <a:schemeClr val="accent1"/>
+          </a:fillRef>
+          <a:effectRef idx="0">
+            <a:schemeClr val="accent1"/>
+          </a:effectRef>
+          <a:fontRef idx="minor">
+            <a:schemeClr val="lt1"/>
+          </a:fontRef>
+        </p:style>
+        <p:txBody>
+          <a:bodyPr rtlCol="0" anchor="ctr"/>
+          <a:lstStyle/>
+          <a:p>
+            <a:pPr algn="ctr"/>
+            <a:endParaRPr kumimoji="1" lang="ja-JP" altLang="en-US">
+              <a:solidFill>
+                <a:schemeClr val="tx1"/>
+              </a:solidFill>
+            </a:endParaRPr>
+          </a:p>
+        </p:txBody>
+      </p:sp>
+      <p:sp>
+        <p:nvSpPr>
+          <p:cNvPr id="156" name="環状矢印 155">
+            <a:extLst>
+              <a:ext uri="{FF2B5EF4-FFF2-40B4-BE49-F238E27FC236}">
+                <a16:creationId xmlns:a16="http://schemas.microsoft.com/office/drawing/2014/main" id="{721269EE-A35D-98CB-B44C-6D303382E534}"/>
+              </a:ext>
+            </a:extLst>
+          </p:cNvPr>
+          <p:cNvSpPr/>
+          <p:nvPr/>
+        </p:nvSpPr>
+        <p:spPr>
+          <a:xfrm rot="10800000">
+            <a:off x="6491236" y="2714847"/>
+            <a:ext cx="1033484" cy="963322"/>
+          </a:xfrm>
+          <a:prstGeom prst="circularArrow">
+            <a:avLst/>
+          </a:prstGeom>
+          <a:solidFill>
+            <a:schemeClr val="bg1">
+              <a:lumMod val="95000"/>
+            </a:schemeClr>
+          </a:solidFill>
+          <a:ln w="12700">
+            <a:solidFill>
+              <a:schemeClr val="tx2">
+                <a:lumMod val="10000"/>
+              </a:schemeClr>
+            </a:solidFill>
+          </a:ln>
+        </p:spPr>
+        <p:style>
+          <a:lnRef idx="2">
+            <a:schemeClr val="accent1">
+              <a:shade val="15000"/>
+            </a:schemeClr>
+          </a:lnRef>
+          <a:fillRef idx="1">
+            <a:schemeClr val="accent1"/>
+          </a:fillRef>
+          <a:effectRef idx="0">
+            <a:schemeClr val="accent1"/>
+          </a:effectRef>
+          <a:fontRef idx="minor">
+            <a:schemeClr val="lt1"/>
+          </a:fontRef>
+        </p:style>
+        <p:txBody>
+          <a:bodyPr rtlCol="0" anchor="ctr"/>
+          <a:lstStyle/>
+          <a:p>
+            <a:pPr algn="ctr"/>
+            <a:endParaRPr kumimoji="1" lang="ja-JP" altLang="en-US">
+              <a:solidFill>
+                <a:schemeClr val="tx1"/>
+              </a:solidFill>
+            </a:endParaRPr>
+          </a:p>
+        </p:txBody>
+      </p:sp>
+      <p:sp>
+        <p:nvSpPr>
+          <p:cNvPr id="159" name="テキスト ボックス 158">
+            <a:extLst>
+              <a:ext uri="{FF2B5EF4-FFF2-40B4-BE49-F238E27FC236}">
+                <a16:creationId xmlns:a16="http://schemas.microsoft.com/office/drawing/2014/main" id="{5FAC8DE6-EEFF-B730-3F5A-0746669B2AE7}"/>
+              </a:ext>
+            </a:extLst>
+          </p:cNvPr>
+          <p:cNvSpPr txBox="1"/>
+          <p:nvPr/>
+        </p:nvSpPr>
+        <p:spPr>
+          <a:xfrm>
+            <a:off x="6838701" y="2224007"/>
+            <a:ext cx="338554" cy="1275349"/>
+          </a:xfrm>
+          <a:prstGeom prst="rect">
+            <a:avLst/>
+          </a:prstGeom>
+          <a:noFill/>
+        </p:spPr>
+        <p:txBody>
+          <a:bodyPr vert="eaVert" wrap="none" rtlCol="0">
+            <a:spAutoFit/>
+          </a:bodyPr>
+          <a:lstStyle/>
+          <a:p>
+            <a:r>
+              <a:rPr kumimoji="1" lang="ja-JP" altLang="en-US" sz="1000" b="1"/>
+              <a:t>スーパーバイザ制御</a:t>
+            </a:r>
+          </a:p>
+        </p:txBody>
+      </p:sp>
+    </p:spTree>
+    <p:extLst>
+      <p:ext uri="{BB962C8B-B14F-4D97-AF65-F5344CB8AC3E}">
+        <p14:creationId xmlns:p14="http://schemas.microsoft.com/office/powerpoint/2010/main" val="575478023"/>
+      </p:ext>
+    </p:extLst>
+  </p:cSld>
+  <p:clrMapOvr>
+    <a:masterClrMapping/>
+  </p:clrMapOvr>
+</p:sld>
+</file>
+
+<file path=ppt/slides/slide3.xml><?xml version="1.0" encoding="utf-8"?>
+<p:sld xmlns:a="http://schemas.openxmlformats.org/drawingml/2006/main" xmlns:r="http://schemas.openxmlformats.org/officeDocument/2006/relationships" xmlns:p="http://schemas.openxmlformats.org/presentationml/2006/main">
+  <p:cSld>
+    <p:spTree>
+      <p:nvGrpSpPr>
+        <p:cNvPr id="1" name="">
+          <a:extLst>
+            <a:ext uri="{FF2B5EF4-FFF2-40B4-BE49-F238E27FC236}">
+              <a16:creationId xmlns:a16="http://schemas.microsoft.com/office/drawing/2014/main" id="{0AF7DB38-8EB9-F35E-A0AE-F4669CE9BC2F}"/>
+            </a:ext>
+          </a:extLst>
+        </p:cNvPr>
+        <p:cNvGrpSpPr/>
+        <p:nvPr/>
+      </p:nvGrpSpPr>
+      <p:grpSpPr>
+        <a:xfrm>
+          <a:off x="0" y="0"/>
+          <a:ext cx="0" cy="0"/>
+          <a:chOff x="0" y="0"/>
+          <a:chExt cx="0" cy="0"/>
+        </a:xfrm>
+      </p:grpSpPr>
+      <p:sp>
+        <p:nvSpPr>
+          <p:cNvPr id="59" name="角丸四角形 58">
+            <a:extLst>
+              <a:ext uri="{FF2B5EF4-FFF2-40B4-BE49-F238E27FC236}">
+                <a16:creationId xmlns:a16="http://schemas.microsoft.com/office/drawing/2014/main" id="{167B006D-3CB8-4656-A52B-047CAB8A2445}"/>
+              </a:ext>
+            </a:extLst>
+          </p:cNvPr>
+          <p:cNvSpPr/>
+          <p:nvPr/>
+        </p:nvSpPr>
+        <p:spPr>
+          <a:xfrm>
+            <a:off x="255105" y="3849334"/>
+            <a:ext cx="4702631" cy="2834206"/>
+          </a:xfrm>
+          <a:prstGeom prst="roundRect">
+            <a:avLst>
+              <a:gd name="adj" fmla="val 10412"/>
+            </a:avLst>
+          </a:prstGeom>
+          <a:solidFill>
+            <a:schemeClr val="accent6">
+              <a:lumMod val="20000"/>
+              <a:lumOff val="80000"/>
+            </a:schemeClr>
+          </a:solidFill>
+          <a:ln w="12700">
+            <a:solidFill>
+              <a:srgbClr val="F20153"/>
+            </a:solidFill>
+          </a:ln>
+        </p:spPr>
+        <p:style>
+          <a:lnRef idx="2">
+            <a:schemeClr val="accent1">
+              <a:shade val="15000"/>
+            </a:schemeClr>
+          </a:lnRef>
+          <a:fillRef idx="1">
+            <a:schemeClr val="accent1"/>
+          </a:fillRef>
+          <a:effectRef idx="0">
+            <a:schemeClr val="accent1"/>
+          </a:effectRef>
+          <a:fontRef idx="minor">
+            <a:schemeClr val="lt1"/>
+          </a:fontRef>
+        </p:style>
+        <p:txBody>
+          <a:bodyPr rtlCol="0" anchor="t"/>
+          <a:lstStyle/>
+          <a:p>
+            <a:pPr algn="ctr"/>
+            <a:r>
+              <a:rPr kumimoji="1" lang="ja-JP" altLang="en-US" sz="1600" b="1">
+                <a:solidFill>
+                  <a:srgbClr val="F20153"/>
+                </a:solidFill>
+              </a:rPr>
+              <a:t>提案手法</a:t>
+            </a:r>
+          </a:p>
+        </p:txBody>
+      </p:sp>
+      <p:grpSp>
+        <p:nvGrpSpPr>
+          <p:cNvPr id="4" name="Group 3">
+            <a:extLst>
+              <a:ext uri="{FF2B5EF4-FFF2-40B4-BE49-F238E27FC236}">
+                <a16:creationId xmlns:a16="http://schemas.microsoft.com/office/drawing/2014/main" id="{05777850-C070-B4E6-EAF3-94B81115EFD4}"/>
+              </a:ext>
+            </a:extLst>
+          </p:cNvPr>
+          <p:cNvGrpSpPr/>
+          <p:nvPr/>
+        </p:nvGrpSpPr>
+        <p:grpSpPr>
+          <a:xfrm>
+            <a:off x="8077447" y="-91837"/>
+            <a:ext cx="1106894" cy="1157419"/>
+            <a:chOff x="8077447" y="-91837"/>
+            <a:chExt cx="1106894" cy="1157419"/>
+          </a:xfrm>
+        </p:grpSpPr>
+        <p:sp>
+          <p:nvSpPr>
+            <p:cNvPr id="5" name="Right Triangle 4">
+              <a:extLst>
+                <a:ext uri="{FF2B5EF4-FFF2-40B4-BE49-F238E27FC236}">
+                  <a16:creationId xmlns:a16="http://schemas.microsoft.com/office/drawing/2014/main" id="{642F37BE-CA29-D3A7-15BC-0BAA5D1E956C}"/>
+                </a:ext>
+              </a:extLst>
+            </p:cNvPr>
+            <p:cNvSpPr/>
+            <p:nvPr/>
+          </p:nvSpPr>
+          <p:spPr>
+            <a:xfrm>
+              <a:off x="8077447" y="-14418"/>
+              <a:ext cx="1080000" cy="1080000"/>
+            </a:xfrm>
+            <a:prstGeom prst="rtTriangle">
+              <a:avLst/>
+            </a:prstGeom>
+            <a:solidFill>
+              <a:srgbClr val="97ABBC"/>
+            </a:solidFill>
+            <a:ln>
+              <a:noFill/>
+            </a:ln>
+            <a:effectLst>
+              <a:innerShdw blurRad="63500" dist="50800" dir="8100000">
+                <a:prstClr val="black">
+                  <a:alpha val="50000"/>
+                </a:prstClr>
+              </a:innerShdw>
+            </a:effectLst>
+            <a:scene3d>
+              <a:camera prst="orthographicFront">
+                <a:rot lat="0" lon="21599994" rev="10799999"/>
+              </a:camera>
+              <a:lightRig rig="threePt" dir="t"/>
+            </a:scene3d>
+          </p:spPr>
+          <p:style>
+            <a:lnRef idx="2">
+              <a:schemeClr val="accent1">
+                <a:shade val="50000"/>
+              </a:schemeClr>
+            </a:lnRef>
+            <a:fillRef idx="1">
+              <a:schemeClr val="accent1"/>
+            </a:fillRef>
+            <a:effectRef idx="0">
+              <a:schemeClr val="accent1"/>
+            </a:effectRef>
+            <a:fontRef idx="minor">
+              <a:schemeClr val="lt1"/>
+            </a:fontRef>
+          </p:style>
+          <p:txBody>
+            <a:bodyPr rtlCol="0" anchor="ctr"/>
+            <a:lstStyle/>
+            <a:p>
+              <a:pPr algn="ctr"/>
+              <a:endParaRPr lang="en-US" dirty="0">
+                <a:solidFill>
+                  <a:srgbClr val="97ABBC"/>
+                </a:solidFill>
+              </a:endParaRPr>
+            </a:p>
+          </p:txBody>
+        </p:sp>
+        <p:sp>
+          <p:nvSpPr>
+            <p:cNvPr id="6" name="Slide Number Placeholder 3">
+              <a:extLst>
+                <a:ext uri="{FF2B5EF4-FFF2-40B4-BE49-F238E27FC236}">
+                  <a16:creationId xmlns:a16="http://schemas.microsoft.com/office/drawing/2014/main" id="{66530BAF-A6E0-E768-57EA-C202D174C405}"/>
+                </a:ext>
+              </a:extLst>
+            </p:cNvPr>
+            <p:cNvSpPr txBox="1">
+              <a:spLocks/>
+            </p:cNvSpPr>
+            <p:nvPr/>
+          </p:nvSpPr>
+          <p:spPr>
+            <a:xfrm>
+              <a:off x="8402846" y="-91837"/>
+              <a:ext cx="781495" cy="683507"/>
+            </a:xfrm>
+            <a:prstGeom prst="rect">
+              <a:avLst/>
+            </a:prstGeom>
+            <a:noFill/>
+            <a:ln>
+              <a:noFill/>
+            </a:ln>
+          </p:spPr>
+          <p:txBody>
+            <a:bodyPr spcFirstLastPara="1" wrap="square" lIns="91425" tIns="91425" rIns="91425" bIns="91425" anchor="t" anchorCtr="0">
+              <a:noAutofit/>
+            </a:bodyPr>
+            <a:lstStyle>
+              <a:defPPr marR="0" lvl="0" algn="l" rtl="0">
+                <a:lnSpc>
+                  <a:spcPct val="100000"/>
+                </a:lnSpc>
+                <a:spcBef>
+                  <a:spcPts val="0"/>
+                </a:spcBef>
+                <a:spcAft>
+                  <a:spcPts val="0"/>
+                </a:spcAft>
+              </a:defPPr>
+              <a:lvl1pPr marR="0" lvl="0" algn="r" rtl="0">
+                <a:lnSpc>
+                  <a:spcPct val="100000"/>
+                </a:lnSpc>
+                <a:spcBef>
+                  <a:spcPts val="0"/>
+                </a:spcBef>
+                <a:spcAft>
+                  <a:spcPts val="0"/>
+                </a:spcAft>
+                <a:buClr>
+                  <a:srgbClr val="000000"/>
+                </a:buClr>
+                <a:buFont typeface="Arial"/>
+                <a:buNone/>
+                <a:defRPr sz="1300" b="0" i="0" u="none" strike="noStrike" cap="none">
+                  <a:solidFill>
+                    <a:srgbClr val="97ABBC"/>
+                  </a:solidFill>
+                  <a:latin typeface="Lato"/>
+                  <a:ea typeface="Lato"/>
+                  <a:cs typeface="Lato"/>
+                  <a:sym typeface="Lato"/>
+                </a:defRPr>
+              </a:lvl1pPr>
+              <a:lvl2pPr marR="0" lvl="1" algn="r" rtl="0">
+                <a:lnSpc>
+                  <a:spcPct val="100000"/>
+                </a:lnSpc>
+                <a:spcBef>
+                  <a:spcPts val="0"/>
+                </a:spcBef>
+                <a:spcAft>
+                  <a:spcPts val="0"/>
+                </a:spcAft>
+                <a:buClr>
+                  <a:srgbClr val="000000"/>
+                </a:buClr>
+                <a:buFont typeface="Arial"/>
+                <a:buNone/>
+                <a:defRPr sz="1300" b="0" i="0" u="none" strike="noStrike" cap="none">
+                  <a:solidFill>
+                    <a:srgbClr val="97ABBC"/>
+                  </a:solidFill>
+                  <a:latin typeface="Lato"/>
+                  <a:ea typeface="Lato"/>
+                  <a:cs typeface="Lato"/>
+                  <a:sym typeface="Lato"/>
+                </a:defRPr>
+              </a:lvl2pPr>
+              <a:lvl3pPr marR="0" lvl="2" algn="r" rtl="0">
+                <a:lnSpc>
+                  <a:spcPct val="100000"/>
+                </a:lnSpc>
+                <a:spcBef>
+                  <a:spcPts val="0"/>
+                </a:spcBef>
+                <a:spcAft>
+                  <a:spcPts val="0"/>
+                </a:spcAft>
+                <a:buClr>
+                  <a:srgbClr val="000000"/>
+                </a:buClr>
+                <a:buFont typeface="Arial"/>
+                <a:buNone/>
+                <a:defRPr sz="1300" b="0" i="0" u="none" strike="noStrike" cap="none">
+                  <a:solidFill>
+                    <a:srgbClr val="97ABBC"/>
+                  </a:solidFill>
+                  <a:latin typeface="Lato"/>
+                  <a:ea typeface="Lato"/>
+                  <a:cs typeface="Lato"/>
+                  <a:sym typeface="Lato"/>
+                </a:defRPr>
+              </a:lvl3pPr>
+              <a:lvl4pPr marR="0" lvl="3" algn="r" rtl="0">
+                <a:lnSpc>
+                  <a:spcPct val="100000"/>
+                </a:lnSpc>
+                <a:spcBef>
+                  <a:spcPts val="0"/>
+                </a:spcBef>
+                <a:spcAft>
+                  <a:spcPts val="0"/>
+                </a:spcAft>
+                <a:buClr>
+                  <a:srgbClr val="000000"/>
+                </a:buClr>
+                <a:buFont typeface="Arial"/>
+                <a:buNone/>
+                <a:defRPr sz="1300" b="0" i="0" u="none" strike="noStrike" cap="none">
+                  <a:solidFill>
+                    <a:srgbClr val="97ABBC"/>
+                  </a:solidFill>
+                  <a:latin typeface="Lato"/>
+                  <a:ea typeface="Lato"/>
+                  <a:cs typeface="Lato"/>
+                  <a:sym typeface="Lato"/>
+                </a:defRPr>
+              </a:lvl4pPr>
+              <a:lvl5pPr marR="0" lvl="4" algn="r" rtl="0">
+                <a:lnSpc>
+                  <a:spcPct val="100000"/>
+                </a:lnSpc>
+                <a:spcBef>
+                  <a:spcPts val="0"/>
+                </a:spcBef>
+                <a:spcAft>
+                  <a:spcPts val="0"/>
+                </a:spcAft>
+                <a:buClr>
+                  <a:srgbClr val="000000"/>
+                </a:buClr>
+                <a:buFont typeface="Arial"/>
+                <a:buNone/>
+                <a:defRPr sz="1300" b="0" i="0" u="none" strike="noStrike" cap="none">
+                  <a:solidFill>
+                    <a:srgbClr val="97ABBC"/>
+                  </a:solidFill>
+                  <a:latin typeface="Lato"/>
+                  <a:ea typeface="Lato"/>
+                  <a:cs typeface="Lato"/>
+                  <a:sym typeface="Lato"/>
+                </a:defRPr>
+              </a:lvl5pPr>
+              <a:lvl6pPr marR="0" lvl="5" algn="r" rtl="0">
+                <a:lnSpc>
+                  <a:spcPct val="100000"/>
+                </a:lnSpc>
+                <a:spcBef>
+                  <a:spcPts val="0"/>
+                </a:spcBef>
+                <a:spcAft>
+                  <a:spcPts val="0"/>
+                </a:spcAft>
+                <a:buClr>
+                  <a:srgbClr val="000000"/>
+                </a:buClr>
+                <a:buFont typeface="Arial"/>
+                <a:buNone/>
+                <a:defRPr sz="1300" b="0" i="0" u="none" strike="noStrike" cap="none">
+                  <a:solidFill>
+                    <a:srgbClr val="97ABBC"/>
+                  </a:solidFill>
+                  <a:latin typeface="Lato"/>
+                  <a:ea typeface="Lato"/>
+                  <a:cs typeface="Lato"/>
+                  <a:sym typeface="Lato"/>
+                </a:defRPr>
+              </a:lvl6pPr>
+              <a:lvl7pPr marR="0" lvl="6" algn="r" rtl="0">
+                <a:lnSpc>
+                  <a:spcPct val="100000"/>
+                </a:lnSpc>
+                <a:spcBef>
+                  <a:spcPts val="0"/>
+                </a:spcBef>
+                <a:spcAft>
+                  <a:spcPts val="0"/>
+                </a:spcAft>
+                <a:buClr>
+                  <a:srgbClr val="000000"/>
+                </a:buClr>
+                <a:buFont typeface="Arial"/>
+                <a:buNone/>
+                <a:defRPr sz="1300" b="0" i="0" u="none" strike="noStrike" cap="none">
+                  <a:solidFill>
+                    <a:srgbClr val="97ABBC"/>
+                  </a:solidFill>
+                  <a:latin typeface="Lato"/>
+                  <a:ea typeface="Lato"/>
+                  <a:cs typeface="Lato"/>
+                  <a:sym typeface="Lato"/>
+                </a:defRPr>
+              </a:lvl7pPr>
+              <a:lvl8pPr marR="0" lvl="7" algn="r" rtl="0">
+                <a:lnSpc>
+                  <a:spcPct val="100000"/>
+                </a:lnSpc>
+                <a:spcBef>
+                  <a:spcPts val="0"/>
+                </a:spcBef>
+                <a:spcAft>
+                  <a:spcPts val="0"/>
+                </a:spcAft>
+                <a:buClr>
+                  <a:srgbClr val="000000"/>
+                </a:buClr>
+                <a:buFont typeface="Arial"/>
+                <a:buNone/>
+                <a:defRPr sz="1300" b="0" i="0" u="none" strike="noStrike" cap="none">
+                  <a:solidFill>
+                    <a:srgbClr val="97ABBC"/>
+                  </a:solidFill>
+                  <a:latin typeface="Lato"/>
+                  <a:ea typeface="Lato"/>
+                  <a:cs typeface="Lato"/>
+                  <a:sym typeface="Lato"/>
+                </a:defRPr>
+              </a:lvl8pPr>
+              <a:lvl9pPr marR="0" lvl="8" algn="r" rtl="0">
+                <a:lnSpc>
+                  <a:spcPct val="100000"/>
+                </a:lnSpc>
+                <a:spcBef>
+                  <a:spcPts val="0"/>
+                </a:spcBef>
+                <a:spcAft>
+                  <a:spcPts val="0"/>
+                </a:spcAft>
+                <a:buClr>
+                  <a:srgbClr val="000000"/>
+                </a:buClr>
+                <a:buFont typeface="Arial"/>
+                <a:buNone/>
+                <a:defRPr sz="1300" b="0" i="0" u="none" strike="noStrike" cap="none">
+                  <a:solidFill>
+                    <a:srgbClr val="97ABBC"/>
+                  </a:solidFill>
+                  <a:latin typeface="Lato"/>
+                  <a:ea typeface="Lato"/>
+                  <a:cs typeface="Lato"/>
+                  <a:sym typeface="Lato"/>
+                </a:defRPr>
+              </a:lvl9pPr>
+            </a:lstStyle>
+            <a:p>
+              <a:pPr algn="ctr"/>
+              <a:fld id="{00000000-1234-1234-1234-123412341234}" type="slidenum">
+                <a:rPr lang="en" sz="3600" smtClean="0">
+                  <a:solidFill>
+                    <a:schemeClr val="bg1"/>
+                  </a:solidFill>
+                </a:rPr>
+                <a:pPr algn="ctr"/>
+                <a:t>3</a:t>
+              </a:fld>
+              <a:endParaRPr lang="en" sz="3600" dirty="0">
+                <a:solidFill>
+                  <a:schemeClr val="bg1"/>
+                </a:solidFill>
+              </a:endParaRPr>
+            </a:p>
+          </p:txBody>
+        </p:sp>
+      </p:grpSp>
+      <p:sp>
+        <p:nvSpPr>
+          <p:cNvPr id="19" name="Rectangle 6">
+            <a:extLst>
+              <a:ext uri="{FF2B5EF4-FFF2-40B4-BE49-F238E27FC236}">
+                <a16:creationId xmlns:a16="http://schemas.microsoft.com/office/drawing/2014/main" id="{A5DC3306-DB85-A42A-768F-23593ACD70B5}"/>
+              </a:ext>
+            </a:extLst>
+          </p:cNvPr>
+          <p:cNvSpPr/>
+          <p:nvPr/>
+        </p:nvSpPr>
+        <p:spPr>
+          <a:xfrm>
+            <a:off x="559739" y="5903631"/>
+            <a:ext cx="1337246" cy="652745"/>
+          </a:xfrm>
+          <a:prstGeom prst="rect">
+            <a:avLst/>
+          </a:prstGeom>
+          <a:solidFill>
+            <a:schemeClr val="bg1"/>
+          </a:solidFill>
+          <a:ln w="6350">
+            <a:solidFill>
+              <a:srgbClr val="000000"/>
+            </a:solidFill>
+          </a:ln>
+          <a:effectLst>
+            <a:outerShdw blurRad="63500" sx="102000" sy="102000" algn="ctr" rotWithShape="0">
+              <a:prstClr val="black">
+                <a:alpha val="40000"/>
+              </a:prstClr>
+            </a:outerShdw>
+          </a:effectLst>
+        </p:spPr>
+        <p:style>
+          <a:lnRef idx="2">
+            <a:schemeClr val="accent1">
+              <a:shade val="50000"/>
+            </a:schemeClr>
+          </a:lnRef>
+          <a:fillRef idx="1">
+            <a:schemeClr val="accent1"/>
+          </a:fillRef>
+          <a:effectRef idx="0">
+            <a:schemeClr val="accent1"/>
+          </a:effectRef>
+          <a:fontRef idx="minor">
+            <a:schemeClr val="lt1"/>
+          </a:fontRef>
+        </p:style>
+        <p:txBody>
+          <a:bodyPr rtlCol="0" anchor="b"/>
+          <a:lstStyle/>
+          <a:p>
+            <a:pPr algn="ctr"/>
+            <a:r>
+              <a:rPr lang="en-JP" sz="1000" dirty="0">
+                <a:solidFill>
+                  <a:srgbClr val="000000"/>
+                </a:solidFill>
+              </a:rPr>
+              <a:t>監視モデル (LTS)</a:t>
+            </a:r>
+          </a:p>
+        </p:txBody>
+      </p:sp>
+      <p:sp>
+        <p:nvSpPr>
+          <p:cNvPr id="21" name="Rectangle 39">
+            <a:extLst>
+              <a:ext uri="{FF2B5EF4-FFF2-40B4-BE49-F238E27FC236}">
+                <a16:creationId xmlns:a16="http://schemas.microsoft.com/office/drawing/2014/main" id="{1D697601-AE01-86C4-C531-24ED2AA52D41}"/>
+              </a:ext>
+            </a:extLst>
+          </p:cNvPr>
+          <p:cNvSpPr/>
+          <p:nvPr/>
+        </p:nvSpPr>
+        <p:spPr>
+          <a:xfrm>
+            <a:off x="559739" y="4084131"/>
+            <a:ext cx="1337246" cy="1551330"/>
+          </a:xfrm>
+          <a:prstGeom prst="rect">
+            <a:avLst/>
+          </a:prstGeom>
+          <a:solidFill>
+            <a:schemeClr val="bg1"/>
+          </a:solidFill>
+          <a:ln w="6350">
+            <a:solidFill>
+              <a:srgbClr val="000000"/>
+            </a:solidFill>
+          </a:ln>
+          <a:effectLst>
+            <a:outerShdw blurRad="63500" sx="102000" sy="102000" algn="ctr" rotWithShape="0">
+              <a:prstClr val="black">
+                <a:alpha val="40000"/>
+              </a:prstClr>
+            </a:outerShdw>
+          </a:effectLst>
+        </p:spPr>
+        <p:style>
+          <a:lnRef idx="2">
+            <a:schemeClr val="accent1">
+              <a:shade val="50000"/>
+            </a:schemeClr>
+          </a:lnRef>
+          <a:fillRef idx="1">
+            <a:schemeClr val="accent1"/>
+          </a:fillRef>
+          <a:effectRef idx="0">
+            <a:schemeClr val="accent1"/>
+          </a:effectRef>
+          <a:fontRef idx="minor">
+            <a:schemeClr val="lt1"/>
+          </a:fontRef>
+        </p:style>
+        <p:txBody>
+          <a:bodyPr rtlCol="0" anchor="b"/>
+          <a:lstStyle/>
+          <a:p>
+            <a:pPr algn="ctr"/>
+            <a:r>
+              <a:rPr lang="en-JP" sz="1000" dirty="0">
+                <a:solidFill>
+                  <a:srgbClr val="000000"/>
+                </a:solidFill>
+              </a:rPr>
+              <a:t>環境モデル (LTS)</a:t>
+            </a:r>
+          </a:p>
+        </p:txBody>
+      </p:sp>
+      <p:sp>
+        <p:nvSpPr>
+          <p:cNvPr id="23" name="Rectangle 11">
+            <a:extLst>
+              <a:ext uri="{FF2B5EF4-FFF2-40B4-BE49-F238E27FC236}">
+                <a16:creationId xmlns:a16="http://schemas.microsoft.com/office/drawing/2014/main" id="{D3E3D5CC-6287-C2D6-998B-6B12683D1D24}"/>
+              </a:ext>
+            </a:extLst>
+          </p:cNvPr>
+          <p:cNvSpPr/>
+          <p:nvPr/>
+        </p:nvSpPr>
+        <p:spPr>
+          <a:xfrm>
+            <a:off x="3411939" y="5247775"/>
+            <a:ext cx="1401345" cy="882092"/>
+          </a:xfrm>
+          <a:prstGeom prst="rect">
+            <a:avLst/>
+          </a:prstGeom>
+          <a:solidFill>
+            <a:schemeClr val="bg1"/>
+          </a:solidFill>
+          <a:ln w="6350">
+            <a:solidFill>
+              <a:srgbClr val="000000"/>
+            </a:solidFill>
+          </a:ln>
+          <a:effectLst>
+            <a:outerShdw blurRad="63500" sx="102000" sy="102000" algn="ctr" rotWithShape="0">
+              <a:prstClr val="black">
+                <a:alpha val="40000"/>
+              </a:prstClr>
+            </a:outerShdw>
+          </a:effectLst>
+        </p:spPr>
+        <p:style>
+          <a:lnRef idx="2">
+            <a:schemeClr val="accent1">
+              <a:shade val="50000"/>
+            </a:schemeClr>
+          </a:lnRef>
+          <a:fillRef idx="1">
+            <a:schemeClr val="accent1"/>
+          </a:fillRef>
+          <a:effectRef idx="0">
+            <a:schemeClr val="accent1"/>
+          </a:effectRef>
+          <a:fontRef idx="minor">
+            <a:schemeClr val="lt1"/>
+          </a:fontRef>
+        </p:style>
+        <p:txBody>
+          <a:bodyPr rtlCol="0" anchor="b"/>
+          <a:lstStyle/>
+          <a:p>
+            <a:pPr algn="ctr"/>
+            <a:r>
+              <a:rPr lang="en-US" sz="1050" dirty="0">
+                <a:solidFill>
+                  <a:srgbClr val="000000"/>
+                </a:solidFill>
+              </a:rPr>
+              <a:t>効率の良い</a:t>
+            </a:r>
+            <a:r>
+              <a:rPr lang="en-JP" sz="1050" dirty="0">
+                <a:solidFill>
+                  <a:srgbClr val="000000"/>
+                </a:solidFill>
+              </a:rPr>
+              <a:t>制御器</a:t>
+            </a:r>
+          </a:p>
+        </p:txBody>
+      </p:sp>
+      <p:sp>
+        <p:nvSpPr>
+          <p:cNvPr id="27" name="Chevron 9">
+            <a:extLst>
+              <a:ext uri="{FF2B5EF4-FFF2-40B4-BE49-F238E27FC236}">
+                <a16:creationId xmlns:a16="http://schemas.microsoft.com/office/drawing/2014/main" id="{5E77E075-BEA0-EBC8-D784-3DE55628D881}"/>
+              </a:ext>
+            </a:extLst>
+          </p:cNvPr>
+          <p:cNvSpPr/>
+          <p:nvPr/>
+        </p:nvSpPr>
+        <p:spPr>
+          <a:xfrm>
+            <a:off x="2172117" y="5485976"/>
+            <a:ext cx="1074811" cy="405689"/>
+          </a:xfrm>
+          <a:prstGeom prst="chevron">
+            <a:avLst>
+              <a:gd name="adj" fmla="val 15078"/>
+            </a:avLst>
+          </a:prstGeom>
+          <a:solidFill>
+            <a:schemeClr val="tx1"/>
+          </a:solidFill>
+          <a:ln w="19050">
+            <a:solidFill>
+              <a:srgbClr val="000000"/>
+            </a:solidFill>
+          </a:ln>
+        </p:spPr>
+        <p:style>
+          <a:lnRef idx="2">
+            <a:schemeClr val="accent1">
+              <a:shade val="50000"/>
+            </a:schemeClr>
+          </a:lnRef>
+          <a:fillRef idx="1">
+            <a:schemeClr val="accent1"/>
+          </a:fillRef>
+          <a:effectRef idx="0">
+            <a:schemeClr val="accent1"/>
+          </a:effectRef>
+          <a:fontRef idx="minor">
+            <a:schemeClr val="lt1"/>
+          </a:fontRef>
+        </p:style>
+        <p:txBody>
+          <a:bodyPr wrap="none" rtlCol="0" anchor="ctr"/>
+          <a:lstStyle/>
+          <a:p>
+            <a:pPr algn="ctr"/>
+            <a:r>
+              <a:rPr lang="en-US" altLang="ja-JP" sz="1000" dirty="0">
+                <a:solidFill>
+                  <a:schemeClr val="bg1"/>
+                </a:solidFill>
+              </a:rPr>
+              <a:t>On-the-fly</a:t>
+            </a:r>
+            <a:r>
+              <a:rPr lang="ja-JP" altLang="en-US" sz="1000" dirty="0">
+                <a:solidFill>
+                  <a:schemeClr val="bg1"/>
+                </a:solidFill>
+              </a:rPr>
+              <a:t>探索</a:t>
+            </a:r>
+            <a:endParaRPr lang="en-JP" sz="1000" dirty="0">
+              <a:solidFill>
+                <a:schemeClr val="bg1"/>
+              </a:solidFill>
+            </a:endParaRPr>
+          </a:p>
+        </p:txBody>
+      </p:sp>
+      <p:cxnSp>
+        <p:nvCxnSpPr>
+          <p:cNvPr id="32" name="Elbow Connector 16">
+            <a:extLst>
+              <a:ext uri="{FF2B5EF4-FFF2-40B4-BE49-F238E27FC236}">
+                <a16:creationId xmlns:a16="http://schemas.microsoft.com/office/drawing/2014/main" id="{AF6C6BC9-6FA7-714F-6566-C4E55A8AC553}"/>
+              </a:ext>
+            </a:extLst>
+          </p:cNvPr>
+          <p:cNvCxnSpPr>
+            <a:cxnSpLocks/>
+            <a:stCxn id="21" idx="3"/>
+            <a:endCxn id="27" idx="1"/>
+          </p:cNvCxnSpPr>
+          <p:nvPr/>
+        </p:nvCxnSpPr>
+        <p:spPr>
+          <a:xfrm>
+            <a:off x="1896985" y="4859796"/>
+            <a:ext cx="336302" cy="829025"/>
+          </a:xfrm>
+          <a:prstGeom prst="bentConnector3">
+            <a:avLst>
+              <a:gd name="adj1" fmla="val 50000"/>
+            </a:avLst>
+          </a:prstGeom>
+          <a:ln w="6350">
+            <a:solidFill>
+              <a:srgbClr val="000000"/>
+            </a:solidFill>
+            <a:tailEnd type="triangle"/>
+          </a:ln>
+        </p:spPr>
+        <p:style>
+          <a:lnRef idx="1">
+            <a:schemeClr val="accent1"/>
+          </a:lnRef>
+          <a:fillRef idx="0">
+            <a:schemeClr val="accent1"/>
+          </a:fillRef>
+          <a:effectRef idx="0">
+            <a:schemeClr val="accent1"/>
+          </a:effectRef>
+          <a:fontRef idx="minor">
+            <a:schemeClr val="tx1"/>
+          </a:fontRef>
+        </p:style>
+      </p:cxnSp>
+      <p:cxnSp>
+        <p:nvCxnSpPr>
+          <p:cNvPr id="33" name="Elbow Connector 17">
+            <a:extLst>
+              <a:ext uri="{FF2B5EF4-FFF2-40B4-BE49-F238E27FC236}">
+                <a16:creationId xmlns:a16="http://schemas.microsoft.com/office/drawing/2014/main" id="{82CCE75F-BEE6-F127-8984-AF819317120A}"/>
+              </a:ext>
+            </a:extLst>
+          </p:cNvPr>
+          <p:cNvCxnSpPr>
+            <a:cxnSpLocks/>
+            <a:stCxn id="19" idx="3"/>
+            <a:endCxn id="27" idx="1"/>
+          </p:cNvCxnSpPr>
+          <p:nvPr/>
+        </p:nvCxnSpPr>
+        <p:spPr>
+          <a:xfrm flipV="1">
+            <a:off x="1896985" y="5688821"/>
+            <a:ext cx="336302" cy="541183"/>
+          </a:xfrm>
+          <a:prstGeom prst="bentConnector3">
+            <a:avLst>
+              <a:gd name="adj1" fmla="val 50000"/>
+            </a:avLst>
+          </a:prstGeom>
+          <a:ln w="6350">
+            <a:solidFill>
+              <a:srgbClr val="000000"/>
+            </a:solidFill>
+            <a:tailEnd type="triangle"/>
+          </a:ln>
+        </p:spPr>
+        <p:style>
+          <a:lnRef idx="1">
+            <a:schemeClr val="accent1"/>
+          </a:lnRef>
+          <a:fillRef idx="0">
+            <a:schemeClr val="accent1"/>
+          </a:fillRef>
+          <a:effectRef idx="0">
+            <a:schemeClr val="accent1"/>
+          </a:effectRef>
+          <a:fontRef idx="minor">
+            <a:schemeClr val="tx1"/>
+          </a:fontRef>
+        </p:style>
+      </p:cxnSp>
+      <p:pic>
+        <p:nvPicPr>
+          <p:cNvPr id="36" name="図 35">
+            <a:extLst>
+              <a:ext uri="{FF2B5EF4-FFF2-40B4-BE49-F238E27FC236}">
+                <a16:creationId xmlns:a16="http://schemas.microsoft.com/office/drawing/2014/main" id="{7FAEC746-9E2D-5FCD-822D-54E6D95F97DD}"/>
+              </a:ext>
+            </a:extLst>
+          </p:cNvPr>
+          <p:cNvPicPr>
+            <a:picLocks noChangeAspect="1"/>
+          </p:cNvPicPr>
+          <p:nvPr/>
+        </p:nvPicPr>
+        <p:blipFill>
+          <a:blip r:embed="rId3"/>
+          <a:stretch>
+            <a:fillRect/>
+          </a:stretch>
+        </p:blipFill>
+        <p:spPr>
+          <a:xfrm>
+            <a:off x="604086" y="4155914"/>
+            <a:ext cx="1251438" cy="1226359"/>
+          </a:xfrm>
+          <a:prstGeom prst="rect">
+            <a:avLst/>
+          </a:prstGeom>
+        </p:spPr>
+      </p:pic>
+      <p:pic>
+        <p:nvPicPr>
+          <p:cNvPr id="38" name="図 37">
+            <a:extLst>
+              <a:ext uri="{FF2B5EF4-FFF2-40B4-BE49-F238E27FC236}">
+                <a16:creationId xmlns:a16="http://schemas.microsoft.com/office/drawing/2014/main" id="{FB0EA86A-C68D-E635-B8E9-DC03DFD4B405}"/>
+              </a:ext>
+            </a:extLst>
+          </p:cNvPr>
+          <p:cNvPicPr>
+            <a:picLocks noChangeAspect="1"/>
+          </p:cNvPicPr>
+          <p:nvPr/>
+        </p:nvPicPr>
+        <p:blipFill>
+          <a:blip r:embed="rId4"/>
+          <a:stretch>
+            <a:fillRect/>
+          </a:stretch>
+        </p:blipFill>
+        <p:spPr>
+          <a:xfrm>
+            <a:off x="898629" y="6019245"/>
+            <a:ext cx="578200" cy="253995"/>
+          </a:xfrm>
+          <a:prstGeom prst="rect">
+            <a:avLst/>
+          </a:prstGeom>
+        </p:spPr>
+      </p:pic>
+      <p:pic>
+        <p:nvPicPr>
+          <p:cNvPr id="58" name="図 57">
+            <a:extLst>
+              <a:ext uri="{FF2B5EF4-FFF2-40B4-BE49-F238E27FC236}">
+                <a16:creationId xmlns:a16="http://schemas.microsoft.com/office/drawing/2014/main" id="{C9085614-3AA5-CDC4-8585-D8B2B9E72A43}"/>
+              </a:ext>
+            </a:extLst>
+          </p:cNvPr>
+          <p:cNvPicPr>
+            <a:picLocks noChangeAspect="1"/>
+          </p:cNvPicPr>
+          <p:nvPr/>
+        </p:nvPicPr>
+        <p:blipFill>
+          <a:blip r:embed="rId5"/>
+          <a:stretch>
+            <a:fillRect/>
+          </a:stretch>
+        </p:blipFill>
+        <p:spPr>
+          <a:xfrm>
+            <a:off x="3445484" y="5342732"/>
+            <a:ext cx="1334253" cy="501309"/>
+          </a:xfrm>
+          <a:prstGeom prst="rect">
+            <a:avLst/>
+          </a:prstGeom>
+        </p:spPr>
+      </p:pic>
+      <p:cxnSp>
+        <p:nvCxnSpPr>
+          <p:cNvPr id="65" name="Straight Arrow Connector 12">
+            <a:extLst>
+              <a:ext uri="{FF2B5EF4-FFF2-40B4-BE49-F238E27FC236}">
+                <a16:creationId xmlns:a16="http://schemas.microsoft.com/office/drawing/2014/main" id="{A7F3A8E2-6F05-E4AF-9C0A-F9FC47BFD04A}"/>
+              </a:ext>
+            </a:extLst>
+          </p:cNvPr>
+          <p:cNvCxnSpPr>
+            <a:cxnSpLocks/>
+            <a:stCxn id="27" idx="3"/>
+            <a:endCxn id="23" idx="1"/>
+          </p:cNvCxnSpPr>
+          <p:nvPr/>
+        </p:nvCxnSpPr>
+        <p:spPr>
+          <a:xfrm>
+            <a:off x="3246928" y="5688821"/>
+            <a:ext cx="165011" cy="0"/>
+          </a:xfrm>
+          <a:prstGeom prst="straightConnector1">
+            <a:avLst/>
+          </a:prstGeom>
+          <a:ln w="6350">
+            <a:solidFill>
+              <a:srgbClr val="000000"/>
+            </a:solidFill>
+            <a:tailEnd type="triangle"/>
+          </a:ln>
+        </p:spPr>
+        <p:style>
+          <a:lnRef idx="1">
+            <a:schemeClr val="accent1"/>
+          </a:lnRef>
+          <a:fillRef idx="0">
+            <a:schemeClr val="accent1"/>
+          </a:fillRef>
+          <a:effectRef idx="0">
+            <a:schemeClr val="accent1"/>
+          </a:effectRef>
+          <a:fontRef idx="minor">
+            <a:schemeClr val="tx1"/>
+          </a:fontRef>
+        </p:style>
+      </p:cxnSp>
+      <p:sp>
+        <p:nvSpPr>
+          <p:cNvPr id="60" name="角丸四角形 59">
+            <a:extLst>
+              <a:ext uri="{FF2B5EF4-FFF2-40B4-BE49-F238E27FC236}">
+                <a16:creationId xmlns:a16="http://schemas.microsoft.com/office/drawing/2014/main" id="{2324C53A-4843-46A0-D466-B28AB4D7FDBD}"/>
+              </a:ext>
+            </a:extLst>
+          </p:cNvPr>
+          <p:cNvSpPr/>
+          <p:nvPr/>
+        </p:nvSpPr>
+        <p:spPr>
+          <a:xfrm>
+            <a:off x="255105" y="828816"/>
+            <a:ext cx="7872536" cy="2834206"/>
+          </a:xfrm>
+          <a:prstGeom prst="roundRect">
+            <a:avLst>
+              <a:gd name="adj" fmla="val 10412"/>
+            </a:avLst>
+          </a:prstGeom>
+          <a:solidFill>
+            <a:schemeClr val="bg1">
+              <a:lumMod val="95000"/>
+            </a:schemeClr>
+          </a:solidFill>
+          <a:ln w="12700">
+            <a:solidFill>
+              <a:schemeClr val="tx2">
+                <a:lumMod val="25000"/>
+              </a:schemeClr>
+            </a:solidFill>
+          </a:ln>
+        </p:spPr>
+        <p:style>
+          <a:lnRef idx="2">
+            <a:schemeClr val="accent1">
+              <a:shade val="15000"/>
+            </a:schemeClr>
+          </a:lnRef>
+          <a:fillRef idx="1">
+            <a:schemeClr val="accent1"/>
+          </a:fillRef>
+          <a:effectRef idx="0">
+            <a:schemeClr val="accent1"/>
+          </a:effectRef>
+          <a:fontRef idx="minor">
+            <a:schemeClr val="lt1"/>
+          </a:fontRef>
+        </p:style>
+        <p:txBody>
+          <a:bodyPr rtlCol="0" anchor="t"/>
+          <a:lstStyle/>
+          <a:p>
+            <a:pPr algn="ctr"/>
+            <a:r>
+              <a:rPr kumimoji="1" lang="ja-JP" altLang="en-US" sz="1600" b="1">
+                <a:solidFill>
+                  <a:schemeClr val="tx2">
+                    <a:lumMod val="25000"/>
+                  </a:schemeClr>
+                </a:solidFill>
+              </a:rPr>
+              <a:t>従来手法</a:t>
+            </a:r>
+          </a:p>
+        </p:txBody>
+      </p:sp>
+      <p:sp>
+        <p:nvSpPr>
+          <p:cNvPr id="87" name="Rectangle 6">
+            <a:extLst>
+              <a:ext uri="{FF2B5EF4-FFF2-40B4-BE49-F238E27FC236}">
+                <a16:creationId xmlns:a16="http://schemas.microsoft.com/office/drawing/2014/main" id="{E873DEE4-E232-70B6-DF79-866148110BA1}"/>
+              </a:ext>
+            </a:extLst>
+          </p:cNvPr>
+          <p:cNvSpPr/>
+          <p:nvPr/>
+        </p:nvSpPr>
+        <p:spPr>
+          <a:xfrm>
+            <a:off x="451229" y="2829393"/>
+            <a:ext cx="1337246" cy="652745"/>
+          </a:xfrm>
+          <a:prstGeom prst="rect">
+            <a:avLst/>
+          </a:prstGeom>
+          <a:solidFill>
+            <a:schemeClr val="bg1"/>
+          </a:solidFill>
+          <a:ln w="6350">
+            <a:solidFill>
+              <a:srgbClr val="000000"/>
+            </a:solidFill>
+          </a:ln>
+          <a:effectLst>
+            <a:outerShdw blurRad="63500" sx="102000" sy="102000" algn="ctr" rotWithShape="0">
+              <a:prstClr val="black">
+                <a:alpha val="40000"/>
+              </a:prstClr>
+            </a:outerShdw>
+          </a:effectLst>
+        </p:spPr>
+        <p:style>
+          <a:lnRef idx="2">
+            <a:schemeClr val="accent1">
+              <a:shade val="50000"/>
+            </a:schemeClr>
+          </a:lnRef>
+          <a:fillRef idx="1">
+            <a:schemeClr val="accent1"/>
+          </a:fillRef>
+          <a:effectRef idx="0">
+            <a:schemeClr val="accent1"/>
+          </a:effectRef>
+          <a:fontRef idx="minor">
+            <a:schemeClr val="lt1"/>
+          </a:fontRef>
+        </p:style>
+        <p:txBody>
+          <a:bodyPr rtlCol="0" anchor="b"/>
+          <a:lstStyle/>
+          <a:p>
+            <a:pPr algn="ctr"/>
+            <a:r>
+              <a:rPr lang="en-JP" sz="1000" dirty="0">
+                <a:solidFill>
+                  <a:srgbClr val="000000"/>
+                </a:solidFill>
+              </a:rPr>
+              <a:t>監視モデル (LTS)</a:t>
+            </a:r>
+          </a:p>
+        </p:txBody>
+      </p:sp>
+      <p:sp>
+        <p:nvSpPr>
+          <p:cNvPr id="88" name="Rectangle 11">
+            <a:extLst>
+              <a:ext uri="{FF2B5EF4-FFF2-40B4-BE49-F238E27FC236}">
+                <a16:creationId xmlns:a16="http://schemas.microsoft.com/office/drawing/2014/main" id="{83D9CDB0-7718-E5DF-4400-ECB90D170A1B}"/>
+              </a:ext>
+            </a:extLst>
+          </p:cNvPr>
+          <p:cNvSpPr/>
+          <p:nvPr/>
+        </p:nvSpPr>
+        <p:spPr>
+          <a:xfrm>
+            <a:off x="4535589" y="2185501"/>
+            <a:ext cx="1401345" cy="882092"/>
+          </a:xfrm>
+          <a:prstGeom prst="rect">
+            <a:avLst/>
+          </a:prstGeom>
+          <a:solidFill>
+            <a:schemeClr val="bg1"/>
+          </a:solidFill>
+          <a:ln w="6350">
+            <a:solidFill>
+              <a:srgbClr val="000000"/>
+            </a:solidFill>
+          </a:ln>
+          <a:effectLst>
+            <a:outerShdw blurRad="63500" sx="102000" sy="102000" algn="ctr" rotWithShape="0">
+              <a:prstClr val="black">
+                <a:alpha val="40000"/>
+              </a:prstClr>
+            </a:outerShdw>
+          </a:effectLst>
+        </p:spPr>
+        <p:style>
+          <a:lnRef idx="2">
+            <a:schemeClr val="accent1">
+              <a:shade val="50000"/>
+            </a:schemeClr>
+          </a:lnRef>
+          <a:fillRef idx="1">
+            <a:schemeClr val="accent1"/>
+          </a:fillRef>
+          <a:effectRef idx="0">
+            <a:schemeClr val="accent1"/>
+          </a:effectRef>
+          <a:fontRef idx="minor">
+            <a:schemeClr val="lt1"/>
+          </a:fontRef>
+        </p:style>
+        <p:txBody>
+          <a:bodyPr rtlCol="0" anchor="b"/>
+          <a:lstStyle/>
+          <a:p>
+            <a:pPr algn="ctr"/>
+            <a:r>
+              <a:rPr lang="en-JP" sz="1050" dirty="0">
+                <a:solidFill>
+                  <a:srgbClr val="000000"/>
+                </a:solidFill>
+              </a:rPr>
+              <a:t>制御器</a:t>
+            </a:r>
+          </a:p>
+        </p:txBody>
+      </p:sp>
+      <p:sp>
+        <p:nvSpPr>
+          <p:cNvPr id="89" name="Rectangle 39">
+            <a:extLst>
+              <a:ext uri="{FF2B5EF4-FFF2-40B4-BE49-F238E27FC236}">
+                <a16:creationId xmlns:a16="http://schemas.microsoft.com/office/drawing/2014/main" id="{C0D9AC1D-CC11-2741-6257-DBF20D1D5CEB}"/>
+              </a:ext>
+            </a:extLst>
+          </p:cNvPr>
+          <p:cNvSpPr/>
+          <p:nvPr/>
+        </p:nvSpPr>
+        <p:spPr>
+          <a:xfrm>
+            <a:off x="451229" y="1009893"/>
+            <a:ext cx="1337246" cy="1551330"/>
+          </a:xfrm>
+          <a:prstGeom prst="rect">
+            <a:avLst/>
+          </a:prstGeom>
+          <a:solidFill>
+            <a:schemeClr val="bg1"/>
+          </a:solidFill>
+          <a:ln w="6350">
+            <a:solidFill>
+              <a:srgbClr val="000000"/>
+            </a:solidFill>
+          </a:ln>
+          <a:effectLst>
+            <a:outerShdw blurRad="63500" sx="102000" sy="102000" algn="ctr" rotWithShape="0">
+              <a:prstClr val="black">
+                <a:alpha val="40000"/>
+              </a:prstClr>
+            </a:outerShdw>
+          </a:effectLst>
+        </p:spPr>
+        <p:style>
+          <a:lnRef idx="2">
+            <a:schemeClr val="accent1">
+              <a:shade val="50000"/>
+            </a:schemeClr>
+          </a:lnRef>
+          <a:fillRef idx="1">
+            <a:schemeClr val="accent1"/>
+          </a:fillRef>
+          <a:effectRef idx="0">
+            <a:schemeClr val="accent1"/>
+          </a:effectRef>
+          <a:fontRef idx="minor">
+            <a:schemeClr val="lt1"/>
+          </a:fontRef>
+        </p:style>
+        <p:txBody>
+          <a:bodyPr rtlCol="0" anchor="b"/>
+          <a:lstStyle/>
+          <a:p>
+            <a:pPr algn="ctr"/>
+            <a:r>
+              <a:rPr lang="en-JP" sz="1000" dirty="0">
+                <a:solidFill>
+                  <a:srgbClr val="000000"/>
+                </a:solidFill>
+              </a:rPr>
+              <a:t>環境モデル (LTS)</a:t>
+            </a:r>
+          </a:p>
+        </p:txBody>
+      </p:sp>
+      <p:sp>
+        <p:nvSpPr>
+          <p:cNvPr id="90" name="Rectangle 39">
+            <a:extLst>
+              <a:ext uri="{FF2B5EF4-FFF2-40B4-BE49-F238E27FC236}">
+                <a16:creationId xmlns:a16="http://schemas.microsoft.com/office/drawing/2014/main" id="{EF7E4207-9DF5-F940-223F-C4B4FA13C1FA}"/>
+              </a:ext>
+            </a:extLst>
+          </p:cNvPr>
+          <p:cNvSpPr/>
+          <p:nvPr/>
+        </p:nvSpPr>
+        <p:spPr>
+          <a:xfrm>
+            <a:off x="2492330" y="2121419"/>
+            <a:ext cx="1401345" cy="1010257"/>
+          </a:xfrm>
+          <a:prstGeom prst="rect">
+            <a:avLst/>
+          </a:prstGeom>
+          <a:solidFill>
+            <a:schemeClr val="bg1"/>
+          </a:solidFill>
+          <a:ln w="6350">
+            <a:solidFill>
+              <a:srgbClr val="000000"/>
+            </a:solidFill>
+          </a:ln>
+          <a:effectLst>
+            <a:outerShdw blurRad="63500" sx="102000" sy="102000" algn="ctr" rotWithShape="0">
+              <a:prstClr val="black">
+                <a:alpha val="40000"/>
+              </a:prstClr>
+            </a:outerShdw>
+          </a:effectLst>
+        </p:spPr>
+        <p:style>
+          <a:lnRef idx="2">
+            <a:schemeClr val="accent1">
+              <a:shade val="50000"/>
+            </a:schemeClr>
+          </a:lnRef>
+          <a:fillRef idx="1">
+            <a:schemeClr val="accent1"/>
+          </a:fillRef>
+          <a:effectRef idx="0">
+            <a:schemeClr val="accent1"/>
+          </a:effectRef>
+          <a:fontRef idx="minor">
+            <a:schemeClr val="lt1"/>
+          </a:fontRef>
+        </p:style>
+        <p:txBody>
+          <a:bodyPr rtlCol="0" anchor="b"/>
+          <a:lstStyle/>
+          <a:p>
+            <a:pPr algn="ctr"/>
+            <a:r>
+              <a:rPr lang="ja-JP" altLang="en-US" sz="1000" dirty="0">
+                <a:solidFill>
+                  <a:srgbClr val="000000"/>
+                </a:solidFill>
+              </a:rPr>
+              <a:t>ゲーム空間</a:t>
+            </a:r>
+            <a:endParaRPr lang="en-JP" sz="1000" dirty="0">
+              <a:solidFill>
+                <a:srgbClr val="000000"/>
+              </a:solidFill>
+            </a:endParaRPr>
+          </a:p>
+        </p:txBody>
+      </p:sp>
+      <p:sp>
+        <p:nvSpPr>
+          <p:cNvPr id="91" name="Rectangle 11">
+            <a:extLst>
+              <a:ext uri="{FF2B5EF4-FFF2-40B4-BE49-F238E27FC236}">
+                <a16:creationId xmlns:a16="http://schemas.microsoft.com/office/drawing/2014/main" id="{1FC99A82-D255-D03A-CBE6-AAC5DCD575D3}"/>
+              </a:ext>
+            </a:extLst>
+          </p:cNvPr>
+          <p:cNvSpPr/>
+          <p:nvPr/>
+        </p:nvSpPr>
+        <p:spPr>
+          <a:xfrm>
+            <a:off x="6606199" y="2177337"/>
+            <a:ext cx="1401345" cy="882092"/>
+          </a:xfrm>
+          <a:prstGeom prst="rect">
+            <a:avLst/>
+          </a:prstGeom>
+          <a:solidFill>
+            <a:schemeClr val="bg1"/>
+          </a:solidFill>
+          <a:ln w="6350">
+            <a:solidFill>
+              <a:srgbClr val="000000"/>
+            </a:solidFill>
+          </a:ln>
+          <a:effectLst>
+            <a:outerShdw blurRad="63500" sx="102000" sy="102000" algn="ctr" rotWithShape="0">
+              <a:prstClr val="black">
+                <a:alpha val="40000"/>
+              </a:prstClr>
+            </a:outerShdw>
+          </a:effectLst>
+        </p:spPr>
+        <p:style>
+          <a:lnRef idx="2">
+            <a:schemeClr val="accent1">
+              <a:shade val="50000"/>
+            </a:schemeClr>
+          </a:lnRef>
+          <a:fillRef idx="1">
+            <a:schemeClr val="accent1"/>
+          </a:fillRef>
+          <a:effectRef idx="0">
+            <a:schemeClr val="accent1"/>
+          </a:effectRef>
+          <a:fontRef idx="minor">
+            <a:schemeClr val="lt1"/>
+          </a:fontRef>
+        </p:style>
+        <p:txBody>
+          <a:bodyPr rtlCol="0" anchor="b"/>
+          <a:lstStyle/>
+          <a:p>
+            <a:pPr algn="ctr"/>
+            <a:r>
+              <a:rPr lang="en-US" sz="1050" dirty="0">
+                <a:solidFill>
+                  <a:srgbClr val="000000"/>
+                </a:solidFill>
+              </a:rPr>
+              <a:t>効率の良い</a:t>
+            </a:r>
+            <a:r>
+              <a:rPr lang="en-JP" sz="1050" dirty="0">
+                <a:solidFill>
+                  <a:srgbClr val="000000"/>
+                </a:solidFill>
+              </a:rPr>
+              <a:t>制御器</a:t>
+            </a:r>
+          </a:p>
+        </p:txBody>
+      </p:sp>
+      <p:sp>
+        <p:nvSpPr>
+          <p:cNvPr id="92" name="Chevron 9">
+            <a:extLst>
+              <a:ext uri="{FF2B5EF4-FFF2-40B4-BE49-F238E27FC236}">
+                <a16:creationId xmlns:a16="http://schemas.microsoft.com/office/drawing/2014/main" id="{C5D014FD-B321-4C7C-FFB9-4A457E21F41B}"/>
+              </a:ext>
+            </a:extLst>
+          </p:cNvPr>
+          <p:cNvSpPr/>
+          <p:nvPr/>
+        </p:nvSpPr>
+        <p:spPr>
+          <a:xfrm>
+            <a:off x="1920804" y="2423704"/>
+            <a:ext cx="467968" cy="405689"/>
+          </a:xfrm>
+          <a:prstGeom prst="chevron">
+            <a:avLst>
+              <a:gd name="adj" fmla="val 15078"/>
+            </a:avLst>
+          </a:prstGeom>
+          <a:solidFill>
+            <a:schemeClr val="tx1"/>
+          </a:solidFill>
+          <a:ln w="19050">
+            <a:solidFill>
+              <a:srgbClr val="000000"/>
+            </a:solidFill>
+          </a:ln>
+        </p:spPr>
+        <p:style>
+          <a:lnRef idx="2">
+            <a:schemeClr val="accent1">
+              <a:shade val="50000"/>
+            </a:schemeClr>
+          </a:lnRef>
+          <a:fillRef idx="1">
+            <a:schemeClr val="accent1"/>
+          </a:fillRef>
+          <a:effectRef idx="0">
+            <a:schemeClr val="accent1"/>
+          </a:effectRef>
+          <a:fontRef idx="minor">
+            <a:schemeClr val="lt1"/>
+          </a:fontRef>
+        </p:style>
+        <p:txBody>
+          <a:bodyPr wrap="none" rtlCol="0" anchor="ctr"/>
+          <a:lstStyle/>
+          <a:p>
+            <a:pPr algn="ctr"/>
+            <a:r>
+              <a:rPr lang="ja-JP" altLang="en-US" sz="1000" dirty="0">
+                <a:solidFill>
+                  <a:schemeClr val="bg1"/>
+                </a:solidFill>
+              </a:rPr>
+              <a:t>並列</a:t>
+            </a:r>
+            <a:br>
+              <a:rPr lang="en-US" altLang="ja-JP" sz="1000" dirty="0">
+                <a:solidFill>
+                  <a:schemeClr val="bg1"/>
+                </a:solidFill>
+              </a:rPr>
+            </a:br>
+            <a:r>
+              <a:rPr lang="ja-JP" altLang="en-US" sz="1000" dirty="0">
+                <a:solidFill>
+                  <a:schemeClr val="bg1"/>
+                </a:solidFill>
+              </a:rPr>
+              <a:t>合成</a:t>
+            </a:r>
+            <a:endParaRPr lang="en-JP" sz="1000" dirty="0">
+              <a:solidFill>
+                <a:schemeClr val="bg1"/>
+              </a:solidFill>
+            </a:endParaRPr>
+          </a:p>
+        </p:txBody>
+      </p:sp>
+      <p:cxnSp>
+        <p:nvCxnSpPr>
+          <p:cNvPr id="93" name="Elbow Connector 16">
+            <a:extLst>
+              <a:ext uri="{FF2B5EF4-FFF2-40B4-BE49-F238E27FC236}">
+                <a16:creationId xmlns:a16="http://schemas.microsoft.com/office/drawing/2014/main" id="{4F9CCB3A-1997-048B-6D67-9CDE39677BA9}"/>
+              </a:ext>
+            </a:extLst>
+          </p:cNvPr>
+          <p:cNvCxnSpPr>
+            <a:cxnSpLocks/>
+            <a:stCxn id="89" idx="3"/>
+            <a:endCxn id="92" idx="1"/>
+          </p:cNvCxnSpPr>
+          <p:nvPr/>
+        </p:nvCxnSpPr>
+        <p:spPr>
+          <a:xfrm>
+            <a:off x="1788475" y="1785558"/>
+            <a:ext cx="193499" cy="840991"/>
+          </a:xfrm>
+          <a:prstGeom prst="bentConnector3">
+            <a:avLst>
+              <a:gd name="adj1" fmla="val 50000"/>
+            </a:avLst>
+          </a:prstGeom>
+          <a:ln w="6350">
+            <a:solidFill>
+              <a:srgbClr val="000000"/>
+            </a:solidFill>
+            <a:tailEnd type="triangle"/>
+          </a:ln>
+        </p:spPr>
+        <p:style>
+          <a:lnRef idx="1">
+            <a:schemeClr val="accent1"/>
+          </a:lnRef>
+          <a:fillRef idx="0">
+            <a:schemeClr val="accent1"/>
+          </a:fillRef>
+          <a:effectRef idx="0">
+            <a:schemeClr val="accent1"/>
+          </a:effectRef>
+          <a:fontRef idx="minor">
+            <a:schemeClr val="tx1"/>
+          </a:fontRef>
+        </p:style>
+      </p:cxnSp>
+      <p:cxnSp>
+        <p:nvCxnSpPr>
+          <p:cNvPr id="94" name="Elbow Connector 17">
+            <a:extLst>
+              <a:ext uri="{FF2B5EF4-FFF2-40B4-BE49-F238E27FC236}">
+                <a16:creationId xmlns:a16="http://schemas.microsoft.com/office/drawing/2014/main" id="{E92EDAE9-DE59-DD46-A2E9-569458A08CDA}"/>
+              </a:ext>
+            </a:extLst>
+          </p:cNvPr>
+          <p:cNvCxnSpPr>
+            <a:cxnSpLocks/>
+            <a:stCxn id="87" idx="3"/>
+            <a:endCxn id="92" idx="1"/>
+          </p:cNvCxnSpPr>
+          <p:nvPr/>
+        </p:nvCxnSpPr>
+        <p:spPr>
+          <a:xfrm flipV="1">
+            <a:off x="1788475" y="2626549"/>
+            <a:ext cx="193499" cy="529217"/>
+          </a:xfrm>
+          <a:prstGeom prst="bentConnector3">
+            <a:avLst>
+              <a:gd name="adj1" fmla="val 50000"/>
+            </a:avLst>
+          </a:prstGeom>
+          <a:ln w="6350">
+            <a:solidFill>
+              <a:srgbClr val="000000"/>
+            </a:solidFill>
+            <a:tailEnd type="triangle"/>
+          </a:ln>
+        </p:spPr>
+        <p:style>
+          <a:lnRef idx="1">
+            <a:schemeClr val="accent1"/>
+          </a:lnRef>
+          <a:fillRef idx="0">
+            <a:schemeClr val="accent1"/>
+          </a:fillRef>
+          <a:effectRef idx="0">
+            <a:schemeClr val="accent1"/>
+          </a:effectRef>
+          <a:fontRef idx="minor">
+            <a:schemeClr val="tx1"/>
+          </a:fontRef>
+        </p:style>
+      </p:cxnSp>
+      <p:pic>
+        <p:nvPicPr>
+          <p:cNvPr id="102" name="図 101">
+            <a:extLst>
+              <a:ext uri="{FF2B5EF4-FFF2-40B4-BE49-F238E27FC236}">
+                <a16:creationId xmlns:a16="http://schemas.microsoft.com/office/drawing/2014/main" id="{BE553C8A-2FF2-9483-FE37-80317FC0819C}"/>
+              </a:ext>
+            </a:extLst>
+          </p:cNvPr>
+          <p:cNvPicPr>
+            <a:picLocks noChangeAspect="1"/>
+          </p:cNvPicPr>
+          <p:nvPr/>
+        </p:nvPicPr>
+        <p:blipFill>
+          <a:blip r:embed="rId3"/>
+          <a:stretch>
+            <a:fillRect/>
+          </a:stretch>
+        </p:blipFill>
+        <p:spPr>
+          <a:xfrm>
+            <a:off x="495576" y="1081676"/>
+            <a:ext cx="1251438" cy="1226359"/>
+          </a:xfrm>
+          <a:prstGeom prst="rect">
+            <a:avLst/>
+          </a:prstGeom>
+        </p:spPr>
+      </p:pic>
+      <p:pic>
+        <p:nvPicPr>
+          <p:cNvPr id="103" name="図 102">
+            <a:extLst>
+              <a:ext uri="{FF2B5EF4-FFF2-40B4-BE49-F238E27FC236}">
+                <a16:creationId xmlns:a16="http://schemas.microsoft.com/office/drawing/2014/main" id="{61CC2D9C-A8C0-193D-D702-01780E8DF3ED}"/>
+              </a:ext>
+            </a:extLst>
+          </p:cNvPr>
+          <p:cNvPicPr>
+            <a:picLocks noChangeAspect="1"/>
+          </p:cNvPicPr>
+          <p:nvPr/>
+        </p:nvPicPr>
+        <p:blipFill>
+          <a:blip r:embed="rId4"/>
+          <a:stretch>
+            <a:fillRect/>
+          </a:stretch>
+        </p:blipFill>
+        <p:spPr>
+          <a:xfrm>
+            <a:off x="790119" y="2945007"/>
+            <a:ext cx="578200" cy="253995"/>
+          </a:xfrm>
+          <a:prstGeom prst="rect">
+            <a:avLst/>
+          </a:prstGeom>
+        </p:spPr>
+      </p:pic>
+      <p:pic>
+        <p:nvPicPr>
+          <p:cNvPr id="104" name="図 103">
+            <a:extLst>
+              <a:ext uri="{FF2B5EF4-FFF2-40B4-BE49-F238E27FC236}">
+                <a16:creationId xmlns:a16="http://schemas.microsoft.com/office/drawing/2014/main" id="{5716FA32-AB72-AC1E-9E78-C9853F4CBF27}"/>
+              </a:ext>
+            </a:extLst>
+          </p:cNvPr>
+          <p:cNvPicPr>
+            <a:picLocks noChangeAspect="1"/>
+          </p:cNvPicPr>
+          <p:nvPr/>
+        </p:nvPicPr>
+        <p:blipFill>
+          <a:blip r:embed="rId6"/>
+          <a:stretch>
+            <a:fillRect/>
+          </a:stretch>
+        </p:blipFill>
+        <p:spPr>
+          <a:xfrm>
+            <a:off x="2512741" y="2154227"/>
+            <a:ext cx="1372878" cy="762710"/>
+          </a:xfrm>
+          <a:prstGeom prst="rect">
+            <a:avLst/>
+          </a:prstGeom>
+        </p:spPr>
+      </p:pic>
+      <p:cxnSp>
+        <p:nvCxnSpPr>
+          <p:cNvPr id="105" name="Straight Arrow Connector 12">
+            <a:extLst>
+              <a:ext uri="{FF2B5EF4-FFF2-40B4-BE49-F238E27FC236}">
+                <a16:creationId xmlns:a16="http://schemas.microsoft.com/office/drawing/2014/main" id="{24F35E4F-03D2-6E56-E39F-8A5B1B5C43A7}"/>
+              </a:ext>
+            </a:extLst>
+          </p:cNvPr>
+          <p:cNvCxnSpPr>
+            <a:cxnSpLocks/>
+            <a:stCxn id="92" idx="3"/>
+            <a:endCxn id="90" idx="1"/>
+          </p:cNvCxnSpPr>
+          <p:nvPr/>
+        </p:nvCxnSpPr>
+        <p:spPr>
+          <a:xfrm flipV="1">
+            <a:off x="2388772" y="2626548"/>
+            <a:ext cx="103558" cy="1"/>
+          </a:xfrm>
+          <a:prstGeom prst="straightConnector1">
+            <a:avLst/>
+          </a:prstGeom>
+          <a:ln w="6350">
+            <a:solidFill>
+              <a:srgbClr val="000000"/>
+            </a:solidFill>
+            <a:tailEnd type="triangle"/>
+          </a:ln>
+        </p:spPr>
+        <p:style>
+          <a:lnRef idx="1">
+            <a:schemeClr val="accent1"/>
+          </a:lnRef>
+          <a:fillRef idx="0">
+            <a:schemeClr val="accent1"/>
+          </a:fillRef>
+          <a:effectRef idx="0">
+            <a:schemeClr val="accent1"/>
+          </a:effectRef>
+          <a:fontRef idx="minor">
+            <a:schemeClr val="tx1"/>
+          </a:fontRef>
+        </p:style>
+      </p:cxnSp>
+      <p:sp>
+        <p:nvSpPr>
+          <p:cNvPr id="106" name="Chevron 9">
+            <a:extLst>
+              <a:ext uri="{FF2B5EF4-FFF2-40B4-BE49-F238E27FC236}">
+                <a16:creationId xmlns:a16="http://schemas.microsoft.com/office/drawing/2014/main" id="{D5FFCDE8-4D8A-7A79-F690-A79A3B9F9DE1}"/>
+              </a:ext>
+            </a:extLst>
+          </p:cNvPr>
+          <p:cNvSpPr/>
+          <p:nvPr/>
+        </p:nvSpPr>
+        <p:spPr>
+          <a:xfrm>
+            <a:off x="3946434" y="2423704"/>
+            <a:ext cx="467968" cy="405689"/>
+          </a:xfrm>
+          <a:prstGeom prst="chevron">
+            <a:avLst>
+              <a:gd name="adj" fmla="val 15078"/>
+            </a:avLst>
+          </a:prstGeom>
+          <a:solidFill>
+            <a:schemeClr val="tx1"/>
+          </a:solidFill>
+          <a:ln w="19050">
+            <a:solidFill>
+              <a:srgbClr val="000000"/>
+            </a:solidFill>
+          </a:ln>
+        </p:spPr>
+        <p:style>
+          <a:lnRef idx="2">
+            <a:schemeClr val="accent1">
+              <a:shade val="50000"/>
+            </a:schemeClr>
+          </a:lnRef>
+          <a:fillRef idx="1">
+            <a:schemeClr val="accent1"/>
+          </a:fillRef>
+          <a:effectRef idx="0">
+            <a:schemeClr val="accent1"/>
+          </a:effectRef>
+          <a:fontRef idx="minor">
+            <a:schemeClr val="lt1"/>
+          </a:fontRef>
+        </p:style>
+        <p:txBody>
+          <a:bodyPr wrap="none" rtlCol="0" anchor="ctr"/>
+          <a:lstStyle/>
+          <a:p>
+            <a:pPr algn="ctr"/>
+            <a:r>
+              <a:rPr lang="ja-JP" altLang="en-US" sz="700" dirty="0">
+                <a:solidFill>
+                  <a:schemeClr val="bg1"/>
+                </a:solidFill>
+              </a:rPr>
+              <a:t>動作仕様</a:t>
+            </a:r>
+            <a:endParaRPr lang="en-US" altLang="ja-JP" sz="700" dirty="0">
+              <a:solidFill>
+                <a:schemeClr val="bg1"/>
+              </a:solidFill>
+            </a:endParaRPr>
+          </a:p>
+          <a:p>
+            <a:pPr algn="ctr"/>
+            <a:r>
+              <a:rPr lang="ja-JP" altLang="en-US" sz="1000" dirty="0">
+                <a:solidFill>
+                  <a:schemeClr val="bg1"/>
+                </a:solidFill>
+              </a:rPr>
+              <a:t>分析</a:t>
+            </a:r>
+            <a:endParaRPr lang="en-JP" sz="1000" dirty="0">
+              <a:solidFill>
+                <a:schemeClr val="bg1"/>
+              </a:solidFill>
+            </a:endParaRPr>
+          </a:p>
+        </p:txBody>
+      </p:sp>
+      <p:cxnSp>
+        <p:nvCxnSpPr>
+          <p:cNvPr id="107" name="Straight Arrow Connector 12">
+            <a:extLst>
+              <a:ext uri="{FF2B5EF4-FFF2-40B4-BE49-F238E27FC236}">
+                <a16:creationId xmlns:a16="http://schemas.microsoft.com/office/drawing/2014/main" id="{BF9C0D4B-4625-4C60-34D8-CFD1F35B4DF6}"/>
+              </a:ext>
+            </a:extLst>
+          </p:cNvPr>
+          <p:cNvCxnSpPr>
+            <a:cxnSpLocks/>
+            <a:stCxn id="90" idx="3"/>
+            <a:endCxn id="106" idx="1"/>
+          </p:cNvCxnSpPr>
+          <p:nvPr/>
+        </p:nvCxnSpPr>
+        <p:spPr>
+          <a:xfrm>
+            <a:off x="3893675" y="2626548"/>
+            <a:ext cx="113929" cy="1"/>
+          </a:xfrm>
+          <a:prstGeom prst="straightConnector1">
+            <a:avLst/>
+          </a:prstGeom>
+          <a:ln w="6350">
+            <a:solidFill>
+              <a:srgbClr val="000000"/>
+            </a:solidFill>
+            <a:tailEnd type="triangle"/>
+          </a:ln>
+        </p:spPr>
+        <p:style>
+          <a:lnRef idx="1">
+            <a:schemeClr val="accent1"/>
+          </a:lnRef>
+          <a:fillRef idx="0">
+            <a:schemeClr val="accent1"/>
+          </a:fillRef>
+          <a:effectRef idx="0">
+            <a:schemeClr val="accent1"/>
+          </a:effectRef>
+          <a:fontRef idx="minor">
+            <a:schemeClr val="tx1"/>
+          </a:fontRef>
+        </p:style>
+      </p:cxnSp>
+      <p:cxnSp>
+        <p:nvCxnSpPr>
+          <p:cNvPr id="108" name="Straight Arrow Connector 12">
+            <a:extLst>
+              <a:ext uri="{FF2B5EF4-FFF2-40B4-BE49-F238E27FC236}">
+                <a16:creationId xmlns:a16="http://schemas.microsoft.com/office/drawing/2014/main" id="{25BF2285-C445-3CA2-97EC-256CB483F163}"/>
+              </a:ext>
+            </a:extLst>
+          </p:cNvPr>
+          <p:cNvCxnSpPr>
+            <a:cxnSpLocks/>
+            <a:stCxn id="106" idx="3"/>
+            <a:endCxn id="88" idx="1"/>
+          </p:cNvCxnSpPr>
+          <p:nvPr/>
+        </p:nvCxnSpPr>
+        <p:spPr>
+          <a:xfrm flipV="1">
+            <a:off x="4414402" y="2626547"/>
+            <a:ext cx="121187" cy="2"/>
+          </a:xfrm>
+          <a:prstGeom prst="straightConnector1">
+            <a:avLst/>
+          </a:prstGeom>
+          <a:ln w="6350">
+            <a:solidFill>
+              <a:srgbClr val="000000"/>
+            </a:solidFill>
+            <a:tailEnd type="triangle"/>
+          </a:ln>
+        </p:spPr>
+        <p:style>
+          <a:lnRef idx="1">
+            <a:schemeClr val="accent1"/>
+          </a:lnRef>
+          <a:fillRef idx="0">
+            <a:schemeClr val="accent1"/>
+          </a:fillRef>
+          <a:effectRef idx="0">
+            <a:schemeClr val="accent1"/>
+          </a:effectRef>
+          <a:fontRef idx="minor">
+            <a:schemeClr val="tx1"/>
+          </a:fontRef>
+        </p:style>
+      </p:cxnSp>
+      <p:pic>
+        <p:nvPicPr>
+          <p:cNvPr id="109" name="図 108">
+            <a:extLst>
+              <a:ext uri="{FF2B5EF4-FFF2-40B4-BE49-F238E27FC236}">
+                <a16:creationId xmlns:a16="http://schemas.microsoft.com/office/drawing/2014/main" id="{B79767E2-1B76-9957-E311-3E7117CC6DC6}"/>
+              </a:ext>
+            </a:extLst>
+          </p:cNvPr>
+          <p:cNvPicPr>
+            <a:picLocks noChangeAspect="1"/>
+          </p:cNvPicPr>
+          <p:nvPr/>
+        </p:nvPicPr>
+        <p:blipFill>
+          <a:blip r:embed="rId7"/>
+          <a:stretch>
+            <a:fillRect/>
+          </a:stretch>
+        </p:blipFill>
+        <p:spPr>
+          <a:xfrm>
+            <a:off x="4562940" y="2291113"/>
+            <a:ext cx="1347688" cy="511192"/>
+          </a:xfrm>
+          <a:prstGeom prst="rect">
+            <a:avLst/>
+          </a:prstGeom>
+        </p:spPr>
+      </p:pic>
+      <p:sp>
+        <p:nvSpPr>
+          <p:cNvPr id="110" name="Chevron 9">
+            <a:extLst>
+              <a:ext uri="{FF2B5EF4-FFF2-40B4-BE49-F238E27FC236}">
+                <a16:creationId xmlns:a16="http://schemas.microsoft.com/office/drawing/2014/main" id="{403D9068-7F0A-FF4E-F847-285C9DDE5856}"/>
+              </a:ext>
+            </a:extLst>
+          </p:cNvPr>
+          <p:cNvSpPr/>
+          <p:nvPr/>
+        </p:nvSpPr>
+        <p:spPr>
+          <a:xfrm>
+            <a:off x="6017044" y="2419402"/>
+            <a:ext cx="467968" cy="405689"/>
+          </a:xfrm>
+          <a:prstGeom prst="chevron">
+            <a:avLst>
+              <a:gd name="adj" fmla="val 15078"/>
+            </a:avLst>
+          </a:prstGeom>
+          <a:solidFill>
+            <a:schemeClr val="tx1"/>
+          </a:solidFill>
+          <a:ln w="19050">
+            <a:solidFill>
+              <a:srgbClr val="000000"/>
+            </a:solidFill>
+          </a:ln>
+        </p:spPr>
+        <p:style>
+          <a:lnRef idx="2">
+            <a:schemeClr val="accent1">
+              <a:shade val="50000"/>
+            </a:schemeClr>
+          </a:lnRef>
+          <a:fillRef idx="1">
+            <a:schemeClr val="accent1"/>
+          </a:fillRef>
+          <a:effectRef idx="0">
+            <a:schemeClr val="accent1"/>
+          </a:effectRef>
+          <a:fontRef idx="minor">
+            <a:schemeClr val="lt1"/>
+          </a:fontRef>
+        </p:style>
+        <p:txBody>
+          <a:bodyPr wrap="none" rtlCol="0" anchor="ctr"/>
+          <a:lstStyle/>
+          <a:p>
+            <a:pPr algn="ctr"/>
+            <a:r>
+              <a:rPr lang="ja-JP" altLang="en-US" sz="700" dirty="0">
+                <a:solidFill>
+                  <a:schemeClr val="bg1"/>
+                </a:solidFill>
+              </a:rPr>
+              <a:t>制御効率</a:t>
+            </a:r>
+            <a:br>
+              <a:rPr lang="en-US" altLang="ja-JP" sz="1000" dirty="0">
+                <a:solidFill>
+                  <a:schemeClr val="bg1"/>
+                </a:solidFill>
+              </a:rPr>
+            </a:br>
+            <a:r>
+              <a:rPr lang="ja-JP" altLang="en-US" sz="1000" dirty="0">
+                <a:solidFill>
+                  <a:schemeClr val="bg1"/>
+                </a:solidFill>
+              </a:rPr>
+              <a:t>分析</a:t>
+            </a:r>
+            <a:endParaRPr lang="en-JP" sz="1000" dirty="0">
+              <a:solidFill>
+                <a:schemeClr val="bg1"/>
+              </a:solidFill>
+            </a:endParaRPr>
+          </a:p>
+        </p:txBody>
+      </p:sp>
+      <p:cxnSp>
+        <p:nvCxnSpPr>
+          <p:cNvPr id="112" name="Straight Arrow Connector 12">
+            <a:extLst>
+              <a:ext uri="{FF2B5EF4-FFF2-40B4-BE49-F238E27FC236}">
+                <a16:creationId xmlns:a16="http://schemas.microsoft.com/office/drawing/2014/main" id="{8CFC4E7D-B167-9F46-0DFF-DE57B73B0106}"/>
+              </a:ext>
+            </a:extLst>
+          </p:cNvPr>
+          <p:cNvCxnSpPr>
+            <a:cxnSpLocks/>
+            <a:stCxn id="88" idx="3"/>
+            <a:endCxn id="110" idx="1"/>
+          </p:cNvCxnSpPr>
+          <p:nvPr/>
+        </p:nvCxnSpPr>
+        <p:spPr>
+          <a:xfrm flipV="1">
+            <a:off x="5936934" y="2622247"/>
+            <a:ext cx="141280" cy="4300"/>
+          </a:xfrm>
+          <a:prstGeom prst="straightConnector1">
+            <a:avLst/>
+          </a:prstGeom>
+          <a:ln w="6350">
+            <a:solidFill>
+              <a:srgbClr val="000000"/>
+            </a:solidFill>
+            <a:tailEnd type="triangle"/>
+          </a:ln>
+        </p:spPr>
+        <p:style>
+          <a:lnRef idx="1">
+            <a:schemeClr val="accent1"/>
+          </a:lnRef>
+          <a:fillRef idx="0">
+            <a:schemeClr val="accent1"/>
+          </a:fillRef>
+          <a:effectRef idx="0">
+            <a:schemeClr val="accent1"/>
+          </a:effectRef>
+          <a:fontRef idx="minor">
+            <a:schemeClr val="tx1"/>
+          </a:fontRef>
+        </p:style>
+      </p:cxnSp>
+      <p:cxnSp>
+        <p:nvCxnSpPr>
+          <p:cNvPr id="115" name="Straight Arrow Connector 12">
+            <a:extLst>
+              <a:ext uri="{FF2B5EF4-FFF2-40B4-BE49-F238E27FC236}">
+                <a16:creationId xmlns:a16="http://schemas.microsoft.com/office/drawing/2014/main" id="{A832F593-D694-F184-12A4-6BA0FC514C90}"/>
+              </a:ext>
+            </a:extLst>
+          </p:cNvPr>
+          <p:cNvCxnSpPr>
+            <a:cxnSpLocks/>
+            <a:stCxn id="110" idx="3"/>
+            <a:endCxn id="91" idx="1"/>
+          </p:cNvCxnSpPr>
+          <p:nvPr/>
+        </p:nvCxnSpPr>
+        <p:spPr>
+          <a:xfrm flipV="1">
+            <a:off x="6485012" y="2618383"/>
+            <a:ext cx="121187" cy="3864"/>
+          </a:xfrm>
+          <a:prstGeom prst="straightConnector1">
+            <a:avLst/>
+          </a:prstGeom>
+          <a:ln w="6350">
+            <a:solidFill>
+              <a:srgbClr val="000000"/>
+            </a:solidFill>
+            <a:tailEnd type="triangle"/>
+          </a:ln>
+        </p:spPr>
+        <p:style>
+          <a:lnRef idx="1">
+            <a:schemeClr val="accent1"/>
+          </a:lnRef>
+          <a:fillRef idx="0">
+            <a:schemeClr val="accent1"/>
+          </a:fillRef>
+          <a:effectRef idx="0">
+            <a:schemeClr val="accent1"/>
+          </a:effectRef>
+          <a:fontRef idx="minor">
+            <a:schemeClr val="tx1"/>
+          </a:fontRef>
+        </p:style>
+      </p:cxnSp>
+      <p:pic>
+        <p:nvPicPr>
+          <p:cNvPr id="116" name="図 115">
+            <a:extLst>
+              <a:ext uri="{FF2B5EF4-FFF2-40B4-BE49-F238E27FC236}">
+                <a16:creationId xmlns:a16="http://schemas.microsoft.com/office/drawing/2014/main" id="{6F848E11-FE2C-A561-DCD6-AA6C8DB80ACF}"/>
+              </a:ext>
+            </a:extLst>
+          </p:cNvPr>
+          <p:cNvPicPr>
+            <a:picLocks noChangeAspect="1"/>
+          </p:cNvPicPr>
+          <p:nvPr/>
+        </p:nvPicPr>
+        <p:blipFill>
+          <a:blip r:embed="rId5"/>
+          <a:stretch>
+            <a:fillRect/>
+          </a:stretch>
+        </p:blipFill>
+        <p:spPr>
+          <a:xfrm>
+            <a:off x="6639744" y="2272294"/>
+            <a:ext cx="1334253" cy="501309"/>
+          </a:xfrm>
+          <a:prstGeom prst="rect">
+            <a:avLst/>
+          </a:prstGeom>
+        </p:spPr>
+      </p:pic>
+      <p:sp>
+        <p:nvSpPr>
+          <p:cNvPr id="12" name="角丸四角形吹き出し 11">
+            <a:extLst>
+              <a:ext uri="{FF2B5EF4-FFF2-40B4-BE49-F238E27FC236}">
+                <a16:creationId xmlns:a16="http://schemas.microsoft.com/office/drawing/2014/main" id="{AB92EFE7-4517-B705-991C-FD37AB190E22}"/>
+              </a:ext>
+            </a:extLst>
+          </p:cNvPr>
+          <p:cNvSpPr/>
+          <p:nvPr/>
+        </p:nvSpPr>
+        <p:spPr>
+          <a:xfrm>
+            <a:off x="2300730" y="4263191"/>
+            <a:ext cx="2393347" cy="884440"/>
+          </a:xfrm>
+          <a:prstGeom prst="wedgeRoundRectCallout">
+            <a:avLst>
+              <a:gd name="adj1" fmla="val -38487"/>
+              <a:gd name="adj2" fmla="val 91602"/>
+              <a:gd name="adj3" fmla="val 16667"/>
+            </a:avLst>
+          </a:prstGeom>
+          <a:solidFill>
+            <a:schemeClr val="bg1"/>
+          </a:solidFill>
+          <a:ln w="12700">
+            <a:solidFill>
+              <a:srgbClr val="F20153"/>
+            </a:solidFill>
+          </a:ln>
+          <a:effectLst/>
+        </p:spPr>
+        <p:style>
+          <a:lnRef idx="2">
+            <a:schemeClr val="accent1">
+              <a:shade val="15000"/>
+            </a:schemeClr>
+          </a:lnRef>
+          <a:fillRef idx="1">
+            <a:schemeClr val="accent1"/>
+          </a:fillRef>
+          <a:effectRef idx="0">
+            <a:schemeClr val="accent1"/>
+          </a:effectRef>
+          <a:fontRef idx="minor">
+            <a:schemeClr val="lt1"/>
+          </a:fontRef>
+        </p:style>
+        <p:txBody>
+          <a:bodyPr rtlCol="0" anchor="ctr"/>
+          <a:lstStyle/>
+          <a:p>
+            <a:pPr algn="ctr"/>
+            <a:endParaRPr kumimoji="1" lang="ja-JP" altLang="en-US">
+              <a:solidFill>
+                <a:srgbClr val="F20153"/>
+              </a:solidFill>
+            </a:endParaRPr>
+          </a:p>
+        </p:txBody>
+      </p:sp>
+      <p:pic>
+        <p:nvPicPr>
+          <p:cNvPr id="11" name="図 10">
+            <a:extLst>
+              <a:ext uri="{FF2B5EF4-FFF2-40B4-BE49-F238E27FC236}">
+                <a16:creationId xmlns:a16="http://schemas.microsoft.com/office/drawing/2014/main" id="{7EFB699C-29DF-257F-1669-7B06F6C3A331}"/>
+              </a:ext>
+            </a:extLst>
+          </p:cNvPr>
+          <p:cNvPicPr>
+            <a:picLocks noChangeAspect="1"/>
+          </p:cNvPicPr>
+          <p:nvPr/>
+        </p:nvPicPr>
+        <p:blipFill>
+          <a:blip r:embed="rId8"/>
+          <a:stretch>
+            <a:fillRect/>
+          </a:stretch>
+        </p:blipFill>
+        <p:spPr>
+          <a:xfrm>
+            <a:off x="3305296" y="4360174"/>
+            <a:ext cx="1322410" cy="732779"/>
+          </a:xfrm>
+          <a:prstGeom prst="rect">
+            <a:avLst/>
+          </a:prstGeom>
+        </p:spPr>
+      </p:pic>
+      <p:sp>
+        <p:nvSpPr>
+          <p:cNvPr id="20" name="テキスト ボックス 19">
+            <a:extLst>
+              <a:ext uri="{FF2B5EF4-FFF2-40B4-BE49-F238E27FC236}">
+                <a16:creationId xmlns:a16="http://schemas.microsoft.com/office/drawing/2014/main" id="{756CE646-E2C1-C0C9-06FC-A83AC705C7D5}"/>
+              </a:ext>
+            </a:extLst>
+          </p:cNvPr>
+          <p:cNvSpPr txBox="1"/>
+          <p:nvPr/>
+        </p:nvSpPr>
+        <p:spPr>
+          <a:xfrm>
+            <a:off x="2321303" y="4515984"/>
+            <a:ext cx="1125629" cy="400110"/>
+          </a:xfrm>
+          <a:prstGeom prst="rect">
+            <a:avLst/>
+          </a:prstGeom>
+          <a:noFill/>
+        </p:spPr>
+        <p:txBody>
+          <a:bodyPr wrap="square" rtlCol="0">
+            <a:spAutoFit/>
+          </a:bodyPr>
+          <a:lstStyle/>
+          <a:p>
+            <a:r>
+              <a:rPr kumimoji="1" lang="ja-JP" altLang="en-US" sz="1000">
+                <a:solidFill>
+                  <a:srgbClr val="F20153"/>
+                </a:solidFill>
+              </a:rPr>
+              <a:t>初期状態から</a:t>
+            </a:r>
+            <a:br>
+              <a:rPr kumimoji="1" lang="en-US" altLang="ja-JP" sz="1000">
+                <a:solidFill>
+                  <a:srgbClr val="F20153"/>
+                </a:solidFill>
+              </a:rPr>
+            </a:br>
+            <a:r>
+              <a:rPr kumimoji="1" lang="ja-JP" altLang="en-US" sz="1000">
+                <a:solidFill>
+                  <a:srgbClr val="F20153"/>
+                </a:solidFill>
+              </a:rPr>
+              <a:t>逐次探索</a:t>
+            </a:r>
+            <a:r>
+              <a:rPr kumimoji="1" lang="en-US" altLang="ja-JP" sz="1000">
+                <a:solidFill>
+                  <a:srgbClr val="F20153"/>
+                </a:solidFill>
+              </a:rPr>
+              <a:t>&amp;</a:t>
+            </a:r>
+            <a:r>
+              <a:rPr kumimoji="1" lang="ja-JP" altLang="en-US" sz="1000">
+                <a:solidFill>
+                  <a:srgbClr val="F20153"/>
+                </a:solidFill>
+              </a:rPr>
+              <a:t>構築</a:t>
+            </a:r>
+          </a:p>
+        </p:txBody>
+      </p:sp>
+      <p:sp>
+        <p:nvSpPr>
+          <p:cNvPr id="22" name="角丸四角形吹き出し 21">
+            <a:extLst>
+              <a:ext uri="{FF2B5EF4-FFF2-40B4-BE49-F238E27FC236}">
+                <a16:creationId xmlns:a16="http://schemas.microsoft.com/office/drawing/2014/main" id="{336468BF-2233-6388-F305-C17C7094B596}"/>
+              </a:ext>
+            </a:extLst>
+          </p:cNvPr>
+          <p:cNvSpPr/>
+          <p:nvPr/>
+        </p:nvSpPr>
+        <p:spPr>
+          <a:xfrm>
+            <a:off x="3298266" y="1412982"/>
+            <a:ext cx="2859343" cy="629399"/>
+          </a:xfrm>
+          <a:prstGeom prst="wedgeRoundRectCallout">
+            <a:avLst>
+              <a:gd name="adj1" fmla="val -39029"/>
+              <a:gd name="adj2" fmla="val 79238"/>
+              <a:gd name="adj3" fmla="val 16667"/>
+            </a:avLst>
+          </a:prstGeom>
+          <a:solidFill>
+            <a:schemeClr val="bg1"/>
+          </a:solidFill>
+          <a:ln w="12700">
+            <a:solidFill>
+              <a:schemeClr val="accent1">
+                <a:lumMod val="50000"/>
+              </a:schemeClr>
+            </a:solidFill>
+          </a:ln>
+          <a:effectLst/>
+        </p:spPr>
+        <p:style>
+          <a:lnRef idx="2">
+            <a:schemeClr val="accent1">
+              <a:shade val="15000"/>
+            </a:schemeClr>
+          </a:lnRef>
+          <a:fillRef idx="1">
+            <a:schemeClr val="accent1"/>
+          </a:fillRef>
+          <a:effectRef idx="0">
+            <a:schemeClr val="accent1"/>
+          </a:effectRef>
+          <a:fontRef idx="minor">
+            <a:schemeClr val="lt1"/>
+          </a:fontRef>
+        </p:style>
+        <p:txBody>
+          <a:bodyPr rtlCol="0" anchor="ctr"/>
+          <a:lstStyle/>
+          <a:p>
+            <a:pPr algn="ctr"/>
+            <a:r>
+              <a:rPr kumimoji="1" lang="ja-JP" altLang="en-US" sz="1000" b="1" u="sng">
+                <a:solidFill>
+                  <a:schemeClr val="tx2">
+                    <a:lumMod val="25000"/>
+                  </a:schemeClr>
+                </a:solidFill>
+              </a:rPr>
+              <a:t>課題</a:t>
+            </a:r>
+            <a:endParaRPr kumimoji="1" lang="en-US" altLang="ja-JP" sz="1000" b="1" u="sng">
+              <a:solidFill>
+                <a:schemeClr val="tx2">
+                  <a:lumMod val="25000"/>
+                </a:schemeClr>
+              </a:solidFill>
+            </a:endParaRPr>
+          </a:p>
+          <a:p>
+            <a:r>
+              <a:rPr kumimoji="1" lang="ja-JP" altLang="en-US" sz="1000">
+                <a:solidFill>
+                  <a:schemeClr val="tx2">
+                    <a:lumMod val="25000"/>
+                  </a:schemeClr>
+                </a:solidFill>
+              </a:rPr>
+              <a:t>状態数「</a:t>
+            </a:r>
+            <a:r>
+              <a:rPr kumimoji="1" lang="en-US" altLang="ja-JP" sz="1000">
+                <a:solidFill>
+                  <a:schemeClr val="tx2">
+                    <a:lumMod val="25000"/>
+                  </a:schemeClr>
+                </a:solidFill>
+              </a:rPr>
+              <a:t>4</a:t>
+            </a:r>
+            <a:r>
+              <a:rPr kumimoji="1" lang="ja-JP" altLang="en-US" sz="1000">
+                <a:solidFill>
+                  <a:schemeClr val="tx2">
+                    <a:lumMod val="25000"/>
+                  </a:schemeClr>
+                </a:solidFill>
+              </a:rPr>
+              <a:t>」の制御器を構築するために，</a:t>
+            </a:r>
+            <a:br>
+              <a:rPr kumimoji="1" lang="en-US" altLang="ja-JP" sz="1000">
+                <a:solidFill>
+                  <a:schemeClr val="tx2">
+                    <a:lumMod val="25000"/>
+                  </a:schemeClr>
+                </a:solidFill>
+              </a:rPr>
+            </a:br>
+            <a:r>
+              <a:rPr kumimoji="1" lang="ja-JP" altLang="en-US" sz="1000">
+                <a:solidFill>
+                  <a:schemeClr val="tx2">
+                    <a:lumMod val="25000"/>
+                  </a:schemeClr>
+                </a:solidFill>
+              </a:rPr>
+              <a:t>状態数「</a:t>
+            </a:r>
+            <a:r>
+              <a:rPr kumimoji="1" lang="en-US" altLang="ja-JP" sz="1000">
+                <a:solidFill>
+                  <a:schemeClr val="tx2">
+                    <a:lumMod val="25000"/>
+                  </a:schemeClr>
+                </a:solidFill>
+              </a:rPr>
+              <a:t>7</a:t>
+            </a:r>
+            <a:r>
+              <a:rPr kumimoji="1" lang="ja-JP" altLang="en-US" sz="1000">
+                <a:solidFill>
+                  <a:schemeClr val="tx2">
+                    <a:lumMod val="25000"/>
+                  </a:schemeClr>
+                </a:solidFill>
+              </a:rPr>
+              <a:t>」のゲーム空間を構築してしまっている</a:t>
+            </a:r>
+            <a:endParaRPr kumimoji="1" lang="en-US" altLang="ja-JP" sz="1000">
+              <a:solidFill>
+                <a:schemeClr val="tx2">
+                  <a:lumMod val="25000"/>
+                </a:schemeClr>
+              </a:solidFill>
+            </a:endParaRPr>
+          </a:p>
+        </p:txBody>
+      </p:sp>
+    </p:spTree>
+    <p:extLst>
+      <p:ext uri="{BB962C8B-B14F-4D97-AF65-F5344CB8AC3E}">
+        <p14:creationId xmlns:p14="http://schemas.microsoft.com/office/powerpoint/2010/main" val="3282901580"/>
+      </p:ext>
+    </p:extLst>
+  </p:cSld>
+  <p:clrMapOvr>
+    <a:masterClrMapping/>
+  </p:clrMapOvr>
+</p:sld>
+</file>
+
+<file path=ppt/slides/slide4.xml><?xml version="1.0" encoding="utf-8"?>
 <p:sld xmlns:a="http://schemas.openxmlformats.org/drawingml/2006/main" xmlns:r="http://schemas.openxmlformats.org/officeDocument/2006/relationships" xmlns:p="http://schemas.openxmlformats.org/presentationml/2006/main">
   <p:cSld>
     <p:spTree>
@@ -5118,7 +10532,7 @@
                   </a:solidFill>
                 </a:rPr>
                 <a:pPr algn="ctr"/>
-                <a:t>2</a:t>
+                <a:t>4</a:t>
               </a:fld>
               <a:endParaRPr lang="en" sz="3600" dirty="0">
                 <a:solidFill>
@@ -6939,7 +12353,7 @@
 </p:sld>
 </file>
 
-<file path=ppt/slides/slide3.xml><?xml version="1.0" encoding="utf-8"?>
+<file path=ppt/slides/slide5.xml><?xml version="1.0" encoding="utf-8"?>
 <p:sld xmlns:a="http://schemas.openxmlformats.org/drawingml/2006/main" xmlns:r="http://schemas.openxmlformats.org/officeDocument/2006/relationships" xmlns:p="http://schemas.openxmlformats.org/presentationml/2006/main">
   <p:cSld>
     <p:spTree>
@@ -7329,7 +12743,7 @@
                   </a:solidFill>
                 </a:rPr>
                 <a:pPr algn="ctr"/>
-                <a:t>3</a:t>
+                <a:t>5</a:t>
               </a:fld>
               <a:endParaRPr lang="en" sz="3600" dirty="0">
                 <a:solidFill>
@@ -7930,7 +13344,7 @@
 </p:sld>
 </file>
 
-<file path=ppt/slides/slide4.xml><?xml version="1.0" encoding="utf-8"?>
+<file path=ppt/slides/slide6.xml><?xml version="1.0" encoding="utf-8"?>
 <p:sld xmlns:a="http://schemas.openxmlformats.org/drawingml/2006/main" xmlns:r="http://schemas.openxmlformats.org/officeDocument/2006/relationships" xmlns:p="http://schemas.openxmlformats.org/presentationml/2006/main">
   <p:cSld>
     <p:spTree>
@@ -8320,7 +13734,7 @@
                   </a:solidFill>
                 </a:rPr>
                 <a:pPr algn="ctr"/>
-                <a:t>4</a:t>
+                <a:t>6</a:t>
               </a:fld>
               <a:endParaRPr lang="en" sz="3600" dirty="0">
                 <a:solidFill>
@@ -9971,7 +15385,7 @@
 </p:sld>
 </file>
 
-<file path=ppt/slides/slide5.xml><?xml version="1.0" encoding="utf-8"?>
+<file path=ppt/slides/slide7.xml><?xml version="1.0" encoding="utf-8"?>
 <p:sld xmlns:a="http://schemas.openxmlformats.org/drawingml/2006/main" xmlns:r="http://schemas.openxmlformats.org/officeDocument/2006/relationships" xmlns:p="http://schemas.openxmlformats.org/presentationml/2006/main">
   <p:cSld>
     <p:spTree>
@@ -10361,7 +15775,7 @@
                   </a:solidFill>
                 </a:rPr>
                 <a:pPr algn="ctr"/>
-                <a:t>5</a:t>
+                <a:t>7</a:t>
               </a:fld>
               <a:endParaRPr lang="en" sz="3600" dirty="0">
                 <a:solidFill>
@@ -11619,7 +17033,7 @@
 </p:sld>
 </file>
 
-<file path=ppt/slides/slide6.xml><?xml version="1.0" encoding="utf-8"?>
+<file path=ppt/slides/slide8.xml><?xml version="1.0" encoding="utf-8"?>
 <p:sld xmlns:a="http://schemas.openxmlformats.org/drawingml/2006/main" xmlns:r="http://schemas.openxmlformats.org/officeDocument/2006/relationships" xmlns:p="http://schemas.openxmlformats.org/presentationml/2006/main">
   <p:cSld>
     <p:spTree>
@@ -12009,7 +17423,7 @@
                   </a:solidFill>
                 </a:rPr>
                 <a:pPr algn="ctr"/>
-                <a:t>6</a:t>
+                <a:t>8</a:t>
               </a:fld>
               <a:endParaRPr lang="en" sz="3600" dirty="0">
                 <a:solidFill>
@@ -12993,6 +18407,2053 @@
     <p:extLst>
       <p:ext uri="{BB962C8B-B14F-4D97-AF65-F5344CB8AC3E}">
         <p14:creationId xmlns:p14="http://schemas.microsoft.com/office/powerpoint/2010/main" val="2397552985"/>
+      </p:ext>
+    </p:extLst>
+  </p:cSld>
+  <p:clrMapOvr>
+    <a:masterClrMapping/>
+  </p:clrMapOvr>
+</p:sld>
+</file>
+
+<file path=ppt/slides/slide9.xml><?xml version="1.0" encoding="utf-8"?>
+<p:sld xmlns:a="http://schemas.openxmlformats.org/drawingml/2006/main" xmlns:r="http://schemas.openxmlformats.org/officeDocument/2006/relationships" xmlns:p="http://schemas.openxmlformats.org/presentationml/2006/main">
+  <p:cSld>
+    <p:spTree>
+      <p:nvGrpSpPr>
+        <p:cNvPr id="1" name="">
+          <a:extLst>
+            <a:ext uri="{FF2B5EF4-FFF2-40B4-BE49-F238E27FC236}">
+              <a16:creationId xmlns:a16="http://schemas.microsoft.com/office/drawing/2014/main" id="{8FCC05F7-2C6F-FC93-0A1F-7AF1B3EFAD93}"/>
+            </a:ext>
+          </a:extLst>
+        </p:cNvPr>
+        <p:cNvGrpSpPr/>
+        <p:nvPr/>
+      </p:nvGrpSpPr>
+      <p:grpSpPr>
+        <a:xfrm>
+          <a:off x="0" y="0"/>
+          <a:ext cx="0" cy="0"/>
+          <a:chOff x="0" y="0"/>
+          <a:chExt cx="0" cy="0"/>
+        </a:xfrm>
+      </p:grpSpPr>
+      <p:grpSp>
+        <p:nvGrpSpPr>
+          <p:cNvPr id="4" name="Group 3">
+            <a:extLst>
+              <a:ext uri="{FF2B5EF4-FFF2-40B4-BE49-F238E27FC236}">
+                <a16:creationId xmlns:a16="http://schemas.microsoft.com/office/drawing/2014/main" id="{CB0AAB22-4B74-3125-8253-E96A639E6C49}"/>
+              </a:ext>
+            </a:extLst>
+          </p:cNvPr>
+          <p:cNvGrpSpPr/>
+          <p:nvPr/>
+        </p:nvGrpSpPr>
+        <p:grpSpPr>
+          <a:xfrm>
+            <a:off x="8077447" y="-91837"/>
+            <a:ext cx="1106894" cy="1157419"/>
+            <a:chOff x="8077447" y="-91837"/>
+            <a:chExt cx="1106894" cy="1157419"/>
+          </a:xfrm>
+        </p:grpSpPr>
+        <p:sp>
+          <p:nvSpPr>
+            <p:cNvPr id="5" name="Right Triangle 4">
+              <a:extLst>
+                <a:ext uri="{FF2B5EF4-FFF2-40B4-BE49-F238E27FC236}">
+                  <a16:creationId xmlns:a16="http://schemas.microsoft.com/office/drawing/2014/main" id="{746A1532-33B7-DE16-48BE-724A7F366066}"/>
+                </a:ext>
+              </a:extLst>
+            </p:cNvPr>
+            <p:cNvSpPr/>
+            <p:nvPr/>
+          </p:nvSpPr>
+          <p:spPr>
+            <a:xfrm>
+              <a:off x="8077447" y="-14418"/>
+              <a:ext cx="1080000" cy="1080000"/>
+            </a:xfrm>
+            <a:prstGeom prst="rtTriangle">
+              <a:avLst/>
+            </a:prstGeom>
+            <a:solidFill>
+              <a:srgbClr val="97ABBC"/>
+            </a:solidFill>
+            <a:ln>
+              <a:noFill/>
+            </a:ln>
+            <a:effectLst>
+              <a:innerShdw blurRad="63500" dist="50800" dir="8100000">
+                <a:prstClr val="black">
+                  <a:alpha val="50000"/>
+                </a:prstClr>
+              </a:innerShdw>
+            </a:effectLst>
+            <a:scene3d>
+              <a:camera prst="orthographicFront">
+                <a:rot lat="0" lon="21599994" rev="10799999"/>
+              </a:camera>
+              <a:lightRig rig="threePt" dir="t"/>
+            </a:scene3d>
+          </p:spPr>
+          <p:style>
+            <a:lnRef idx="2">
+              <a:schemeClr val="accent1">
+                <a:shade val="50000"/>
+              </a:schemeClr>
+            </a:lnRef>
+            <a:fillRef idx="1">
+              <a:schemeClr val="accent1"/>
+            </a:fillRef>
+            <a:effectRef idx="0">
+              <a:schemeClr val="accent1"/>
+            </a:effectRef>
+            <a:fontRef idx="minor">
+              <a:schemeClr val="lt1"/>
+            </a:fontRef>
+          </p:style>
+          <p:txBody>
+            <a:bodyPr rtlCol="0" anchor="ctr"/>
+            <a:lstStyle/>
+            <a:p>
+              <a:pPr algn="ctr"/>
+              <a:endParaRPr lang="en-US" dirty="0">
+                <a:solidFill>
+                  <a:srgbClr val="97ABBC"/>
+                </a:solidFill>
+              </a:endParaRPr>
+            </a:p>
+          </p:txBody>
+        </p:sp>
+        <p:sp>
+          <p:nvSpPr>
+            <p:cNvPr id="6" name="Slide Number Placeholder 3">
+              <a:extLst>
+                <a:ext uri="{FF2B5EF4-FFF2-40B4-BE49-F238E27FC236}">
+                  <a16:creationId xmlns:a16="http://schemas.microsoft.com/office/drawing/2014/main" id="{E9166FFE-DA92-2B6D-8F36-93D5117D5C56}"/>
+                </a:ext>
+              </a:extLst>
+            </p:cNvPr>
+            <p:cNvSpPr txBox="1">
+              <a:spLocks/>
+            </p:cNvSpPr>
+            <p:nvPr/>
+          </p:nvSpPr>
+          <p:spPr>
+            <a:xfrm>
+              <a:off x="8402846" y="-91837"/>
+              <a:ext cx="781495" cy="683507"/>
+            </a:xfrm>
+            <a:prstGeom prst="rect">
+              <a:avLst/>
+            </a:prstGeom>
+            <a:noFill/>
+            <a:ln>
+              <a:noFill/>
+            </a:ln>
+          </p:spPr>
+          <p:txBody>
+            <a:bodyPr spcFirstLastPara="1" wrap="square" lIns="91425" tIns="91425" rIns="91425" bIns="91425" anchor="t" anchorCtr="0">
+              <a:noAutofit/>
+            </a:bodyPr>
+            <a:lstStyle>
+              <a:defPPr marR="0" lvl="0" algn="l" rtl="0">
+                <a:lnSpc>
+                  <a:spcPct val="100000"/>
+                </a:lnSpc>
+                <a:spcBef>
+                  <a:spcPts val="0"/>
+                </a:spcBef>
+                <a:spcAft>
+                  <a:spcPts val="0"/>
+                </a:spcAft>
+              </a:defPPr>
+              <a:lvl1pPr marR="0" lvl="0" algn="r" rtl="0">
+                <a:lnSpc>
+                  <a:spcPct val="100000"/>
+                </a:lnSpc>
+                <a:spcBef>
+                  <a:spcPts val="0"/>
+                </a:spcBef>
+                <a:spcAft>
+                  <a:spcPts val="0"/>
+                </a:spcAft>
+                <a:buClr>
+                  <a:srgbClr val="000000"/>
+                </a:buClr>
+                <a:buFont typeface="Arial"/>
+                <a:buNone/>
+                <a:defRPr sz="1300" b="0" i="0" u="none" strike="noStrike" cap="none">
+                  <a:solidFill>
+                    <a:srgbClr val="97ABBC"/>
+                  </a:solidFill>
+                  <a:latin typeface="Lato"/>
+                  <a:ea typeface="Lato"/>
+                  <a:cs typeface="Lato"/>
+                  <a:sym typeface="Lato"/>
+                </a:defRPr>
+              </a:lvl1pPr>
+              <a:lvl2pPr marR="0" lvl="1" algn="r" rtl="0">
+                <a:lnSpc>
+                  <a:spcPct val="100000"/>
+                </a:lnSpc>
+                <a:spcBef>
+                  <a:spcPts val="0"/>
+                </a:spcBef>
+                <a:spcAft>
+                  <a:spcPts val="0"/>
+                </a:spcAft>
+                <a:buClr>
+                  <a:srgbClr val="000000"/>
+                </a:buClr>
+                <a:buFont typeface="Arial"/>
+                <a:buNone/>
+                <a:defRPr sz="1300" b="0" i="0" u="none" strike="noStrike" cap="none">
+                  <a:solidFill>
+                    <a:srgbClr val="97ABBC"/>
+                  </a:solidFill>
+                  <a:latin typeface="Lato"/>
+                  <a:ea typeface="Lato"/>
+                  <a:cs typeface="Lato"/>
+                  <a:sym typeface="Lato"/>
+                </a:defRPr>
+              </a:lvl2pPr>
+              <a:lvl3pPr marR="0" lvl="2" algn="r" rtl="0">
+                <a:lnSpc>
+                  <a:spcPct val="100000"/>
+                </a:lnSpc>
+                <a:spcBef>
+                  <a:spcPts val="0"/>
+                </a:spcBef>
+                <a:spcAft>
+                  <a:spcPts val="0"/>
+                </a:spcAft>
+                <a:buClr>
+                  <a:srgbClr val="000000"/>
+                </a:buClr>
+                <a:buFont typeface="Arial"/>
+                <a:buNone/>
+                <a:defRPr sz="1300" b="0" i="0" u="none" strike="noStrike" cap="none">
+                  <a:solidFill>
+                    <a:srgbClr val="97ABBC"/>
+                  </a:solidFill>
+                  <a:latin typeface="Lato"/>
+                  <a:ea typeface="Lato"/>
+                  <a:cs typeface="Lato"/>
+                  <a:sym typeface="Lato"/>
+                </a:defRPr>
+              </a:lvl3pPr>
+              <a:lvl4pPr marR="0" lvl="3" algn="r" rtl="0">
+                <a:lnSpc>
+                  <a:spcPct val="100000"/>
+                </a:lnSpc>
+                <a:spcBef>
+                  <a:spcPts val="0"/>
+                </a:spcBef>
+                <a:spcAft>
+                  <a:spcPts val="0"/>
+                </a:spcAft>
+                <a:buClr>
+                  <a:srgbClr val="000000"/>
+                </a:buClr>
+                <a:buFont typeface="Arial"/>
+                <a:buNone/>
+                <a:defRPr sz="1300" b="0" i="0" u="none" strike="noStrike" cap="none">
+                  <a:solidFill>
+                    <a:srgbClr val="97ABBC"/>
+                  </a:solidFill>
+                  <a:latin typeface="Lato"/>
+                  <a:ea typeface="Lato"/>
+                  <a:cs typeface="Lato"/>
+                  <a:sym typeface="Lato"/>
+                </a:defRPr>
+              </a:lvl4pPr>
+              <a:lvl5pPr marR="0" lvl="4" algn="r" rtl="0">
+                <a:lnSpc>
+                  <a:spcPct val="100000"/>
+                </a:lnSpc>
+                <a:spcBef>
+                  <a:spcPts val="0"/>
+                </a:spcBef>
+                <a:spcAft>
+                  <a:spcPts val="0"/>
+                </a:spcAft>
+                <a:buClr>
+                  <a:srgbClr val="000000"/>
+                </a:buClr>
+                <a:buFont typeface="Arial"/>
+                <a:buNone/>
+                <a:defRPr sz="1300" b="0" i="0" u="none" strike="noStrike" cap="none">
+                  <a:solidFill>
+                    <a:srgbClr val="97ABBC"/>
+                  </a:solidFill>
+                  <a:latin typeface="Lato"/>
+                  <a:ea typeface="Lato"/>
+                  <a:cs typeface="Lato"/>
+                  <a:sym typeface="Lato"/>
+                </a:defRPr>
+              </a:lvl5pPr>
+              <a:lvl6pPr marR="0" lvl="5" algn="r" rtl="0">
+                <a:lnSpc>
+                  <a:spcPct val="100000"/>
+                </a:lnSpc>
+                <a:spcBef>
+                  <a:spcPts val="0"/>
+                </a:spcBef>
+                <a:spcAft>
+                  <a:spcPts val="0"/>
+                </a:spcAft>
+                <a:buClr>
+                  <a:srgbClr val="000000"/>
+                </a:buClr>
+                <a:buFont typeface="Arial"/>
+                <a:buNone/>
+                <a:defRPr sz="1300" b="0" i="0" u="none" strike="noStrike" cap="none">
+                  <a:solidFill>
+                    <a:srgbClr val="97ABBC"/>
+                  </a:solidFill>
+                  <a:latin typeface="Lato"/>
+                  <a:ea typeface="Lato"/>
+                  <a:cs typeface="Lato"/>
+                  <a:sym typeface="Lato"/>
+                </a:defRPr>
+              </a:lvl6pPr>
+              <a:lvl7pPr marR="0" lvl="6" algn="r" rtl="0">
+                <a:lnSpc>
+                  <a:spcPct val="100000"/>
+                </a:lnSpc>
+                <a:spcBef>
+                  <a:spcPts val="0"/>
+                </a:spcBef>
+                <a:spcAft>
+                  <a:spcPts val="0"/>
+                </a:spcAft>
+                <a:buClr>
+                  <a:srgbClr val="000000"/>
+                </a:buClr>
+                <a:buFont typeface="Arial"/>
+                <a:buNone/>
+                <a:defRPr sz="1300" b="0" i="0" u="none" strike="noStrike" cap="none">
+                  <a:solidFill>
+                    <a:srgbClr val="97ABBC"/>
+                  </a:solidFill>
+                  <a:latin typeface="Lato"/>
+                  <a:ea typeface="Lato"/>
+                  <a:cs typeface="Lato"/>
+                  <a:sym typeface="Lato"/>
+                </a:defRPr>
+              </a:lvl7pPr>
+              <a:lvl8pPr marR="0" lvl="7" algn="r" rtl="0">
+                <a:lnSpc>
+                  <a:spcPct val="100000"/>
+                </a:lnSpc>
+                <a:spcBef>
+                  <a:spcPts val="0"/>
+                </a:spcBef>
+                <a:spcAft>
+                  <a:spcPts val="0"/>
+                </a:spcAft>
+                <a:buClr>
+                  <a:srgbClr val="000000"/>
+                </a:buClr>
+                <a:buFont typeface="Arial"/>
+                <a:buNone/>
+                <a:defRPr sz="1300" b="0" i="0" u="none" strike="noStrike" cap="none">
+                  <a:solidFill>
+                    <a:srgbClr val="97ABBC"/>
+                  </a:solidFill>
+                  <a:latin typeface="Lato"/>
+                  <a:ea typeface="Lato"/>
+                  <a:cs typeface="Lato"/>
+                  <a:sym typeface="Lato"/>
+                </a:defRPr>
+              </a:lvl8pPr>
+              <a:lvl9pPr marR="0" lvl="8" algn="r" rtl="0">
+                <a:lnSpc>
+                  <a:spcPct val="100000"/>
+                </a:lnSpc>
+                <a:spcBef>
+                  <a:spcPts val="0"/>
+                </a:spcBef>
+                <a:spcAft>
+                  <a:spcPts val="0"/>
+                </a:spcAft>
+                <a:buClr>
+                  <a:srgbClr val="000000"/>
+                </a:buClr>
+                <a:buFont typeface="Arial"/>
+                <a:buNone/>
+                <a:defRPr sz="1300" b="0" i="0" u="none" strike="noStrike" cap="none">
+                  <a:solidFill>
+                    <a:srgbClr val="97ABBC"/>
+                  </a:solidFill>
+                  <a:latin typeface="Lato"/>
+                  <a:ea typeface="Lato"/>
+                  <a:cs typeface="Lato"/>
+                  <a:sym typeface="Lato"/>
+                </a:defRPr>
+              </a:lvl9pPr>
+            </a:lstStyle>
+            <a:p>
+              <a:pPr algn="ctr"/>
+              <a:fld id="{00000000-1234-1234-1234-123412341234}" type="slidenum">
+                <a:rPr lang="en" sz="3600" smtClean="0">
+                  <a:solidFill>
+                    <a:schemeClr val="bg1"/>
+                  </a:solidFill>
+                </a:rPr>
+                <a:pPr algn="ctr"/>
+                <a:t>9</a:t>
+              </a:fld>
+              <a:endParaRPr lang="en" sz="3600" dirty="0">
+                <a:solidFill>
+                  <a:schemeClr val="bg1"/>
+                </a:solidFill>
+              </a:endParaRPr>
+            </a:p>
+          </p:txBody>
+        </p:sp>
+      </p:grpSp>
+      <p:sp>
+        <p:nvSpPr>
+          <p:cNvPr id="7" name="Title 1">
+            <a:extLst>
+              <a:ext uri="{FF2B5EF4-FFF2-40B4-BE49-F238E27FC236}">
+                <a16:creationId xmlns:a16="http://schemas.microsoft.com/office/drawing/2014/main" id="{DCFD5036-9918-30ED-798F-3AA5B3391B2F}"/>
+              </a:ext>
+            </a:extLst>
+          </p:cNvPr>
+          <p:cNvSpPr>
+            <a:spLocks noGrp="1"/>
+          </p:cNvSpPr>
+          <p:nvPr>
+            <p:ph type="title"/>
+          </p:nvPr>
+        </p:nvSpPr>
+        <p:spPr>
+          <a:xfrm>
+            <a:off x="558798" y="0"/>
+            <a:ext cx="8585201" cy="1143000"/>
+          </a:xfrm>
+        </p:spPr>
+        <p:txBody>
+          <a:bodyPr/>
+          <a:lstStyle/>
+          <a:p>
+            <a:r>
+              <a:rPr lang="en-US" b="1" dirty="0">
+                <a:solidFill>
+                  <a:srgbClr val="677480"/>
+                </a:solidFill>
+                <a:latin typeface="M+ 1c" panose="020B0503020204020204" pitchFamily="34" charset="-128"/>
+                <a:ea typeface="M+ 1c" panose="020B0503020204020204" pitchFamily="34" charset="-128"/>
+                <a:cs typeface="M+ 1c" panose="020B0503020204020204" pitchFamily="34" charset="-128"/>
+              </a:rPr>
+              <a:t>ゲーム空間</a:t>
+            </a:r>
+          </a:p>
+        </p:txBody>
+      </p:sp>
+      <p:sp>
+        <p:nvSpPr>
+          <p:cNvPr id="8" name="Text Placeholder 2">
+            <a:extLst>
+              <a:ext uri="{FF2B5EF4-FFF2-40B4-BE49-F238E27FC236}">
+                <a16:creationId xmlns:a16="http://schemas.microsoft.com/office/drawing/2014/main" id="{F10A4329-C98B-DDE3-8BC1-21D0D57B4821}"/>
+              </a:ext>
+            </a:extLst>
+          </p:cNvPr>
+          <p:cNvSpPr txBox="1">
+            <a:spLocks/>
+          </p:cNvSpPr>
+          <p:nvPr/>
+        </p:nvSpPr>
+        <p:spPr>
+          <a:xfrm>
+            <a:off x="558800" y="1065582"/>
+            <a:ext cx="8585200" cy="753995"/>
+          </a:xfrm>
+          <a:prstGeom prst="rect">
+            <a:avLst/>
+          </a:prstGeom>
+          <a:noFill/>
+          <a:ln>
+            <a:noFill/>
+          </a:ln>
+        </p:spPr>
+        <p:txBody>
+          <a:bodyPr spcFirstLastPara="1" wrap="square" lIns="91425" tIns="91425" rIns="91425" bIns="91425" anchor="t" anchorCtr="0"/>
+          <a:lstStyle>
+            <a:defPPr marR="0" lvl="0" algn="l" rtl="0">
+              <a:lnSpc>
+                <a:spcPct val="100000"/>
+              </a:lnSpc>
+              <a:spcBef>
+                <a:spcPts val="0"/>
+              </a:spcBef>
+              <a:spcAft>
+                <a:spcPts val="0"/>
+              </a:spcAft>
+            </a:defPPr>
+            <a:lvl1pPr marL="457200" marR="0" lvl="0" indent="-419100" algn="l" rtl="0">
+              <a:lnSpc>
+                <a:spcPct val="100000"/>
+              </a:lnSpc>
+              <a:spcBef>
+                <a:spcPts val="600"/>
+              </a:spcBef>
+              <a:spcAft>
+                <a:spcPts val="0"/>
+              </a:spcAft>
+              <a:buClr>
+                <a:srgbClr val="677480"/>
+              </a:buClr>
+              <a:buSzPts val="3000"/>
+              <a:buFont typeface="Lato"/>
+              <a:buChar char="▷"/>
+              <a:defRPr sz="3000" b="0" i="0" u="none" strike="noStrike" cap="none">
+                <a:solidFill>
+                  <a:srgbClr val="677480"/>
+                </a:solidFill>
+                <a:latin typeface="Lato"/>
+                <a:ea typeface="Lato"/>
+                <a:cs typeface="Lato"/>
+                <a:sym typeface="Lato"/>
+              </a:defRPr>
+            </a:lvl1pPr>
+            <a:lvl2pPr marL="914400" marR="0" lvl="1" indent="-381000" algn="l" rtl="0">
+              <a:lnSpc>
+                <a:spcPct val="100000"/>
+              </a:lnSpc>
+              <a:spcBef>
+                <a:spcPts val="0"/>
+              </a:spcBef>
+              <a:spcAft>
+                <a:spcPts val="0"/>
+              </a:spcAft>
+              <a:buClr>
+                <a:srgbClr val="677480"/>
+              </a:buClr>
+              <a:buSzPts val="2400"/>
+              <a:buFont typeface="Lato"/>
+              <a:buChar char="○"/>
+              <a:defRPr sz="2400" b="0" i="0" u="none" strike="noStrike" cap="none">
+                <a:solidFill>
+                  <a:srgbClr val="677480"/>
+                </a:solidFill>
+                <a:latin typeface="Lato"/>
+                <a:ea typeface="Lato"/>
+                <a:cs typeface="Lato"/>
+                <a:sym typeface="Lato"/>
+              </a:defRPr>
+            </a:lvl2pPr>
+            <a:lvl3pPr marL="1371600" marR="0" lvl="2" indent="-381000" algn="l" rtl="0">
+              <a:lnSpc>
+                <a:spcPct val="100000"/>
+              </a:lnSpc>
+              <a:spcBef>
+                <a:spcPts val="0"/>
+              </a:spcBef>
+              <a:spcAft>
+                <a:spcPts val="0"/>
+              </a:spcAft>
+              <a:buClr>
+                <a:srgbClr val="677480"/>
+              </a:buClr>
+              <a:buSzPts val="2400"/>
+              <a:buFont typeface="Lato"/>
+              <a:buChar char="■"/>
+              <a:defRPr sz="2400" b="0" i="0" u="none" strike="noStrike" cap="none">
+                <a:solidFill>
+                  <a:srgbClr val="677480"/>
+                </a:solidFill>
+                <a:latin typeface="Lato"/>
+                <a:ea typeface="Lato"/>
+                <a:cs typeface="Lato"/>
+                <a:sym typeface="Lato"/>
+              </a:defRPr>
+            </a:lvl3pPr>
+            <a:lvl4pPr marL="1828800" marR="0" lvl="3" indent="-342900" algn="l" rtl="0">
+              <a:lnSpc>
+                <a:spcPct val="100000"/>
+              </a:lnSpc>
+              <a:spcBef>
+                <a:spcPts val="0"/>
+              </a:spcBef>
+              <a:spcAft>
+                <a:spcPts val="0"/>
+              </a:spcAft>
+              <a:buClr>
+                <a:srgbClr val="677480"/>
+              </a:buClr>
+              <a:buSzPts val="1800"/>
+              <a:buFont typeface="Lato"/>
+              <a:buChar char="●"/>
+              <a:defRPr sz="1800" b="0" i="0" u="none" strike="noStrike" cap="none">
+                <a:solidFill>
+                  <a:srgbClr val="677480"/>
+                </a:solidFill>
+                <a:latin typeface="Lato"/>
+                <a:ea typeface="Lato"/>
+                <a:cs typeface="Lato"/>
+                <a:sym typeface="Lato"/>
+              </a:defRPr>
+            </a:lvl4pPr>
+            <a:lvl5pPr marL="2286000" marR="0" lvl="4" indent="-342900" algn="l" rtl="0">
+              <a:lnSpc>
+                <a:spcPct val="100000"/>
+              </a:lnSpc>
+              <a:spcBef>
+                <a:spcPts val="0"/>
+              </a:spcBef>
+              <a:spcAft>
+                <a:spcPts val="0"/>
+              </a:spcAft>
+              <a:buClr>
+                <a:srgbClr val="677480"/>
+              </a:buClr>
+              <a:buSzPts val="1800"/>
+              <a:buFont typeface="Lato"/>
+              <a:buChar char="○"/>
+              <a:defRPr sz="1800" b="0" i="0" u="none" strike="noStrike" cap="none">
+                <a:solidFill>
+                  <a:srgbClr val="677480"/>
+                </a:solidFill>
+                <a:latin typeface="Lato"/>
+                <a:ea typeface="Lato"/>
+                <a:cs typeface="Lato"/>
+                <a:sym typeface="Lato"/>
+              </a:defRPr>
+            </a:lvl5pPr>
+            <a:lvl6pPr marL="2743200" marR="0" lvl="5" indent="-342900" algn="l" rtl="0">
+              <a:lnSpc>
+                <a:spcPct val="100000"/>
+              </a:lnSpc>
+              <a:spcBef>
+                <a:spcPts val="0"/>
+              </a:spcBef>
+              <a:spcAft>
+                <a:spcPts val="0"/>
+              </a:spcAft>
+              <a:buClr>
+                <a:srgbClr val="677480"/>
+              </a:buClr>
+              <a:buSzPts val="1800"/>
+              <a:buFont typeface="Lato"/>
+              <a:buChar char="■"/>
+              <a:defRPr sz="1800" b="0" i="0" u="none" strike="noStrike" cap="none">
+                <a:solidFill>
+                  <a:srgbClr val="677480"/>
+                </a:solidFill>
+                <a:latin typeface="Lato"/>
+                <a:ea typeface="Lato"/>
+                <a:cs typeface="Lato"/>
+                <a:sym typeface="Lato"/>
+              </a:defRPr>
+            </a:lvl6pPr>
+            <a:lvl7pPr marL="3200400" marR="0" lvl="6" indent="-342900" algn="l" rtl="0">
+              <a:lnSpc>
+                <a:spcPct val="100000"/>
+              </a:lnSpc>
+              <a:spcBef>
+                <a:spcPts val="0"/>
+              </a:spcBef>
+              <a:spcAft>
+                <a:spcPts val="0"/>
+              </a:spcAft>
+              <a:buClr>
+                <a:srgbClr val="677480"/>
+              </a:buClr>
+              <a:buSzPts val="1800"/>
+              <a:buFont typeface="Lato"/>
+              <a:buChar char="●"/>
+              <a:defRPr sz="1800" b="0" i="0" u="none" strike="noStrike" cap="none">
+                <a:solidFill>
+                  <a:srgbClr val="677480"/>
+                </a:solidFill>
+                <a:latin typeface="Lato"/>
+                <a:ea typeface="Lato"/>
+                <a:cs typeface="Lato"/>
+                <a:sym typeface="Lato"/>
+              </a:defRPr>
+            </a:lvl7pPr>
+            <a:lvl8pPr marL="3657600" marR="0" lvl="7" indent="-342900" algn="l" rtl="0">
+              <a:lnSpc>
+                <a:spcPct val="100000"/>
+              </a:lnSpc>
+              <a:spcBef>
+                <a:spcPts val="0"/>
+              </a:spcBef>
+              <a:spcAft>
+                <a:spcPts val="0"/>
+              </a:spcAft>
+              <a:buClr>
+                <a:srgbClr val="677480"/>
+              </a:buClr>
+              <a:buSzPts val="1800"/>
+              <a:buFont typeface="Lato"/>
+              <a:buChar char="○"/>
+              <a:defRPr sz="1800" b="0" i="0" u="none" strike="noStrike" cap="none">
+                <a:solidFill>
+                  <a:srgbClr val="677480"/>
+                </a:solidFill>
+                <a:latin typeface="Lato"/>
+                <a:ea typeface="Lato"/>
+                <a:cs typeface="Lato"/>
+                <a:sym typeface="Lato"/>
+              </a:defRPr>
+            </a:lvl8pPr>
+            <a:lvl9pPr marL="4114800" marR="0" lvl="8" indent="-342900" algn="l" rtl="0">
+              <a:lnSpc>
+                <a:spcPct val="100000"/>
+              </a:lnSpc>
+              <a:spcBef>
+                <a:spcPts val="0"/>
+              </a:spcBef>
+              <a:spcAft>
+                <a:spcPts val="0"/>
+              </a:spcAft>
+              <a:buClr>
+                <a:srgbClr val="677480"/>
+              </a:buClr>
+              <a:buSzPts val="1800"/>
+              <a:buFont typeface="Lato"/>
+              <a:buChar char="■"/>
+              <a:defRPr sz="1800" b="0" i="0" u="none" strike="noStrike" cap="none">
+                <a:solidFill>
+                  <a:srgbClr val="677480"/>
+                </a:solidFill>
+                <a:latin typeface="Lato"/>
+                <a:ea typeface="Lato"/>
+                <a:cs typeface="Lato"/>
+                <a:sym typeface="Lato"/>
+              </a:defRPr>
+            </a:lvl9pPr>
+          </a:lstStyle>
+          <a:p>
+            <a:pPr marL="38100" indent="0">
+              <a:buNone/>
+            </a:pPr>
+            <a:endParaRPr lang="en-US" altLang="ja-JP" sz="2400" dirty="0">
+              <a:latin typeface="Lato" panose="020F0502020204030203" pitchFamily="34" charset="0"/>
+              <a:ea typeface="Lato" panose="020F0502020204030203" pitchFamily="34" charset="0"/>
+              <a:cs typeface="Lato" panose="020F0502020204030203" pitchFamily="34" charset="0"/>
+            </a:endParaRPr>
+          </a:p>
+        </p:txBody>
+      </p:sp>
+      <p:pic>
+        <p:nvPicPr>
+          <p:cNvPr id="26" name="図 25">
+            <a:extLst>
+              <a:ext uri="{FF2B5EF4-FFF2-40B4-BE49-F238E27FC236}">
+                <a16:creationId xmlns:a16="http://schemas.microsoft.com/office/drawing/2014/main" id="{01FF3E46-4ACB-0A11-3E39-C0DD6642568D}"/>
+              </a:ext>
+            </a:extLst>
+          </p:cNvPr>
+          <p:cNvPicPr>
+            <a:picLocks noChangeAspect="1"/>
+          </p:cNvPicPr>
+          <p:nvPr/>
+        </p:nvPicPr>
+        <p:blipFill>
+          <a:blip r:embed="rId2"/>
+          <a:stretch>
+            <a:fillRect/>
+          </a:stretch>
+        </p:blipFill>
+        <p:spPr>
+          <a:xfrm>
+            <a:off x="3190743" y="91781"/>
+            <a:ext cx="5914548" cy="2025254"/>
+          </a:xfrm>
+          <a:prstGeom prst="rect">
+            <a:avLst/>
+          </a:prstGeom>
+        </p:spPr>
+      </p:pic>
+      <p:sp>
+        <p:nvSpPr>
+          <p:cNvPr id="41" name="Oval 1">
+            <a:extLst>
+              <a:ext uri="{FF2B5EF4-FFF2-40B4-BE49-F238E27FC236}">
+                <a16:creationId xmlns:a16="http://schemas.microsoft.com/office/drawing/2014/main" id="{4D508488-9B03-AFAB-3B58-EDB23155DE34}"/>
+              </a:ext>
+            </a:extLst>
+          </p:cNvPr>
+          <p:cNvSpPr/>
+          <p:nvPr/>
+        </p:nvSpPr>
+        <p:spPr>
+          <a:xfrm>
+            <a:off x="853006" y="4737121"/>
+            <a:ext cx="597466" cy="597466"/>
+          </a:xfrm>
+          <a:prstGeom prst="ellipse">
+            <a:avLst/>
+          </a:prstGeom>
+          <a:solidFill>
+            <a:srgbClr val="FF0000"/>
+          </a:solidFill>
+          <a:ln w="15875">
+            <a:solidFill>
+              <a:srgbClr val="000000"/>
+            </a:solidFill>
+          </a:ln>
+        </p:spPr>
+        <p:style>
+          <a:lnRef idx="2">
+            <a:schemeClr val="accent1">
+              <a:shade val="50000"/>
+            </a:schemeClr>
+          </a:lnRef>
+          <a:fillRef idx="1">
+            <a:schemeClr val="accent1"/>
+          </a:fillRef>
+          <a:effectRef idx="0">
+            <a:schemeClr val="accent1"/>
+          </a:effectRef>
+          <a:fontRef idx="minor">
+            <a:schemeClr val="lt1"/>
+          </a:fontRef>
+        </p:style>
+        <p:txBody>
+          <a:bodyPr wrap="none" rtlCol="0" anchor="ctr"/>
+          <a:lstStyle/>
+          <a:p>
+            <a:pPr algn="ctr"/>
+            <a:r>
+              <a:rPr lang="en-US" sz="1600" b="1" dirty="0">
+                <a:solidFill>
+                  <a:schemeClr val="tx1"/>
+                </a:solidFill>
+              </a:rPr>
+              <a:t>s</a:t>
+            </a:r>
+            <a:r>
+              <a:rPr lang="en-JP" sz="1600" b="1" dirty="0">
+                <a:solidFill>
+                  <a:schemeClr val="tx1"/>
+                </a:solidFill>
+              </a:rPr>
+              <a:t>0</a:t>
+            </a:r>
+            <a:r>
+              <a:rPr lang="en-US" sz="1600" b="1" dirty="0">
+                <a:solidFill>
+                  <a:schemeClr val="tx1"/>
+                </a:solidFill>
+              </a:rPr>
+              <a:t>,t0</a:t>
+            </a:r>
+            <a:br>
+              <a:rPr lang="en-US" sz="1600" b="1" dirty="0">
+                <a:solidFill>
+                  <a:schemeClr val="tx1"/>
+                </a:solidFill>
+              </a:rPr>
+            </a:br>
+            <a:r>
+              <a:rPr lang="en-US" sz="1100" b="1" dirty="0">
+                <a:solidFill>
+                  <a:schemeClr val="tx1"/>
+                </a:solidFill>
+              </a:rPr>
+              <a:t>(r0)</a:t>
+            </a:r>
+            <a:endParaRPr lang="en-JP" sz="1600" b="1" dirty="0">
+              <a:solidFill>
+                <a:schemeClr val="tx1"/>
+              </a:solidFill>
+            </a:endParaRPr>
+          </a:p>
+        </p:txBody>
+      </p:sp>
+      <p:sp>
+        <p:nvSpPr>
+          <p:cNvPr id="51" name="Oval 2">
+            <a:extLst>
+              <a:ext uri="{FF2B5EF4-FFF2-40B4-BE49-F238E27FC236}">
+                <a16:creationId xmlns:a16="http://schemas.microsoft.com/office/drawing/2014/main" id="{F86E2AF5-D1F8-007F-182E-CB0DAB1DDE17}"/>
+              </a:ext>
+            </a:extLst>
+          </p:cNvPr>
+          <p:cNvSpPr/>
+          <p:nvPr/>
+        </p:nvSpPr>
+        <p:spPr>
+          <a:xfrm>
+            <a:off x="1876793" y="4026641"/>
+            <a:ext cx="597466" cy="597466"/>
+          </a:xfrm>
+          <a:prstGeom prst="ellipse">
+            <a:avLst/>
+          </a:prstGeom>
+          <a:solidFill>
+            <a:schemeClr val="bg1">
+              <a:lumMod val="95000"/>
+            </a:schemeClr>
+          </a:solidFill>
+          <a:ln w="15875">
+            <a:solidFill>
+              <a:schemeClr val="bg1">
+                <a:lumMod val="85000"/>
+              </a:schemeClr>
+            </a:solidFill>
+          </a:ln>
+        </p:spPr>
+        <p:style>
+          <a:lnRef idx="2">
+            <a:schemeClr val="accent1">
+              <a:shade val="50000"/>
+            </a:schemeClr>
+          </a:lnRef>
+          <a:fillRef idx="1">
+            <a:schemeClr val="accent1"/>
+          </a:fillRef>
+          <a:effectRef idx="0">
+            <a:schemeClr val="accent1"/>
+          </a:effectRef>
+          <a:fontRef idx="minor">
+            <a:schemeClr val="lt1"/>
+          </a:fontRef>
+        </p:style>
+        <p:txBody>
+          <a:bodyPr wrap="none" rtlCol="0" anchor="ctr"/>
+          <a:lstStyle/>
+          <a:p>
+            <a:pPr algn="ctr"/>
+            <a:r>
+              <a:rPr lang="en-US" altLang="ja-JP" sz="1600" b="1" dirty="0">
+                <a:solidFill>
+                  <a:schemeClr val="bg1">
+                    <a:lumMod val="85000"/>
+                  </a:schemeClr>
+                </a:solidFill>
+              </a:rPr>
+              <a:t>s</a:t>
+            </a:r>
+            <a:r>
+              <a:rPr lang="en-JP" altLang="ja-JP" sz="1600" b="1" dirty="0">
+                <a:solidFill>
+                  <a:schemeClr val="bg1">
+                    <a:lumMod val="85000"/>
+                  </a:schemeClr>
+                </a:solidFill>
+              </a:rPr>
+              <a:t>0</a:t>
+            </a:r>
+            <a:r>
+              <a:rPr lang="en-US" altLang="ja-JP" sz="1600" b="1" dirty="0">
+                <a:solidFill>
+                  <a:schemeClr val="bg1">
+                    <a:lumMod val="85000"/>
+                  </a:schemeClr>
+                </a:solidFill>
+              </a:rPr>
+              <a:t>,t0</a:t>
+            </a:r>
+            <a:br>
+              <a:rPr lang="en-US" altLang="ja-JP" sz="1600" b="1" dirty="0">
+                <a:solidFill>
+                  <a:schemeClr val="bg1">
+                    <a:lumMod val="85000"/>
+                  </a:schemeClr>
+                </a:solidFill>
+              </a:rPr>
+            </a:br>
+            <a:r>
+              <a:rPr lang="en-US" altLang="ja-JP" sz="1100" b="1" dirty="0">
+                <a:solidFill>
+                  <a:schemeClr val="bg1">
+                    <a:lumMod val="85000"/>
+                  </a:schemeClr>
+                </a:solidFill>
+              </a:rPr>
+              <a:t>(r0)</a:t>
+            </a:r>
+            <a:endParaRPr lang="en-JP" altLang="ja-JP" sz="1600" b="1" dirty="0">
+              <a:solidFill>
+                <a:schemeClr val="bg1">
+                  <a:lumMod val="85000"/>
+                </a:schemeClr>
+              </a:solidFill>
+            </a:endParaRPr>
+          </a:p>
+        </p:txBody>
+      </p:sp>
+      <p:sp>
+        <p:nvSpPr>
+          <p:cNvPr id="53" name="Oval 8">
+            <a:extLst>
+              <a:ext uri="{FF2B5EF4-FFF2-40B4-BE49-F238E27FC236}">
+                <a16:creationId xmlns:a16="http://schemas.microsoft.com/office/drawing/2014/main" id="{9D0F918A-0547-8F97-1DD5-9F279B030B77}"/>
+              </a:ext>
+            </a:extLst>
+          </p:cNvPr>
+          <p:cNvSpPr/>
+          <p:nvPr/>
+        </p:nvSpPr>
+        <p:spPr>
+          <a:xfrm>
+            <a:off x="1876793" y="5436029"/>
+            <a:ext cx="597466" cy="597466"/>
+          </a:xfrm>
+          <a:prstGeom prst="ellipse">
+            <a:avLst/>
+          </a:prstGeom>
+          <a:solidFill>
+            <a:srgbClr val="01FFFF"/>
+          </a:solidFill>
+          <a:ln w="15875">
+            <a:solidFill>
+              <a:srgbClr val="000000"/>
+            </a:solidFill>
+          </a:ln>
+        </p:spPr>
+        <p:style>
+          <a:lnRef idx="2">
+            <a:schemeClr val="accent1">
+              <a:shade val="50000"/>
+            </a:schemeClr>
+          </a:lnRef>
+          <a:fillRef idx="1">
+            <a:schemeClr val="accent1"/>
+          </a:fillRef>
+          <a:effectRef idx="0">
+            <a:schemeClr val="accent1"/>
+          </a:effectRef>
+          <a:fontRef idx="minor">
+            <a:schemeClr val="lt1"/>
+          </a:fontRef>
+        </p:style>
+        <p:txBody>
+          <a:bodyPr wrap="none" rtlCol="0" anchor="ctr"/>
+          <a:lstStyle/>
+          <a:p>
+            <a:pPr algn="ctr"/>
+            <a:r>
+              <a:rPr lang="en-US" altLang="ja-JP" sz="1600" b="1" dirty="0">
+                <a:solidFill>
+                  <a:schemeClr val="tx1"/>
+                </a:solidFill>
+              </a:rPr>
+              <a:t>s</a:t>
+            </a:r>
+            <a:r>
+              <a:rPr lang="en-JP" altLang="ja-JP" sz="1600" b="1" dirty="0">
+                <a:solidFill>
+                  <a:schemeClr val="tx1"/>
+                </a:solidFill>
+              </a:rPr>
+              <a:t>0</a:t>
+            </a:r>
+            <a:r>
+              <a:rPr lang="en-US" altLang="ja-JP" sz="1600" b="1" dirty="0">
+                <a:solidFill>
+                  <a:schemeClr val="tx1"/>
+                </a:solidFill>
+              </a:rPr>
+              <a:t>,t0</a:t>
+            </a:r>
+            <a:br>
+              <a:rPr lang="en-US" altLang="ja-JP" sz="1600" b="1" dirty="0">
+                <a:solidFill>
+                  <a:schemeClr val="tx1"/>
+                </a:solidFill>
+              </a:rPr>
+            </a:br>
+            <a:r>
+              <a:rPr lang="en-US" altLang="ja-JP" sz="1100" b="1" dirty="0">
+                <a:solidFill>
+                  <a:schemeClr val="tx1"/>
+                </a:solidFill>
+              </a:rPr>
+              <a:t>(r0)</a:t>
+            </a:r>
+            <a:endParaRPr lang="en-JP" altLang="ja-JP" sz="1600" b="1" dirty="0">
+              <a:solidFill>
+                <a:schemeClr val="tx1"/>
+              </a:solidFill>
+            </a:endParaRPr>
+          </a:p>
+        </p:txBody>
+      </p:sp>
+      <p:sp>
+        <p:nvSpPr>
+          <p:cNvPr id="54" name="Oval 16">
+            <a:extLst>
+              <a:ext uri="{FF2B5EF4-FFF2-40B4-BE49-F238E27FC236}">
+                <a16:creationId xmlns:a16="http://schemas.microsoft.com/office/drawing/2014/main" id="{6267C68C-A8E5-2AA8-8656-6DB3EDC0D161}"/>
+              </a:ext>
+            </a:extLst>
+          </p:cNvPr>
+          <p:cNvSpPr/>
+          <p:nvPr/>
+        </p:nvSpPr>
+        <p:spPr>
+          <a:xfrm>
+            <a:off x="2900580" y="4735823"/>
+            <a:ext cx="597466" cy="597466"/>
+          </a:xfrm>
+          <a:prstGeom prst="ellipse">
+            <a:avLst/>
+          </a:prstGeom>
+          <a:solidFill>
+            <a:srgbClr val="01FFFF"/>
+          </a:solidFill>
+          <a:ln w="15875">
+            <a:solidFill>
+              <a:srgbClr val="000000"/>
+            </a:solidFill>
+          </a:ln>
+        </p:spPr>
+        <p:style>
+          <a:lnRef idx="2">
+            <a:schemeClr val="accent1">
+              <a:shade val="50000"/>
+            </a:schemeClr>
+          </a:lnRef>
+          <a:fillRef idx="1">
+            <a:schemeClr val="accent1"/>
+          </a:fillRef>
+          <a:effectRef idx="0">
+            <a:schemeClr val="accent1"/>
+          </a:effectRef>
+          <a:fontRef idx="minor">
+            <a:schemeClr val="lt1"/>
+          </a:fontRef>
+        </p:style>
+        <p:txBody>
+          <a:bodyPr wrap="none" rtlCol="0" anchor="ctr"/>
+          <a:lstStyle/>
+          <a:p>
+            <a:pPr algn="ctr"/>
+            <a:r>
+              <a:rPr lang="en-US" altLang="ja-JP" sz="1600" b="1" dirty="0">
+                <a:solidFill>
+                  <a:schemeClr val="tx1"/>
+                </a:solidFill>
+              </a:rPr>
+              <a:t>s</a:t>
+            </a:r>
+            <a:r>
+              <a:rPr lang="en-JP" altLang="ja-JP" sz="1600" b="1" dirty="0">
+                <a:solidFill>
+                  <a:schemeClr val="tx1"/>
+                </a:solidFill>
+              </a:rPr>
+              <a:t>0</a:t>
+            </a:r>
+            <a:r>
+              <a:rPr lang="en-US" altLang="ja-JP" sz="1600" b="1" dirty="0">
+                <a:solidFill>
+                  <a:schemeClr val="tx1"/>
+                </a:solidFill>
+              </a:rPr>
+              <a:t>,t0</a:t>
+            </a:r>
+            <a:br>
+              <a:rPr lang="en-US" altLang="ja-JP" sz="1600" b="1" dirty="0">
+                <a:solidFill>
+                  <a:schemeClr val="tx1"/>
+                </a:solidFill>
+              </a:rPr>
+            </a:br>
+            <a:r>
+              <a:rPr lang="en-US" altLang="ja-JP" sz="1100" b="1" dirty="0">
+                <a:solidFill>
+                  <a:schemeClr val="tx1"/>
+                </a:solidFill>
+              </a:rPr>
+              <a:t>(r0)</a:t>
+            </a:r>
+            <a:endParaRPr lang="en-JP" altLang="ja-JP" sz="1600" b="1" dirty="0">
+              <a:solidFill>
+                <a:schemeClr val="tx1"/>
+              </a:solidFill>
+            </a:endParaRPr>
+          </a:p>
+        </p:txBody>
+      </p:sp>
+      <p:sp>
+        <p:nvSpPr>
+          <p:cNvPr id="57" name="TextBox 64">
+            <a:extLst>
+              <a:ext uri="{FF2B5EF4-FFF2-40B4-BE49-F238E27FC236}">
+                <a16:creationId xmlns:a16="http://schemas.microsoft.com/office/drawing/2014/main" id="{81502DFB-B60E-D9F0-9567-8566AC8F78C4}"/>
+              </a:ext>
+            </a:extLst>
+          </p:cNvPr>
+          <p:cNvSpPr txBox="1"/>
+          <p:nvPr/>
+        </p:nvSpPr>
+        <p:spPr>
+          <a:xfrm>
+            <a:off x="1377281" y="3993858"/>
+            <a:ext cx="504298" cy="338554"/>
+          </a:xfrm>
+          <a:prstGeom prst="rect">
+            <a:avLst/>
+          </a:prstGeom>
+          <a:noFill/>
+        </p:spPr>
+        <p:txBody>
+          <a:bodyPr wrap="square" rtlCol="0">
+            <a:spAutoFit/>
+          </a:bodyPr>
+          <a:lstStyle/>
+          <a:p>
+            <a:pPr algn="ctr"/>
+            <a:r>
+              <a:rPr lang="en-US" sz="1600" b="1" dirty="0">
+                <a:solidFill>
+                  <a:schemeClr val="bg1">
+                    <a:lumMod val="85000"/>
+                  </a:schemeClr>
+                </a:solidFill>
+              </a:rPr>
+              <a:t>a</a:t>
+            </a:r>
+            <a:endParaRPr lang="en-JP" sz="1600" b="1" dirty="0">
+              <a:solidFill>
+                <a:schemeClr val="bg1">
+                  <a:lumMod val="85000"/>
+                </a:schemeClr>
+              </a:solidFill>
+            </a:endParaRPr>
+          </a:p>
+        </p:txBody>
+      </p:sp>
+      <p:sp>
+        <p:nvSpPr>
+          <p:cNvPr id="58" name="TextBox 64">
+            <a:extLst>
+              <a:ext uri="{FF2B5EF4-FFF2-40B4-BE49-F238E27FC236}">
+                <a16:creationId xmlns:a16="http://schemas.microsoft.com/office/drawing/2014/main" id="{CF9CDFFA-E158-13FD-2BB1-D4E69CB0A20C}"/>
+              </a:ext>
+            </a:extLst>
+          </p:cNvPr>
+          <p:cNvSpPr txBox="1"/>
+          <p:nvPr/>
+        </p:nvSpPr>
+        <p:spPr>
+          <a:xfrm>
+            <a:off x="1367735" y="5384224"/>
+            <a:ext cx="504298" cy="338554"/>
+          </a:xfrm>
+          <a:prstGeom prst="rect">
+            <a:avLst/>
+          </a:prstGeom>
+          <a:noFill/>
+        </p:spPr>
+        <p:txBody>
+          <a:bodyPr wrap="square" rtlCol="0">
+            <a:spAutoFit/>
+          </a:bodyPr>
+          <a:lstStyle/>
+          <a:p>
+            <a:pPr algn="ctr"/>
+            <a:r>
+              <a:rPr lang="en-US" sz="1600" b="1" dirty="0"/>
+              <a:t>c</a:t>
+            </a:r>
+            <a:endParaRPr lang="en-JP" sz="1600" b="1" dirty="0"/>
+          </a:p>
+        </p:txBody>
+      </p:sp>
+      <p:sp>
+        <p:nvSpPr>
+          <p:cNvPr id="59" name="Oval 16">
+            <a:extLst>
+              <a:ext uri="{FF2B5EF4-FFF2-40B4-BE49-F238E27FC236}">
+                <a16:creationId xmlns:a16="http://schemas.microsoft.com/office/drawing/2014/main" id="{B8787CD5-9BF1-021B-927F-FFAA727F27A1}"/>
+              </a:ext>
+            </a:extLst>
+          </p:cNvPr>
+          <p:cNvSpPr/>
+          <p:nvPr/>
+        </p:nvSpPr>
+        <p:spPr>
+          <a:xfrm>
+            <a:off x="1876793" y="4735823"/>
+            <a:ext cx="597466" cy="597466"/>
+          </a:xfrm>
+          <a:prstGeom prst="ellipse">
+            <a:avLst/>
+          </a:prstGeom>
+          <a:solidFill>
+            <a:schemeClr val="bg1">
+              <a:lumMod val="95000"/>
+            </a:schemeClr>
+          </a:solidFill>
+          <a:ln w="15875">
+            <a:solidFill>
+              <a:schemeClr val="bg1">
+                <a:lumMod val="85000"/>
+              </a:schemeClr>
+            </a:solidFill>
+          </a:ln>
+        </p:spPr>
+        <p:style>
+          <a:lnRef idx="2">
+            <a:schemeClr val="accent1">
+              <a:shade val="50000"/>
+            </a:schemeClr>
+          </a:lnRef>
+          <a:fillRef idx="1">
+            <a:schemeClr val="accent1"/>
+          </a:fillRef>
+          <a:effectRef idx="0">
+            <a:schemeClr val="accent1"/>
+          </a:effectRef>
+          <a:fontRef idx="minor">
+            <a:schemeClr val="lt1"/>
+          </a:fontRef>
+        </p:style>
+        <p:txBody>
+          <a:bodyPr wrap="none" rtlCol="0" anchor="ctr"/>
+          <a:lstStyle/>
+          <a:p>
+            <a:pPr algn="ctr"/>
+            <a:r>
+              <a:rPr lang="en-US" altLang="ja-JP" sz="1600" b="1" dirty="0">
+                <a:solidFill>
+                  <a:schemeClr val="bg1">
+                    <a:lumMod val="85000"/>
+                  </a:schemeClr>
+                </a:solidFill>
+              </a:rPr>
+              <a:t>s</a:t>
+            </a:r>
+            <a:r>
+              <a:rPr lang="en-JP" altLang="ja-JP" sz="1600" b="1" dirty="0">
+                <a:solidFill>
+                  <a:schemeClr val="bg1">
+                    <a:lumMod val="85000"/>
+                  </a:schemeClr>
+                </a:solidFill>
+              </a:rPr>
+              <a:t>0</a:t>
+            </a:r>
+            <a:r>
+              <a:rPr lang="en-US" altLang="ja-JP" sz="1600" b="1" dirty="0">
+                <a:solidFill>
+                  <a:schemeClr val="bg1">
+                    <a:lumMod val="85000"/>
+                  </a:schemeClr>
+                </a:solidFill>
+              </a:rPr>
+              <a:t>,t0</a:t>
+            </a:r>
+            <a:br>
+              <a:rPr lang="en-US" altLang="ja-JP" sz="1600" b="1" dirty="0">
+                <a:solidFill>
+                  <a:schemeClr val="bg1">
+                    <a:lumMod val="85000"/>
+                  </a:schemeClr>
+                </a:solidFill>
+              </a:rPr>
+            </a:br>
+            <a:r>
+              <a:rPr lang="en-US" altLang="ja-JP" sz="1100" b="1" dirty="0">
+                <a:solidFill>
+                  <a:schemeClr val="bg1">
+                    <a:lumMod val="85000"/>
+                  </a:schemeClr>
+                </a:solidFill>
+              </a:rPr>
+              <a:t>(r0)</a:t>
+            </a:r>
+            <a:endParaRPr lang="en-JP" altLang="ja-JP" sz="1600" b="1" dirty="0">
+              <a:solidFill>
+                <a:schemeClr val="bg1">
+                  <a:lumMod val="85000"/>
+                </a:schemeClr>
+              </a:solidFill>
+            </a:endParaRPr>
+          </a:p>
+        </p:txBody>
+      </p:sp>
+      <p:sp>
+        <p:nvSpPr>
+          <p:cNvPr id="60" name="TextBox 64">
+            <a:extLst>
+              <a:ext uri="{FF2B5EF4-FFF2-40B4-BE49-F238E27FC236}">
+                <a16:creationId xmlns:a16="http://schemas.microsoft.com/office/drawing/2014/main" id="{CEB89AFA-9799-B88F-6D5B-E1771F640BD6}"/>
+              </a:ext>
+            </a:extLst>
+          </p:cNvPr>
+          <p:cNvSpPr txBox="1"/>
+          <p:nvPr/>
+        </p:nvSpPr>
+        <p:spPr>
+          <a:xfrm>
+            <a:off x="1377281" y="4706711"/>
+            <a:ext cx="504298" cy="338554"/>
+          </a:xfrm>
+          <a:prstGeom prst="rect">
+            <a:avLst/>
+          </a:prstGeom>
+          <a:noFill/>
+        </p:spPr>
+        <p:txBody>
+          <a:bodyPr wrap="square" rtlCol="0">
+            <a:spAutoFit/>
+          </a:bodyPr>
+          <a:lstStyle/>
+          <a:p>
+            <a:pPr algn="ctr"/>
+            <a:r>
+              <a:rPr lang="en-US" sz="1600" b="1" dirty="0">
+                <a:solidFill>
+                  <a:schemeClr val="bg1">
+                    <a:lumMod val="85000"/>
+                  </a:schemeClr>
+                </a:solidFill>
+              </a:rPr>
+              <a:t>b</a:t>
+            </a:r>
+            <a:endParaRPr lang="en-JP" sz="1600" b="1" dirty="0">
+              <a:solidFill>
+                <a:schemeClr val="bg1">
+                  <a:lumMod val="85000"/>
+                </a:schemeClr>
+              </a:solidFill>
+            </a:endParaRPr>
+          </a:p>
+        </p:txBody>
+      </p:sp>
+      <p:cxnSp>
+        <p:nvCxnSpPr>
+          <p:cNvPr id="61" name="Straight Arrow Connector 30">
+            <a:extLst>
+              <a:ext uri="{FF2B5EF4-FFF2-40B4-BE49-F238E27FC236}">
+                <a16:creationId xmlns:a16="http://schemas.microsoft.com/office/drawing/2014/main" id="{7B34B324-B0FA-5B9A-8331-AEED5B89B785}"/>
+              </a:ext>
+            </a:extLst>
+          </p:cNvPr>
+          <p:cNvCxnSpPr>
+            <a:cxnSpLocks/>
+            <a:stCxn id="41" idx="6"/>
+            <a:endCxn id="59" idx="2"/>
+          </p:cNvCxnSpPr>
+          <p:nvPr/>
+        </p:nvCxnSpPr>
+        <p:spPr>
+          <a:xfrm flipV="1">
+            <a:off x="1450472" y="5034556"/>
+            <a:ext cx="426321" cy="1298"/>
+          </a:xfrm>
+          <a:prstGeom prst="straightConnector1">
+            <a:avLst/>
+          </a:prstGeom>
+          <a:ln w="25400">
+            <a:solidFill>
+              <a:schemeClr val="bg1">
+                <a:lumMod val="85000"/>
+              </a:schemeClr>
+            </a:solidFill>
+            <a:headEnd w="med" len="med"/>
+            <a:tailEnd type="triangle" w="lg" len="lg"/>
+          </a:ln>
+        </p:spPr>
+        <p:style>
+          <a:lnRef idx="1">
+            <a:schemeClr val="accent1"/>
+          </a:lnRef>
+          <a:fillRef idx="0">
+            <a:schemeClr val="accent1"/>
+          </a:fillRef>
+          <a:effectRef idx="0">
+            <a:schemeClr val="accent1"/>
+          </a:effectRef>
+          <a:fontRef idx="minor">
+            <a:schemeClr val="tx1"/>
+          </a:fontRef>
+        </p:style>
+      </p:cxnSp>
+      <p:cxnSp>
+        <p:nvCxnSpPr>
+          <p:cNvPr id="64" name="Elbow Connector 15">
+            <a:extLst>
+              <a:ext uri="{FF2B5EF4-FFF2-40B4-BE49-F238E27FC236}">
+                <a16:creationId xmlns:a16="http://schemas.microsoft.com/office/drawing/2014/main" id="{FC2DCA0B-1307-8A78-23A4-86643310AD6F}"/>
+              </a:ext>
+            </a:extLst>
+          </p:cNvPr>
+          <p:cNvCxnSpPr>
+            <a:cxnSpLocks/>
+            <a:stCxn id="41" idx="7"/>
+            <a:endCxn id="51" idx="2"/>
+          </p:cNvCxnSpPr>
+          <p:nvPr/>
+        </p:nvCxnSpPr>
+        <p:spPr>
+          <a:xfrm rot="5400000" flipH="1" flipV="1">
+            <a:off x="1370262" y="4318087"/>
+            <a:ext cx="499244" cy="513818"/>
+          </a:xfrm>
+          <a:prstGeom prst="bentConnector2">
+            <a:avLst/>
+          </a:prstGeom>
+          <a:ln w="25400" cmpd="sng">
+            <a:solidFill>
+              <a:schemeClr val="bg1">
+                <a:lumMod val="85000"/>
+              </a:schemeClr>
+            </a:solidFill>
+            <a:prstDash val="solid"/>
+            <a:headEnd w="med" len="med"/>
+            <a:tailEnd type="triangle" w="lg" len="lg"/>
+          </a:ln>
+        </p:spPr>
+        <p:style>
+          <a:lnRef idx="1">
+            <a:schemeClr val="accent1"/>
+          </a:lnRef>
+          <a:fillRef idx="0">
+            <a:schemeClr val="accent1"/>
+          </a:fillRef>
+          <a:effectRef idx="0">
+            <a:schemeClr val="accent1"/>
+          </a:effectRef>
+          <a:fontRef idx="minor">
+            <a:schemeClr val="tx1"/>
+          </a:fontRef>
+        </p:style>
+      </p:cxnSp>
+      <p:cxnSp>
+        <p:nvCxnSpPr>
+          <p:cNvPr id="66" name="Elbow Connector 15">
+            <a:extLst>
+              <a:ext uri="{FF2B5EF4-FFF2-40B4-BE49-F238E27FC236}">
+                <a16:creationId xmlns:a16="http://schemas.microsoft.com/office/drawing/2014/main" id="{7064C0D4-CD46-564C-2CA7-3FA74A3BFCC8}"/>
+              </a:ext>
+            </a:extLst>
+          </p:cNvPr>
+          <p:cNvCxnSpPr>
+            <a:cxnSpLocks/>
+            <a:stCxn id="41" idx="5"/>
+            <a:endCxn id="53" idx="2"/>
+          </p:cNvCxnSpPr>
+          <p:nvPr/>
+        </p:nvCxnSpPr>
+        <p:spPr>
+          <a:xfrm rot="16200000" flipH="1">
+            <a:off x="1376048" y="5234017"/>
+            <a:ext cx="487672" cy="513818"/>
+          </a:xfrm>
+          <a:prstGeom prst="bentConnector2">
+            <a:avLst/>
+          </a:prstGeom>
+          <a:ln w="25400" cmpd="sng">
+            <a:solidFill>
+              <a:srgbClr val="000000"/>
+            </a:solidFill>
+            <a:prstDash val="solid"/>
+            <a:headEnd w="med" len="med"/>
+            <a:tailEnd type="triangle" w="lg" len="lg"/>
+          </a:ln>
+        </p:spPr>
+        <p:style>
+          <a:lnRef idx="1">
+            <a:schemeClr val="accent1"/>
+          </a:lnRef>
+          <a:fillRef idx="0">
+            <a:schemeClr val="accent1"/>
+          </a:fillRef>
+          <a:effectRef idx="0">
+            <a:schemeClr val="accent1"/>
+          </a:effectRef>
+          <a:fontRef idx="minor">
+            <a:schemeClr val="tx1"/>
+          </a:fontRef>
+        </p:style>
+      </p:cxnSp>
+      <p:cxnSp>
+        <p:nvCxnSpPr>
+          <p:cNvPr id="70" name="Elbow Connector 15">
+            <a:extLst>
+              <a:ext uri="{FF2B5EF4-FFF2-40B4-BE49-F238E27FC236}">
+                <a16:creationId xmlns:a16="http://schemas.microsoft.com/office/drawing/2014/main" id="{D2641697-A586-6E3A-DB6B-61D8E59F5DE3}"/>
+              </a:ext>
+            </a:extLst>
+          </p:cNvPr>
+          <p:cNvCxnSpPr>
+            <a:cxnSpLocks/>
+            <a:stCxn id="53" idx="6"/>
+            <a:endCxn id="54" idx="3"/>
+          </p:cNvCxnSpPr>
+          <p:nvPr/>
+        </p:nvCxnSpPr>
+        <p:spPr>
+          <a:xfrm flipV="1">
+            <a:off x="2474259" y="5245792"/>
+            <a:ext cx="513818" cy="488970"/>
+          </a:xfrm>
+          <a:prstGeom prst="bentConnector2">
+            <a:avLst/>
+          </a:prstGeom>
+          <a:ln w="25400" cmpd="sng">
+            <a:solidFill>
+              <a:srgbClr val="000000"/>
+            </a:solidFill>
+            <a:prstDash val="solid"/>
+            <a:headEnd w="med" len="med"/>
+            <a:tailEnd type="triangle" w="lg" len="lg"/>
+          </a:ln>
+        </p:spPr>
+        <p:style>
+          <a:lnRef idx="1">
+            <a:schemeClr val="accent1"/>
+          </a:lnRef>
+          <a:fillRef idx="0">
+            <a:schemeClr val="accent1"/>
+          </a:fillRef>
+          <a:effectRef idx="0">
+            <a:schemeClr val="accent1"/>
+          </a:effectRef>
+          <a:fontRef idx="minor">
+            <a:schemeClr val="tx1"/>
+          </a:fontRef>
+        </p:style>
+      </p:cxnSp>
+      <p:sp>
+        <p:nvSpPr>
+          <p:cNvPr id="73" name="TextBox 64">
+            <a:extLst>
+              <a:ext uri="{FF2B5EF4-FFF2-40B4-BE49-F238E27FC236}">
+                <a16:creationId xmlns:a16="http://schemas.microsoft.com/office/drawing/2014/main" id="{CD7FBCC6-CCD9-F49F-7546-4E3BA3608C33}"/>
+              </a:ext>
+            </a:extLst>
+          </p:cNvPr>
+          <p:cNvSpPr txBox="1"/>
+          <p:nvPr/>
+        </p:nvSpPr>
+        <p:spPr>
+          <a:xfrm>
+            <a:off x="2431460" y="5394224"/>
+            <a:ext cx="504298" cy="338554"/>
+          </a:xfrm>
+          <a:prstGeom prst="rect">
+            <a:avLst/>
+          </a:prstGeom>
+          <a:noFill/>
+        </p:spPr>
+        <p:txBody>
+          <a:bodyPr wrap="square" rtlCol="0">
+            <a:spAutoFit/>
+          </a:bodyPr>
+          <a:lstStyle/>
+          <a:p>
+            <a:pPr algn="ctr"/>
+            <a:r>
+              <a:rPr lang="en-US" sz="1600" b="1" dirty="0"/>
+              <a:t>e</a:t>
+            </a:r>
+            <a:endParaRPr lang="en-JP" sz="1600" b="1" dirty="0"/>
+          </a:p>
+        </p:txBody>
+      </p:sp>
+      <p:sp>
+        <p:nvSpPr>
+          <p:cNvPr id="74" name="Oval 16">
+            <a:extLst>
+              <a:ext uri="{FF2B5EF4-FFF2-40B4-BE49-F238E27FC236}">
+                <a16:creationId xmlns:a16="http://schemas.microsoft.com/office/drawing/2014/main" id="{A8C0DA83-D887-43B1-7A63-679260C24AD9}"/>
+              </a:ext>
+            </a:extLst>
+          </p:cNvPr>
+          <p:cNvSpPr/>
+          <p:nvPr/>
+        </p:nvSpPr>
+        <p:spPr>
+          <a:xfrm>
+            <a:off x="3924367" y="4735823"/>
+            <a:ext cx="597466" cy="597466"/>
+          </a:xfrm>
+          <a:prstGeom prst="ellipse">
+            <a:avLst/>
+          </a:prstGeom>
+          <a:solidFill>
+            <a:srgbClr val="01FFFF"/>
+          </a:solidFill>
+          <a:ln w="15875">
+            <a:solidFill>
+              <a:srgbClr val="000000"/>
+            </a:solidFill>
+          </a:ln>
+        </p:spPr>
+        <p:style>
+          <a:lnRef idx="2">
+            <a:schemeClr val="accent1">
+              <a:shade val="50000"/>
+            </a:schemeClr>
+          </a:lnRef>
+          <a:fillRef idx="1">
+            <a:schemeClr val="accent1"/>
+          </a:fillRef>
+          <a:effectRef idx="0">
+            <a:schemeClr val="accent1"/>
+          </a:effectRef>
+          <a:fontRef idx="minor">
+            <a:schemeClr val="lt1"/>
+          </a:fontRef>
+        </p:style>
+        <p:txBody>
+          <a:bodyPr wrap="none" rtlCol="0" anchor="ctr"/>
+          <a:lstStyle/>
+          <a:p>
+            <a:pPr algn="ctr"/>
+            <a:r>
+              <a:rPr lang="en-US" altLang="ja-JP" sz="1600" b="1" dirty="0">
+                <a:solidFill>
+                  <a:schemeClr val="tx1"/>
+                </a:solidFill>
+              </a:rPr>
+              <a:t>s</a:t>
+            </a:r>
+            <a:r>
+              <a:rPr lang="en-JP" altLang="ja-JP" sz="1600" b="1" dirty="0">
+                <a:solidFill>
+                  <a:schemeClr val="tx1"/>
+                </a:solidFill>
+              </a:rPr>
+              <a:t>0</a:t>
+            </a:r>
+            <a:r>
+              <a:rPr lang="en-US" altLang="ja-JP" sz="1600" b="1" dirty="0">
+                <a:solidFill>
+                  <a:schemeClr val="tx1"/>
+                </a:solidFill>
+              </a:rPr>
+              <a:t>,t0</a:t>
+            </a:r>
+            <a:br>
+              <a:rPr lang="en-US" altLang="ja-JP" sz="1600" b="1" dirty="0">
+                <a:solidFill>
+                  <a:schemeClr val="tx1"/>
+                </a:solidFill>
+              </a:rPr>
+            </a:br>
+            <a:r>
+              <a:rPr lang="en-US" altLang="ja-JP" sz="1100" b="1" dirty="0">
+                <a:solidFill>
+                  <a:schemeClr val="tx1"/>
+                </a:solidFill>
+              </a:rPr>
+              <a:t>(r0)</a:t>
+            </a:r>
+            <a:endParaRPr lang="en-JP" altLang="ja-JP" sz="1600" b="1" dirty="0">
+              <a:solidFill>
+                <a:schemeClr val="tx1"/>
+              </a:solidFill>
+            </a:endParaRPr>
+          </a:p>
+        </p:txBody>
+      </p:sp>
+      <p:sp>
+        <p:nvSpPr>
+          <p:cNvPr id="78" name="TextBox 64">
+            <a:extLst>
+              <a:ext uri="{FF2B5EF4-FFF2-40B4-BE49-F238E27FC236}">
+                <a16:creationId xmlns:a16="http://schemas.microsoft.com/office/drawing/2014/main" id="{7F46F168-52AD-22B1-F185-C8ECCD4D020B}"/>
+              </a:ext>
+            </a:extLst>
+          </p:cNvPr>
+          <p:cNvSpPr txBox="1"/>
+          <p:nvPr/>
+        </p:nvSpPr>
+        <p:spPr>
+          <a:xfrm>
+            <a:off x="3448423" y="4696437"/>
+            <a:ext cx="504298" cy="338554"/>
+          </a:xfrm>
+          <a:prstGeom prst="rect">
+            <a:avLst/>
+          </a:prstGeom>
+          <a:noFill/>
+        </p:spPr>
+        <p:txBody>
+          <a:bodyPr wrap="square" rtlCol="0">
+            <a:spAutoFit/>
+          </a:bodyPr>
+          <a:lstStyle/>
+          <a:p>
+            <a:pPr algn="ctr"/>
+            <a:r>
+              <a:rPr lang="en-US" sz="1600" b="1" dirty="0"/>
+              <a:t>g</a:t>
+            </a:r>
+            <a:endParaRPr lang="en-JP" sz="1600" b="1" dirty="0"/>
+          </a:p>
+        </p:txBody>
+      </p:sp>
+      <p:sp>
+        <p:nvSpPr>
+          <p:cNvPr id="80" name="Oval 2">
+            <a:extLst>
+              <a:ext uri="{FF2B5EF4-FFF2-40B4-BE49-F238E27FC236}">
+                <a16:creationId xmlns:a16="http://schemas.microsoft.com/office/drawing/2014/main" id="{F02A067F-E926-50BF-6CA9-D1FC9C40393A}"/>
+              </a:ext>
+            </a:extLst>
+          </p:cNvPr>
+          <p:cNvSpPr/>
+          <p:nvPr/>
+        </p:nvSpPr>
+        <p:spPr>
+          <a:xfrm>
+            <a:off x="2900580" y="4024755"/>
+            <a:ext cx="597466" cy="597466"/>
+          </a:xfrm>
+          <a:prstGeom prst="ellipse">
+            <a:avLst/>
+          </a:prstGeom>
+          <a:solidFill>
+            <a:schemeClr val="bg1">
+              <a:lumMod val="95000"/>
+            </a:schemeClr>
+          </a:solidFill>
+          <a:ln w="15875">
+            <a:solidFill>
+              <a:schemeClr val="bg1">
+                <a:lumMod val="85000"/>
+              </a:schemeClr>
+            </a:solidFill>
+          </a:ln>
+        </p:spPr>
+        <p:style>
+          <a:lnRef idx="2">
+            <a:schemeClr val="accent1">
+              <a:shade val="50000"/>
+            </a:schemeClr>
+          </a:lnRef>
+          <a:fillRef idx="1">
+            <a:schemeClr val="accent1"/>
+          </a:fillRef>
+          <a:effectRef idx="0">
+            <a:schemeClr val="accent1"/>
+          </a:effectRef>
+          <a:fontRef idx="minor">
+            <a:schemeClr val="lt1"/>
+          </a:fontRef>
+        </p:style>
+        <p:txBody>
+          <a:bodyPr wrap="none" rtlCol="0" anchor="ctr"/>
+          <a:lstStyle/>
+          <a:p>
+            <a:pPr algn="ctr"/>
+            <a:r>
+              <a:rPr lang="en-US" altLang="ja-JP" sz="1600" b="1" dirty="0">
+                <a:solidFill>
+                  <a:schemeClr val="bg1">
+                    <a:lumMod val="85000"/>
+                  </a:schemeClr>
+                </a:solidFill>
+              </a:rPr>
+              <a:t>s</a:t>
+            </a:r>
+            <a:r>
+              <a:rPr lang="en-JP" altLang="ja-JP" sz="1600" b="1" dirty="0">
+                <a:solidFill>
+                  <a:schemeClr val="bg1">
+                    <a:lumMod val="85000"/>
+                  </a:schemeClr>
+                </a:solidFill>
+              </a:rPr>
+              <a:t>0</a:t>
+            </a:r>
+            <a:r>
+              <a:rPr lang="en-US" altLang="ja-JP" sz="1600" b="1" dirty="0">
+                <a:solidFill>
+                  <a:schemeClr val="bg1">
+                    <a:lumMod val="85000"/>
+                  </a:schemeClr>
+                </a:solidFill>
+              </a:rPr>
+              <a:t>,t0</a:t>
+            </a:r>
+            <a:br>
+              <a:rPr lang="en-US" altLang="ja-JP" sz="1600" b="1" dirty="0">
+                <a:solidFill>
+                  <a:schemeClr val="bg1">
+                    <a:lumMod val="85000"/>
+                  </a:schemeClr>
+                </a:solidFill>
+              </a:rPr>
+            </a:br>
+            <a:r>
+              <a:rPr lang="en-US" altLang="ja-JP" sz="1100" b="1" dirty="0">
+                <a:solidFill>
+                  <a:schemeClr val="bg1">
+                    <a:lumMod val="85000"/>
+                  </a:schemeClr>
+                </a:solidFill>
+              </a:rPr>
+              <a:t>(-1)</a:t>
+            </a:r>
+            <a:endParaRPr lang="en-JP" altLang="ja-JP" sz="1600" b="1" dirty="0">
+              <a:solidFill>
+                <a:schemeClr val="bg1">
+                  <a:lumMod val="85000"/>
+                </a:schemeClr>
+              </a:solidFill>
+            </a:endParaRPr>
+          </a:p>
+        </p:txBody>
+      </p:sp>
+      <p:cxnSp>
+        <p:nvCxnSpPr>
+          <p:cNvPr id="81" name="Straight Arrow Connector 30">
+            <a:extLst>
+              <a:ext uri="{FF2B5EF4-FFF2-40B4-BE49-F238E27FC236}">
+                <a16:creationId xmlns:a16="http://schemas.microsoft.com/office/drawing/2014/main" id="{0CDE8F52-F628-4DC7-D577-93BAC600DBDC}"/>
+              </a:ext>
+            </a:extLst>
+          </p:cNvPr>
+          <p:cNvCxnSpPr>
+            <a:cxnSpLocks/>
+            <a:endCxn id="74" idx="2"/>
+          </p:cNvCxnSpPr>
+          <p:nvPr/>
+        </p:nvCxnSpPr>
+        <p:spPr>
+          <a:xfrm flipV="1">
+            <a:off x="3498046" y="5034556"/>
+            <a:ext cx="426321" cy="10709"/>
+          </a:xfrm>
+          <a:prstGeom prst="straightConnector1">
+            <a:avLst/>
+          </a:prstGeom>
+          <a:ln w="41275" cmpd="dbl">
+            <a:solidFill>
+              <a:schemeClr val="tx1"/>
+            </a:solidFill>
+            <a:headEnd w="med" len="med"/>
+            <a:tailEnd type="triangle" w="med" len="med"/>
+          </a:ln>
+        </p:spPr>
+        <p:style>
+          <a:lnRef idx="1">
+            <a:schemeClr val="accent1"/>
+          </a:lnRef>
+          <a:fillRef idx="0">
+            <a:schemeClr val="accent1"/>
+          </a:fillRef>
+          <a:effectRef idx="0">
+            <a:schemeClr val="accent1"/>
+          </a:effectRef>
+          <a:fontRef idx="minor">
+            <a:schemeClr val="tx1"/>
+          </a:fontRef>
+        </p:style>
+      </p:cxnSp>
+      <p:cxnSp>
+        <p:nvCxnSpPr>
+          <p:cNvPr id="86" name="Straight Arrow Connector 30">
+            <a:extLst>
+              <a:ext uri="{FF2B5EF4-FFF2-40B4-BE49-F238E27FC236}">
+                <a16:creationId xmlns:a16="http://schemas.microsoft.com/office/drawing/2014/main" id="{B1F40BD6-F0DF-03F6-01FE-C97CF54C428E}"/>
+              </a:ext>
+            </a:extLst>
+          </p:cNvPr>
+          <p:cNvCxnSpPr>
+            <a:cxnSpLocks/>
+            <a:stCxn id="51" idx="6"/>
+            <a:endCxn id="80" idx="2"/>
+          </p:cNvCxnSpPr>
+          <p:nvPr/>
+        </p:nvCxnSpPr>
+        <p:spPr>
+          <a:xfrm flipV="1">
+            <a:off x="2474259" y="4323488"/>
+            <a:ext cx="426321" cy="1886"/>
+          </a:xfrm>
+          <a:prstGeom prst="straightConnector1">
+            <a:avLst/>
+          </a:prstGeom>
+          <a:ln w="25400">
+            <a:solidFill>
+              <a:schemeClr val="bg1">
+                <a:lumMod val="85000"/>
+              </a:schemeClr>
+            </a:solidFill>
+            <a:headEnd w="med" len="med"/>
+            <a:tailEnd type="triangle" w="lg" len="lg"/>
+          </a:ln>
+        </p:spPr>
+        <p:style>
+          <a:lnRef idx="1">
+            <a:schemeClr val="accent1"/>
+          </a:lnRef>
+          <a:fillRef idx="0">
+            <a:schemeClr val="accent1"/>
+          </a:fillRef>
+          <a:effectRef idx="0">
+            <a:schemeClr val="accent1"/>
+          </a:effectRef>
+          <a:fontRef idx="minor">
+            <a:schemeClr val="tx1"/>
+          </a:fontRef>
+        </p:style>
+      </p:cxnSp>
+      <p:sp>
+        <p:nvSpPr>
+          <p:cNvPr id="89" name="TextBox 64">
+            <a:extLst>
+              <a:ext uri="{FF2B5EF4-FFF2-40B4-BE49-F238E27FC236}">
+                <a16:creationId xmlns:a16="http://schemas.microsoft.com/office/drawing/2014/main" id="{A3648FCF-CE46-148D-AE4F-23FD575368E0}"/>
+              </a:ext>
+            </a:extLst>
+          </p:cNvPr>
+          <p:cNvSpPr txBox="1"/>
+          <p:nvPr/>
+        </p:nvSpPr>
+        <p:spPr>
+          <a:xfrm>
+            <a:off x="2431460" y="3973806"/>
+            <a:ext cx="504298" cy="338554"/>
+          </a:xfrm>
+          <a:prstGeom prst="rect">
+            <a:avLst/>
+          </a:prstGeom>
+          <a:noFill/>
+        </p:spPr>
+        <p:txBody>
+          <a:bodyPr wrap="square" rtlCol="0">
+            <a:spAutoFit/>
+          </a:bodyPr>
+          <a:lstStyle/>
+          <a:p>
+            <a:pPr algn="ctr"/>
+            <a:r>
+              <a:rPr lang="en-US" sz="1600" b="1" dirty="0">
+                <a:solidFill>
+                  <a:schemeClr val="bg1">
+                    <a:lumMod val="85000"/>
+                  </a:schemeClr>
+                </a:solidFill>
+              </a:rPr>
+              <a:t>d</a:t>
+            </a:r>
+            <a:endParaRPr lang="en-JP" sz="1600" b="1" dirty="0">
+              <a:solidFill>
+                <a:schemeClr val="bg1">
+                  <a:lumMod val="85000"/>
+                </a:schemeClr>
+              </a:solidFill>
+            </a:endParaRPr>
+          </a:p>
+        </p:txBody>
+      </p:sp>
+    </p:spTree>
+    <p:extLst>
+      <p:ext uri="{BB962C8B-B14F-4D97-AF65-F5344CB8AC3E}">
+        <p14:creationId xmlns:p14="http://schemas.microsoft.com/office/powerpoint/2010/main" val="427974059"/>
       </p:ext>
     </p:extLst>
   </p:cSld>

--- a/figures/figures.pptx
+++ b/figures/figures.pptx
@@ -5652,6 +5652,58 @@
       </p:grpSpPr>
       <p:sp>
         <p:nvSpPr>
+          <p:cNvPr id="160" name="正方形/長方形 159">
+            <a:extLst>
+              <a:ext uri="{FF2B5EF4-FFF2-40B4-BE49-F238E27FC236}">
+                <a16:creationId xmlns:a16="http://schemas.microsoft.com/office/drawing/2014/main" id="{4ABDDD2F-57E9-60B9-3F17-D37C0F9C81CE}"/>
+              </a:ext>
+            </a:extLst>
+          </p:cNvPr>
+          <p:cNvSpPr/>
+          <p:nvPr/>
+        </p:nvSpPr>
+        <p:spPr>
+          <a:xfrm>
+            <a:off x="60815" y="1065582"/>
+            <a:ext cx="9034488" cy="5486138"/>
+          </a:xfrm>
+          <a:prstGeom prst="rect">
+            <a:avLst/>
+          </a:prstGeom>
+          <a:solidFill>
+            <a:schemeClr val="bg1"/>
+          </a:solidFill>
+          <a:ln>
+            <a:noFill/>
+          </a:ln>
+        </p:spPr>
+        <p:style>
+          <a:lnRef idx="2">
+            <a:schemeClr val="accent1">
+              <a:shade val="15000"/>
+            </a:schemeClr>
+          </a:lnRef>
+          <a:fillRef idx="1">
+            <a:schemeClr val="accent1"/>
+          </a:fillRef>
+          <a:effectRef idx="0">
+            <a:schemeClr val="accent1"/>
+          </a:effectRef>
+          <a:fontRef idx="minor">
+            <a:schemeClr val="lt1"/>
+          </a:fontRef>
+        </p:style>
+        <p:txBody>
+          <a:bodyPr rtlCol="0" anchor="ctr"/>
+          <a:lstStyle/>
+          <a:p>
+            <a:pPr algn="ctr"/>
+            <a:endParaRPr kumimoji="1" lang="ja-JP" altLang="en-US"/>
+          </a:p>
+        </p:txBody>
+      </p:sp>
+      <p:sp>
+        <p:nvSpPr>
           <p:cNvPr id="142" name="角丸四角形 141">
             <a:extLst>
               <a:ext uri="{FF2B5EF4-FFF2-40B4-BE49-F238E27FC236}">
@@ -5760,7 +5812,7 @@
         </p:nvSpPr>
         <p:spPr>
           <a:xfrm>
-            <a:off x="1736154" y="3076022"/>
+            <a:off x="1860442" y="3076022"/>
             <a:ext cx="1337246" cy="652745"/>
           </a:xfrm>
           <a:prstGeom prst="rect">
@@ -5828,7 +5880,7 @@
         </p:nvSpPr>
         <p:spPr>
           <a:xfrm>
-            <a:off x="1736154" y="1256522"/>
+            <a:off x="1860442" y="1256522"/>
             <a:ext cx="1337246" cy="1551330"/>
           </a:xfrm>
           <a:prstGeom prst="rect">
@@ -5896,7 +5948,7 @@
         </p:nvSpPr>
         <p:spPr>
           <a:xfrm>
-            <a:off x="5241227" y="2423966"/>
+            <a:off x="5365515" y="2423966"/>
             <a:ext cx="1401345" cy="882092"/>
           </a:xfrm>
           <a:prstGeom prst="rect">
@@ -6342,7 +6394,7 @@
         </p:nvSpPr>
         <p:spPr>
           <a:xfrm>
-            <a:off x="220617" y="1571704"/>
+            <a:off x="344905" y="1571704"/>
             <a:ext cx="914400" cy="914400"/>
           </a:xfrm>
           <a:prstGeom prst="rect">
@@ -6418,7 +6470,7 @@
         </p:nvSpPr>
         <p:spPr>
           <a:xfrm>
-            <a:off x="220617" y="2941442"/>
+            <a:off x="344905" y="2941442"/>
             <a:ext cx="914400" cy="914400"/>
           </a:xfrm>
           <a:prstGeom prst="rect">
@@ -6491,7 +6543,7 @@
         </p:nvSpPr>
         <p:spPr>
           <a:xfrm>
-            <a:off x="1239928" y="1805338"/>
+            <a:off x="1364216" y="1805338"/>
             <a:ext cx="387510" cy="452234"/>
           </a:xfrm>
           <a:prstGeom prst="chevron">
@@ -6559,7 +6611,7 @@
         </p:nvSpPr>
         <p:spPr>
           <a:xfrm>
-            <a:off x="3397256" y="2662167"/>
+            <a:off x="3521544" y="2662167"/>
             <a:ext cx="1631880" cy="405689"/>
           </a:xfrm>
           <a:prstGeom prst="chevron">
@@ -6631,7 +6683,7 @@
         </p:nvCxnSpPr>
         <p:spPr>
           <a:xfrm>
-            <a:off x="1135017" y="2028904"/>
+            <a:off x="1259305" y="2028904"/>
             <a:ext cx="161701" cy="2551"/>
           </a:xfrm>
           <a:prstGeom prst="straightConnector1">
@@ -6677,7 +6729,7 @@
         </p:nvCxnSpPr>
         <p:spPr>
           <a:xfrm flipV="1">
-            <a:off x="1135017" y="3394515"/>
+            <a:off x="1259305" y="3394515"/>
             <a:ext cx="161701" cy="4127"/>
           </a:xfrm>
           <a:prstGeom prst="straightConnector1">
@@ -6723,7 +6775,7 @@
         </p:nvCxnSpPr>
         <p:spPr>
           <a:xfrm>
-            <a:off x="1627438" y="2031455"/>
+            <a:off x="1751726" y="2031455"/>
             <a:ext cx="108716" cy="732"/>
           </a:xfrm>
           <a:prstGeom prst="straightConnector1">
@@ -6769,7 +6821,7 @@
         </p:nvCxnSpPr>
         <p:spPr>
           <a:xfrm>
-            <a:off x="1627438" y="3394515"/>
+            <a:off x="1751726" y="3394515"/>
             <a:ext cx="108716" cy="7880"/>
           </a:xfrm>
           <a:prstGeom prst="straightConnector1">
@@ -6815,7 +6867,7 @@
         </p:nvCxnSpPr>
         <p:spPr>
           <a:xfrm>
-            <a:off x="3073400" y="2032187"/>
+            <a:off x="3197688" y="2032187"/>
             <a:ext cx="385026" cy="832825"/>
           </a:xfrm>
           <a:prstGeom prst="bentConnector3">
@@ -6863,7 +6915,7 @@
         </p:nvCxnSpPr>
         <p:spPr>
           <a:xfrm flipV="1">
-            <a:off x="3073400" y="2865012"/>
+            <a:off x="3197688" y="2865012"/>
             <a:ext cx="385026" cy="537383"/>
           </a:xfrm>
           <a:prstGeom prst="bentConnector3">
@@ -6921,7 +6973,7 @@
         </p:blipFill>
         <p:spPr>
           <a:xfrm>
-            <a:off x="316292" y="1571704"/>
+            <a:off x="440580" y="1571704"/>
             <a:ext cx="739785" cy="739785"/>
           </a:xfrm>
           <a:prstGeom prst="rect">
@@ -6950,7 +7002,7 @@
         </p:blipFill>
         <p:spPr>
           <a:xfrm rot="5400000">
-            <a:off x="398339" y="2930038"/>
+            <a:off x="522627" y="2930038"/>
             <a:ext cx="565219" cy="738052"/>
           </a:xfrm>
           <a:prstGeom prst="rect">
@@ -6980,7 +7032,7 @@
         </p:blipFill>
         <p:spPr>
           <a:xfrm>
-            <a:off x="1780501" y="1328305"/>
+            <a:off x="1904789" y="1328305"/>
             <a:ext cx="1251438" cy="1226359"/>
           </a:xfrm>
           <a:prstGeom prst="rect">
@@ -7010,7 +7062,7 @@
         </p:blipFill>
         <p:spPr>
           <a:xfrm>
-            <a:off x="2075044" y="3191636"/>
+            <a:off x="2199332" y="3191636"/>
             <a:ext cx="578200" cy="253995"/>
           </a:xfrm>
           <a:prstGeom prst="rect">
@@ -7032,7 +7084,7 @@
         </p:nvSpPr>
         <p:spPr>
           <a:xfrm>
-            <a:off x="1239928" y="3168398"/>
+            <a:off x="1364216" y="3168398"/>
             <a:ext cx="387510" cy="452234"/>
           </a:xfrm>
           <a:prstGeom prst="chevron">
@@ -7104,7 +7156,7 @@
         </p:nvCxnSpPr>
         <p:spPr>
           <a:xfrm>
-            <a:off x="5029136" y="2865012"/>
+            <a:off x="5153424" y="2865012"/>
             <a:ext cx="212091" cy="0"/>
           </a:xfrm>
           <a:prstGeom prst="straightConnector1">
@@ -7154,7 +7206,7 @@
         </p:blipFill>
         <p:spPr>
           <a:xfrm>
-            <a:off x="5274772" y="2518923"/>
+            <a:off x="5399060" y="2518923"/>
             <a:ext cx="1334253" cy="501309"/>
           </a:xfrm>
           <a:prstGeom prst="rect">
@@ -7239,7 +7291,7 @@
         </p:nvCxnSpPr>
         <p:spPr>
           <a:xfrm flipV="1">
-            <a:off x="4182611" y="3067856"/>
+            <a:off x="4306899" y="3067856"/>
             <a:ext cx="0" cy="911902"/>
           </a:xfrm>
           <a:prstGeom prst="straightConnector1">
@@ -7298,7 +7350,7 @@
         </p:blipFill>
         <p:spPr>
           <a:xfrm>
-            <a:off x="3265913" y="1251113"/>
+            <a:off x="3390201" y="1251113"/>
             <a:ext cx="1158093" cy="469293"/>
           </a:xfrm>
           <a:prstGeom prst="rect">
@@ -7415,7 +7467,7 @@
         </p:nvSpPr>
         <p:spPr>
           <a:xfrm>
-            <a:off x="7398773" y="2371873"/>
+            <a:off x="7540817" y="2371873"/>
             <a:ext cx="1257507" cy="949948"/>
           </a:xfrm>
           <a:prstGeom prst="rect">
@@ -7502,7 +7554,7 @@
         </p:blipFill>
         <p:spPr>
           <a:xfrm>
-            <a:off x="7665728" y="2389746"/>
+            <a:off x="7807772" y="2389746"/>
             <a:ext cx="752507" cy="752507"/>
           </a:xfrm>
           <a:prstGeom prst="rect">
@@ -7524,7 +7576,7 @@
         </p:nvSpPr>
         <p:spPr>
           <a:xfrm>
-            <a:off x="6483078" y="2004443"/>
+            <a:off x="6616244" y="2004443"/>
             <a:ext cx="1033484" cy="963322"/>
           </a:xfrm>
           <a:prstGeom prst="circularArrow">
@@ -7586,7 +7638,7 @@
         </p:nvSpPr>
         <p:spPr>
           <a:xfrm rot="10800000">
-            <a:off x="6491236" y="2714847"/>
+            <a:off x="6624402" y="2732603"/>
             <a:ext cx="1033484" cy="963322"/>
           </a:xfrm>
           <a:prstGeom prst="circularArrow">
@@ -7648,7 +7700,7 @@
         </p:nvSpPr>
         <p:spPr>
           <a:xfrm>
-            <a:off x="6838701" y="2224007"/>
+            <a:off x="6962989" y="2224007"/>
             <a:ext cx="338554" cy="1275349"/>
           </a:xfrm>
           <a:prstGeom prst="rect">

--- a/figures/figures.pptx
+++ b/figures/figures.pptx
@@ -1329,7 +1329,7 @@
           <a:p>
             <a:fld id="{B7146A46-CF47-9B45-B5DA-F02C44766F74}" type="datetimeFigureOut">
               <a:rPr lang="en-US" smtClean="0"/>
-              <a:t>7/29/25</a:t>
+              <a:t>7/31/25</a:t>
             </a:fld>
             <a:endParaRPr lang="en-US"/>
           </a:p>
@@ -5793,7 +5793,7 @@
                   </a:schemeClr>
                 </a:solidFill>
               </a:rPr>
-              <a:t>制御器の導出方法</a:t>
+              <a:t>制御器の合成方法</a:t>
             </a:r>
           </a:p>
         </p:txBody>
@@ -6655,7 +6655,7 @@
                   <a:schemeClr val="bg1"/>
                 </a:solidFill>
               </a:rPr>
-              <a:t>制御器の導出</a:t>
+              <a:t>制御器の合成</a:t>
             </a:r>
             <a:endParaRPr lang="en-JP" sz="1200" dirty="0">
               <a:solidFill>
